--- a/gpu/EE817 Lecture 7 CUDA Shared Memory.pptx
+++ b/gpu/EE817 Lecture 7 CUDA Shared Memory.pptx
@@ -287,7 +287,7 @@
           <a:p>
             <a:fld id="{0958D145-3F61-4970-8B92-DDA610F3EB4F}" type="datetimeFigureOut">
               <a:rPr lang="ko-KR" altLang="en-US" smtClean="0"/>
-              <a:t>2017-04-04</a:t>
+              <a:t>2017-04-10</a:t>
             </a:fld>
             <a:endParaRPr lang="ko-KR" altLang="en-US" dirty="0"/>
           </a:p>
@@ -482,7 +482,7 @@
               <a:pPr>
                 <a:defRPr/>
               </a:pPr>
-              <a:t>2017-04-04</a:t>
+              <a:t>2017-04-10</a:t>
             </a:fld>
             <a:endParaRPr lang="ko-KR" altLang="en-US" dirty="0"/>
           </a:p>
@@ -1344,7 +1344,7 @@
               <a:pPr>
                 <a:defRPr/>
               </a:pPr>
-              <a:t>4/4/2017</a:t>
+              <a:t>4/10/2017</a:t>
             </a:fld>
             <a:endParaRPr lang="en-US" altLang="ko-KR" dirty="0"/>
           </a:p>
@@ -1546,7 +1546,7 @@
               <a:pPr>
                 <a:defRPr/>
               </a:pPr>
-              <a:t>4/4/2017</a:t>
+              <a:t>4/10/2017</a:t>
             </a:fld>
             <a:endParaRPr lang="en-US" altLang="ko-KR" dirty="0"/>
           </a:p>
@@ -1979,7 +1979,7 @@
               <a:pPr>
                 <a:defRPr/>
               </a:pPr>
-              <a:t>4/4/2017</a:t>
+              <a:t>4/10/2017</a:t>
             </a:fld>
             <a:endParaRPr lang="en-US" altLang="ko-KR" dirty="0"/>
           </a:p>
@@ -2176,7 +2176,7 @@
               <a:pPr>
                 <a:defRPr/>
               </a:pPr>
-              <a:t>4/4/2017</a:t>
+              <a:t>4/10/2017</a:t>
             </a:fld>
             <a:endParaRPr lang="en-US" altLang="ko-KR" dirty="0"/>
           </a:p>
@@ -2691,7 +2691,7 @@
               <a:pPr>
                 <a:defRPr/>
               </a:pPr>
-              <a:t>4/4/2017</a:t>
+              <a:t>4/10/2017</a:t>
             </a:fld>
             <a:endParaRPr lang="en-US" altLang="ko-KR" dirty="0"/>
           </a:p>
@@ -3006,7 +3006,7 @@
               <a:pPr>
                 <a:defRPr/>
               </a:pPr>
-              <a:t>4/4/2017</a:t>
+              <a:t>4/10/2017</a:t>
             </a:fld>
             <a:endParaRPr lang="en-US" altLang="ko-KR" dirty="0"/>
           </a:p>
@@ -3509,7 +3509,7 @@
               <a:pPr>
                 <a:defRPr/>
               </a:pPr>
-              <a:t>4/4/2017</a:t>
+              <a:t>4/10/2017</a:t>
             </a:fld>
             <a:endParaRPr lang="en-US" altLang="ko-KR" dirty="0"/>
           </a:p>
@@ -3897,7 +3897,7 @@
               <a:pPr>
                 <a:defRPr/>
               </a:pPr>
-              <a:t>4/4/2017</a:t>
+              <a:t>4/10/2017</a:t>
             </a:fld>
             <a:endParaRPr lang="en-US" altLang="ko-KR" dirty="0"/>
           </a:p>
@@ -4355,7 +4355,7 @@
               <a:pPr>
                 <a:defRPr/>
               </a:pPr>
-              <a:t>4/4/2017</a:t>
+              <a:t>4/10/2017</a:t>
             </a:fld>
             <a:endParaRPr lang="en-US" altLang="ko-KR" dirty="0"/>
           </a:p>
@@ -4653,7 +4653,7 @@
               <a:pPr>
                 <a:defRPr/>
               </a:pPr>
-              <a:t>4/4/2017</a:t>
+              <a:t>4/10/2017</a:t>
             </a:fld>
             <a:endParaRPr lang="en-US" altLang="ko-KR" dirty="0"/>
           </a:p>
@@ -4983,7 +4983,7 @@
               <a:pPr>
                 <a:defRPr/>
               </a:pPr>
-              <a:t>4/4/2017</a:t>
+              <a:t>4/10/2017</a:t>
             </a:fld>
             <a:endParaRPr lang="en-US" altLang="ko-KR" dirty="0"/>
           </a:p>
@@ -5501,7 +5501,7 @@
               <a:pPr>
                 <a:defRPr/>
               </a:pPr>
-              <a:t>4/4/2017</a:t>
+              <a:t>4/10/2017</a:t>
             </a:fld>
             <a:endParaRPr lang="en-US" altLang="ko-KR" dirty="0"/>
           </a:p>
@@ -19162,7 +19162,7 @@
         <p:spPr>
           <a:xfrm>
             <a:off x="467544" y="548680"/>
-            <a:ext cx="8229600" cy="4525963"/>
+            <a:ext cx="8229600" cy="6048672"/>
           </a:xfrm>
         </p:spPr>
         <p:txBody>
@@ -19477,7 +19477,7 @@
         <p:spPr>
           <a:xfrm>
             <a:off x="467544" y="1268760"/>
-            <a:ext cx="8229600" cy="4525963"/>
+            <a:ext cx="8229600" cy="5688632"/>
           </a:xfrm>
         </p:spPr>
         <p:txBody>

--- a/gpu/EE817 Lecture 7 CUDA Shared Memory.pptx
+++ b/gpu/EE817 Lecture 7 CUDA Shared Memory.pptx
@@ -5,10 +5,10 @@
     <p:sldMasterId id="2147483660" r:id="rId1"/>
   </p:sldMasterIdLst>
   <p:notesMasterIdLst>
-    <p:notesMasterId r:id="rId49"/>
+    <p:notesMasterId r:id="rId53"/>
   </p:notesMasterIdLst>
   <p:handoutMasterIdLst>
-    <p:handoutMasterId r:id="rId50"/>
+    <p:handoutMasterId r:id="rId54"/>
   </p:handoutMasterIdLst>
   <p:sldIdLst>
     <p:sldId id="282" r:id="rId2"/>
@@ -29,35 +29,39 @@
     <p:sldId id="296" r:id="rId17"/>
     <p:sldId id="297" r:id="rId18"/>
     <p:sldId id="300" r:id="rId19"/>
-    <p:sldId id="301" r:id="rId20"/>
-    <p:sldId id="302" r:id="rId21"/>
-    <p:sldId id="303" r:id="rId22"/>
-    <p:sldId id="304" r:id="rId23"/>
-    <p:sldId id="305" r:id="rId24"/>
-    <p:sldId id="306" r:id="rId25"/>
-    <p:sldId id="307" r:id="rId26"/>
-    <p:sldId id="308" r:id="rId27"/>
-    <p:sldId id="309" r:id="rId28"/>
-    <p:sldId id="310" r:id="rId29"/>
-    <p:sldId id="311" r:id="rId30"/>
-    <p:sldId id="312" r:id="rId31"/>
-    <p:sldId id="313" r:id="rId32"/>
-    <p:sldId id="315" r:id="rId33"/>
-    <p:sldId id="317" r:id="rId34"/>
-    <p:sldId id="318" r:id="rId35"/>
-    <p:sldId id="320" r:id="rId36"/>
-    <p:sldId id="319" r:id="rId37"/>
-    <p:sldId id="321" r:id="rId38"/>
-    <p:sldId id="322" r:id="rId39"/>
-    <p:sldId id="323" r:id="rId40"/>
-    <p:sldId id="324" r:id="rId41"/>
-    <p:sldId id="325" r:id="rId42"/>
-    <p:sldId id="326" r:id="rId43"/>
-    <p:sldId id="327" r:id="rId44"/>
-    <p:sldId id="330" r:id="rId45"/>
-    <p:sldId id="331" r:id="rId46"/>
-    <p:sldId id="332" r:id="rId47"/>
-    <p:sldId id="334" r:id="rId48"/>
+    <p:sldId id="335" r:id="rId20"/>
+    <p:sldId id="301" r:id="rId21"/>
+    <p:sldId id="302" r:id="rId22"/>
+    <p:sldId id="303" r:id="rId23"/>
+    <p:sldId id="336" r:id="rId24"/>
+    <p:sldId id="304" r:id="rId25"/>
+    <p:sldId id="337" r:id="rId26"/>
+    <p:sldId id="305" r:id="rId27"/>
+    <p:sldId id="306" r:id="rId28"/>
+    <p:sldId id="307" r:id="rId29"/>
+    <p:sldId id="308" r:id="rId30"/>
+    <p:sldId id="309" r:id="rId31"/>
+    <p:sldId id="310" r:id="rId32"/>
+    <p:sldId id="311" r:id="rId33"/>
+    <p:sldId id="312" r:id="rId34"/>
+    <p:sldId id="313" r:id="rId35"/>
+    <p:sldId id="315" r:id="rId36"/>
+    <p:sldId id="317" r:id="rId37"/>
+    <p:sldId id="318" r:id="rId38"/>
+    <p:sldId id="320" r:id="rId39"/>
+    <p:sldId id="319" r:id="rId40"/>
+    <p:sldId id="321" r:id="rId41"/>
+    <p:sldId id="322" r:id="rId42"/>
+    <p:sldId id="323" r:id="rId43"/>
+    <p:sldId id="324" r:id="rId44"/>
+    <p:sldId id="325" r:id="rId45"/>
+    <p:sldId id="326" r:id="rId46"/>
+    <p:sldId id="338" r:id="rId47"/>
+    <p:sldId id="327" r:id="rId48"/>
+    <p:sldId id="330" r:id="rId49"/>
+    <p:sldId id="331" r:id="rId50"/>
+    <p:sldId id="332" r:id="rId51"/>
+    <p:sldId id="334" r:id="rId52"/>
   </p:sldIdLst>
   <p:sldSz cx="9144000" cy="6858000" type="screen4x3"/>
   <p:notesSz cx="9874250" cy="6797675"/>
@@ -287,7 +291,7 @@
           <a:p>
             <a:fld id="{0958D145-3F61-4970-8B92-DDA610F3EB4F}" type="datetimeFigureOut">
               <a:rPr lang="ko-KR" altLang="en-US" smtClean="0"/>
-              <a:t>2017-04-10</a:t>
+              <a:t>2017-04-19</a:t>
             </a:fld>
             <a:endParaRPr lang="ko-KR" altLang="en-US" dirty="0"/>
           </a:p>
@@ -482,7 +486,7 @@
               <a:pPr>
                 <a:defRPr/>
               </a:pPr>
-              <a:t>2017-04-10</a:t>
+              <a:t>2017-04-19</a:t>
             </a:fld>
             <a:endParaRPr lang="ko-KR" altLang="en-US" dirty="0"/>
           </a:p>
@@ -1344,7 +1348,7 @@
               <a:pPr>
                 <a:defRPr/>
               </a:pPr>
-              <a:t>4/10/2017</a:t>
+              <a:t>4/19/2017</a:t>
             </a:fld>
             <a:endParaRPr lang="en-US" altLang="ko-KR" dirty="0"/>
           </a:p>
@@ -1546,7 +1550,7 @@
               <a:pPr>
                 <a:defRPr/>
               </a:pPr>
-              <a:t>4/10/2017</a:t>
+              <a:t>4/19/2017</a:t>
             </a:fld>
             <a:endParaRPr lang="en-US" altLang="ko-KR" dirty="0"/>
           </a:p>
@@ -1979,7 +1983,7 @@
               <a:pPr>
                 <a:defRPr/>
               </a:pPr>
-              <a:t>4/10/2017</a:t>
+              <a:t>4/19/2017</a:t>
             </a:fld>
             <a:endParaRPr lang="en-US" altLang="ko-KR" dirty="0"/>
           </a:p>
@@ -2176,7 +2180,7 @@
               <a:pPr>
                 <a:defRPr/>
               </a:pPr>
-              <a:t>4/10/2017</a:t>
+              <a:t>4/19/2017</a:t>
             </a:fld>
             <a:endParaRPr lang="en-US" altLang="ko-KR" dirty="0"/>
           </a:p>
@@ -2691,7 +2695,7 @@
               <a:pPr>
                 <a:defRPr/>
               </a:pPr>
-              <a:t>4/10/2017</a:t>
+              <a:t>4/19/2017</a:t>
             </a:fld>
             <a:endParaRPr lang="en-US" altLang="ko-KR" dirty="0"/>
           </a:p>
@@ -3006,7 +3010,7 @@
               <a:pPr>
                 <a:defRPr/>
               </a:pPr>
-              <a:t>4/10/2017</a:t>
+              <a:t>4/19/2017</a:t>
             </a:fld>
             <a:endParaRPr lang="en-US" altLang="ko-KR" dirty="0"/>
           </a:p>
@@ -3509,7 +3513,7 @@
               <a:pPr>
                 <a:defRPr/>
               </a:pPr>
-              <a:t>4/10/2017</a:t>
+              <a:t>4/19/2017</a:t>
             </a:fld>
             <a:endParaRPr lang="en-US" altLang="ko-KR" dirty="0"/>
           </a:p>
@@ -3897,7 +3901,7 @@
               <a:pPr>
                 <a:defRPr/>
               </a:pPr>
-              <a:t>4/10/2017</a:t>
+              <a:t>4/19/2017</a:t>
             </a:fld>
             <a:endParaRPr lang="en-US" altLang="ko-KR" dirty="0"/>
           </a:p>
@@ -4355,7 +4359,7 @@
               <a:pPr>
                 <a:defRPr/>
               </a:pPr>
-              <a:t>4/10/2017</a:t>
+              <a:t>4/19/2017</a:t>
             </a:fld>
             <a:endParaRPr lang="en-US" altLang="ko-KR" dirty="0"/>
           </a:p>
@@ -4653,7 +4657,7 @@
               <a:pPr>
                 <a:defRPr/>
               </a:pPr>
-              <a:t>4/10/2017</a:t>
+              <a:t>4/19/2017</a:t>
             </a:fld>
             <a:endParaRPr lang="en-US" altLang="ko-KR" dirty="0"/>
           </a:p>
@@ -4983,7 +4987,7 @@
               <a:pPr>
                 <a:defRPr/>
               </a:pPr>
-              <a:t>4/10/2017</a:t>
+              <a:t>4/19/2017</a:t>
             </a:fld>
             <a:endParaRPr lang="en-US" altLang="ko-KR" dirty="0"/>
           </a:p>
@@ -5501,7 +5505,7 @@
               <a:pPr>
                 <a:defRPr/>
               </a:pPr>
-              <a:t>4/10/2017</a:t>
+              <a:t>4/19/2017</a:t>
             </a:fld>
             <a:endParaRPr lang="en-US" altLang="ko-KR" dirty="0"/>
           </a:p>
@@ -6155,7 +6159,7 @@
         </p:blipFill>
         <p:spPr bwMode="auto">
           <a:xfrm>
-            <a:off x="2123728" y="1772816"/>
+            <a:off x="107504" y="1642561"/>
             <a:ext cx="4757494" cy="1440160"/>
           </a:xfrm>
           <a:prstGeom prst="rect">
@@ -6209,7 +6213,7 @@
         </p:blipFill>
         <p:spPr bwMode="auto">
           <a:xfrm>
-            <a:off x="2051720" y="3573016"/>
+            <a:off x="73983" y="3363363"/>
             <a:ext cx="4824536" cy="2729933"/>
           </a:xfrm>
           <a:prstGeom prst="rect">
@@ -6274,6 +6278,126 @@
           </a:p>
         </p:txBody>
       </p:sp>
+      <p:sp>
+        <p:nvSpPr>
+          <p:cNvPr id="3" name="TextBox 2"/>
+          <p:cNvSpPr txBox="1"/>
+          <p:nvPr/>
+        </p:nvSpPr>
+        <p:spPr>
+          <a:xfrm>
+            <a:off x="4864998" y="1844824"/>
+            <a:ext cx="3533340" cy="646331"/>
+          </a:xfrm>
+          <a:prstGeom prst="rect">
+            <a:avLst/>
+          </a:prstGeom>
+          <a:noFill/>
+        </p:spPr>
+        <p:txBody>
+          <a:bodyPr wrap="none" rtlCol="0">
+            <a:spAutoFit/>
+          </a:bodyPr>
+          <a:lstStyle/>
+          <a:p>
+            <a:r>
+              <a:rPr lang="en-US" altLang="ko-KR" dirty="0"/>
+              <a:t>Optimal parallel access pattern</a:t>
+            </a:r>
+          </a:p>
+          <a:p>
+            <a:r>
+              <a:rPr lang="en-US" altLang="ko-KR" dirty="0"/>
+              <a:t>: no bank conflict</a:t>
+            </a:r>
+            <a:endParaRPr lang="ko-KR" altLang="en-US" dirty="0"/>
+          </a:p>
+        </p:txBody>
+      </p:sp>
+      <p:sp>
+        <p:nvSpPr>
+          <p:cNvPr id="7" name="TextBox 6"/>
+          <p:cNvSpPr txBox="1"/>
+          <p:nvPr/>
+        </p:nvSpPr>
+        <p:spPr>
+          <a:xfrm>
+            <a:off x="4788024" y="3573016"/>
+            <a:ext cx="2836033" cy="646331"/>
+          </a:xfrm>
+          <a:prstGeom prst="rect">
+            <a:avLst/>
+          </a:prstGeom>
+          <a:noFill/>
+        </p:spPr>
+        <p:txBody>
+          <a:bodyPr wrap="none" rtlCol="0">
+            <a:spAutoFit/>
+          </a:bodyPr>
+          <a:lstStyle/>
+          <a:p>
+            <a:r>
+              <a:rPr lang="en-US" altLang="ko-KR" dirty="0"/>
+              <a:t>Random access pattern </a:t>
+            </a:r>
+          </a:p>
+          <a:p>
+            <a:r>
+              <a:rPr lang="en-US" altLang="ko-KR" dirty="0"/>
+              <a:t>: no bank conflict</a:t>
+            </a:r>
+            <a:endParaRPr lang="ko-KR" altLang="en-US" dirty="0"/>
+          </a:p>
+        </p:txBody>
+      </p:sp>
+      <p:sp>
+        <p:nvSpPr>
+          <p:cNvPr id="8" name="TextBox 7"/>
+          <p:cNvSpPr txBox="1"/>
+          <p:nvPr/>
+        </p:nvSpPr>
+        <p:spPr>
+          <a:xfrm>
+            <a:off x="4788023" y="4862234"/>
+            <a:ext cx="4360489" cy="923330"/>
+          </a:xfrm>
+          <a:prstGeom prst="rect">
+            <a:avLst/>
+          </a:prstGeom>
+          <a:noFill/>
+        </p:spPr>
+        <p:txBody>
+          <a:bodyPr wrap="none" rtlCol="0">
+            <a:spAutoFit/>
+          </a:bodyPr>
+          <a:lstStyle/>
+          <a:p>
+            <a:r>
+              <a:rPr lang="en-US" altLang="ko-KR" dirty="0"/>
+              <a:t>Several threads access the same bank</a:t>
+            </a:r>
+          </a:p>
+          <a:p>
+            <a:pPr marL="342900" indent="-342900">
+              <a:buAutoNum type="arabicParenR"/>
+            </a:pPr>
+            <a:r>
+              <a:rPr lang="en-US" altLang="ko-KR" dirty="0"/>
+              <a:t>conflict-free broadcast access</a:t>
+            </a:r>
+          </a:p>
+          <a:p>
+            <a:pPr marL="342900" indent="-342900">
+              <a:buAutoNum type="arabicParenR"/>
+            </a:pPr>
+            <a:r>
+              <a:rPr lang="en-US" altLang="ko-KR" dirty="0"/>
+              <a:t>Bank conflict</a:t>
+            </a:r>
+            <a:endParaRPr lang="ko-KR" altLang="en-US" dirty="0"/>
+          </a:p>
+        </p:txBody>
+      </p:sp>
     </p:spTree>
     <p:extLst>
       <p:ext uri="{BB962C8B-B14F-4D97-AF65-F5344CB8AC3E}">
@@ -6394,6 +6518,41 @@
               <a:rPr lang="en-US" altLang="ko-KR" sz="2400" dirty="0"/>
               <a:t>	bank index=(byte address/(4bytes  or 8 bytes))%32</a:t>
             </a:r>
+          </a:p>
+          <a:p>
+            <a:pPr marL="0" indent="0">
+              <a:buNone/>
+            </a:pPr>
+            <a:endParaRPr lang="en-US" altLang="ko-KR" sz="2400" dirty="0"/>
+          </a:p>
+          <a:p>
+            <a:pPr marL="0" indent="0">
+              <a:buNone/>
+            </a:pPr>
+            <a:r>
+              <a:rPr lang="en-US" altLang="ko-KR" sz="2000" dirty="0"/>
+              <a:t>Bank conflict does not occur when two threads from the same warp access the same address</a:t>
+            </a:r>
+          </a:p>
+          <a:p>
+            <a:pPr marL="0" indent="0">
+              <a:buNone/>
+            </a:pPr>
+            <a:r>
+              <a:rPr lang="en-US" altLang="ko-KR" sz="2000" dirty="0"/>
+              <a:t>for read accesses, the word is broadcast to the requesting threads, and for write accesses, the word is written by only one of the threads — which thread performs the write is </a:t>
+            </a:r>
+            <a:r>
+              <a:rPr lang="en-US" altLang="ko-KR" sz="2000" dirty="0" err="1"/>
+              <a:t>undefned</a:t>
+            </a:r>
+            <a:r>
+              <a:rPr lang="en-US" altLang="ko-KR" sz="2000" dirty="0"/>
+              <a:t> </a:t>
+            </a:r>
+            <a:br>
+              <a:rPr lang="en-US" altLang="ko-KR" sz="2400" dirty="0"/>
+            </a:br>
             <a:endParaRPr lang="ko-KR" altLang="en-US" sz="2400" dirty="0"/>
           </a:p>
         </p:txBody>
@@ -6551,6 +6710,48 @@
           </a:p>
         </p:txBody>
       </p:sp>
+      <p:sp>
+        <p:nvSpPr>
+          <p:cNvPr id="3" name="TextBox 2"/>
+          <p:cNvSpPr txBox="1"/>
+          <p:nvPr/>
+        </p:nvSpPr>
+        <p:spPr>
+          <a:xfrm>
+            <a:off x="1306926" y="1635187"/>
+            <a:ext cx="6577442" cy="923330"/>
+          </a:xfrm>
+          <a:prstGeom prst="rect">
+            <a:avLst/>
+          </a:prstGeom>
+          <a:noFill/>
+        </p:spPr>
+        <p:txBody>
+          <a:bodyPr wrap="none" rtlCol="0">
+            <a:spAutoFit/>
+          </a:bodyPr>
+          <a:lstStyle/>
+          <a:p>
+            <a:r>
+              <a:rPr lang="en-US" altLang="ko-KR" dirty="0"/>
+              <a:t>The bank width is 32 bits and there are 32 banks </a:t>
+            </a:r>
+          </a:p>
+          <a:p>
+            <a:r>
+              <a:rPr lang="en-US" altLang="ko-KR" dirty="0"/>
+              <a:t>Each bank has a bandwidth of 32bits per two clock cycles.</a:t>
+            </a:r>
+          </a:p>
+          <a:p>
+            <a:r>
+              <a:rPr lang="en-US" altLang="ko-KR" dirty="0"/>
+              <a:t>bank index=(byte address/(4bytes))%32</a:t>
+            </a:r>
+            <a:endParaRPr lang="ko-KR" altLang="en-US" dirty="0"/>
+          </a:p>
+        </p:txBody>
+      </p:sp>
     </p:spTree>
     <p:extLst>
       <p:ext uri="{BB962C8B-B14F-4D97-AF65-F5344CB8AC3E}">
@@ -6629,7 +6830,7 @@
         </p:blipFill>
         <p:spPr bwMode="auto">
           <a:xfrm>
-            <a:off x="1331640" y="2420888"/>
+            <a:off x="1187624" y="4005064"/>
             <a:ext cx="6417060" cy="2808312"/>
           </a:xfrm>
           <a:prstGeom prst="rect">
@@ -6668,8 +6869,8 @@
         </p:nvSpPr>
         <p:spPr>
           <a:xfrm>
-            <a:off x="899592" y="1628800"/>
-            <a:ext cx="6336704" cy="646331"/>
+            <a:off x="215516" y="1500188"/>
+            <a:ext cx="8712968" cy="2800767"/>
           </a:xfrm>
           <a:prstGeom prst="rect">
             <a:avLst/>
@@ -6683,50 +6884,56 @@
           <a:lstStyle/>
           <a:p>
             <a:r>
-              <a:rPr lang="en-US" altLang="ko-KR" dirty="0"/>
+              <a:rPr lang="en-US" altLang="ko-KR" sz="1600" dirty="0"/>
               <a:t>In Kepler device, shared memory has 32 banks with the two address mode: 32-bit mode and 64-bit mode.</a:t>
             </a:r>
-            <a:endParaRPr lang="ko-KR" altLang="en-US" dirty="0"/>
-          </a:p>
-        </p:txBody>
-      </p:sp>
-      <p:sp>
-        <p:nvSpPr>
-          <p:cNvPr id="3" name="TextBox 2"/>
-          <p:cNvSpPr txBox="1"/>
-          <p:nvPr/>
-        </p:nvSpPr>
-        <p:spPr>
-          <a:xfrm>
-            <a:off x="6156176" y="5589240"/>
-            <a:ext cx="2160240" cy="523220"/>
-          </a:xfrm>
-          <a:prstGeom prst="rect">
-            <a:avLst/>
-          </a:prstGeom>
-          <a:noFill/>
-        </p:spPr>
-        <p:txBody>
-          <a:bodyPr wrap="square" rtlCol="0">
-            <a:spAutoFit/>
-          </a:bodyPr>
-          <a:lstStyle/>
-          <a:p>
-            <a:r>
-              <a:rPr lang="en-US" altLang="ko-KR" sz="1400" dirty="0">
-                <a:latin typeface="+mn-lt"/>
-              </a:rPr>
-              <a:t>from [PCCP]</a:t>
-            </a:r>
-            <a:endParaRPr lang="ko-KR" altLang="en-US" sz="1400" dirty="0">
-              <a:latin typeface="+mn-lt"/>
-            </a:endParaRPr>
-          </a:p>
-          <a:p>
-            <a:endParaRPr lang="ko-KR" altLang="en-US" sz="1400" dirty="0">
-              <a:latin typeface="+mn-lt"/>
-              <a:ea typeface="+mj-ea"/>
-            </a:endParaRPr>
+          </a:p>
+          <a:p>
+            <a:r>
+              <a:rPr lang="en-US" altLang="ko-KR" sz="1600" dirty="0"/>
+              <a:t>1. 64bit mode </a:t>
+            </a:r>
+          </a:p>
+          <a:p>
+            <a:r>
+              <a:rPr lang="en-US" altLang="ko-KR" sz="1600" dirty="0"/>
+              <a:t>successive 64-bit words map to successive banks. Each bank has a bandwidth of 64 bits per clock cycle. </a:t>
+            </a:r>
+            <a:br>
+              <a:rPr lang="en-US" altLang="ko-KR" sz="1600" dirty="0"/>
+            </a:br>
+            <a:r>
+              <a:rPr lang="en-US" altLang="ko-KR" sz="1600" dirty="0"/>
+              <a:t>	</a:t>
+            </a:r>
+            <a:r>
+              <a:rPr lang="en-US" altLang="ko-KR" sz="1600" i="1" dirty="0"/>
+              <a:t>bank index = (byte address ÷ 8 bytes/bank) % 32 banks</a:t>
+            </a:r>
+            <a:r>
+              <a:rPr lang="en-US" altLang="ko-KR" sz="1600" dirty="0"/>
+              <a:t> </a:t>
+            </a:r>
+            <a:br>
+              <a:rPr lang="en-US" altLang="ko-KR" sz="1600" dirty="0"/>
+            </a:br>
+            <a:endParaRPr lang="en-US" altLang="ko-KR" sz="1600" dirty="0"/>
+          </a:p>
+          <a:p>
+            <a:r>
+              <a:rPr lang="en-US" altLang="ko-KR" sz="1600" dirty="0"/>
+              <a:t>2. 32bit mode</a:t>
+            </a:r>
+          </a:p>
+          <a:p>
+            <a:r>
+              <a:rPr lang="en-US" altLang="ko-KR" sz="1600" dirty="0"/>
+              <a:t>Though word 0 and word 32 are both in bank 0, reading both in the same memory request would not imply a bank conﬂict. Cause its bandwidth is 64bits</a:t>
+            </a:r>
+            <a:br>
+              <a:rPr lang="en-US" altLang="ko-KR" sz="1600" dirty="0"/>
+            </a:br>
+            <a:endParaRPr lang="en-US" altLang="ko-KR" sz="1600" dirty="0"/>
           </a:p>
         </p:txBody>
       </p:sp>
@@ -6770,14 +6977,19 @@
             <p:ph type="title"/>
           </p:nvPr>
         </p:nvSpPr>
-        <p:spPr/>
+        <p:spPr>
+          <a:xfrm>
+            <a:off x="179512" y="539750"/>
+            <a:ext cx="8784976" cy="960438"/>
+          </a:xfrm>
+        </p:spPr>
         <p:txBody>
           <a:bodyPr/>
           <a:lstStyle/>
           <a:p>
             <a:r>
               <a:rPr lang="en-US" altLang="ko-KR" dirty="0"/>
-              <a:t>Bank Conflict Free Case</a:t>
+              <a:t>Bank Conflict Free Case in 64bit mode</a:t>
             </a:r>
             <a:endParaRPr lang="ko-KR" altLang="en-US" dirty="0"/>
           </a:p>
@@ -6808,7 +7020,7 @@
         </p:blipFill>
         <p:spPr bwMode="auto">
           <a:xfrm>
-            <a:off x="1691680" y="1916832"/>
+            <a:off x="35496" y="1731322"/>
             <a:ext cx="4808073" cy="4189491"/>
           </a:xfrm>
           <a:prstGeom prst="rect">
@@ -6875,6 +7087,132 @@
             <a:endParaRPr lang="ko-KR" altLang="en-US" sz="1400" dirty="0">
               <a:latin typeface="+mn-lt"/>
             </a:endParaRPr>
+          </a:p>
+        </p:txBody>
+      </p:sp>
+      <p:sp>
+        <p:nvSpPr>
+          <p:cNvPr id="5" name="TextBox 4"/>
+          <p:cNvSpPr txBox="1"/>
+          <p:nvPr/>
+        </p:nvSpPr>
+        <p:spPr>
+          <a:xfrm>
+            <a:off x="3995936" y="4293096"/>
+            <a:ext cx="5006499" cy="1600438"/>
+          </a:xfrm>
+          <a:prstGeom prst="rect">
+            <a:avLst/>
+          </a:prstGeom>
+          <a:noFill/>
+        </p:spPr>
+        <p:txBody>
+          <a:bodyPr wrap="none" rtlCol="0">
+            <a:spAutoFit/>
+          </a:bodyPr>
+          <a:lstStyle/>
+          <a:p>
+            <a:pPr marL="342900" indent="-342900">
+              <a:buAutoNum type="arabicPeriod"/>
+            </a:pPr>
+            <a:r>
+              <a:rPr lang="ko-KR" altLang="en-US" sz="1600" dirty="0"/>
+              <a:t>두 </a:t>
+            </a:r>
+            <a:r>
+              <a:rPr lang="en-US" altLang="ko-KR" sz="1600" dirty="0"/>
+              <a:t>thread</a:t>
+            </a:r>
+            <a:r>
+              <a:rPr lang="ko-KR" altLang="en-US" sz="1600" dirty="0"/>
+              <a:t>가 같은 </a:t>
+            </a:r>
+            <a:r>
+              <a:rPr lang="en-US" altLang="ko-KR" sz="1600" dirty="0"/>
+              <a:t>bank address</a:t>
+            </a:r>
+            <a:r>
+              <a:rPr lang="ko-KR" altLang="en-US" sz="1600" dirty="0"/>
+              <a:t>에 접근할 경우</a:t>
+            </a:r>
+            <a:endParaRPr lang="en-US" altLang="ko-KR" sz="1600" dirty="0"/>
+          </a:p>
+          <a:p>
+            <a:r>
+              <a:rPr lang="en-US" altLang="ko-KR" sz="1600" dirty="0"/>
+              <a:t>bank conflict</a:t>
+            </a:r>
+            <a:r>
+              <a:rPr lang="ko-KR" altLang="en-US" sz="1600" dirty="0"/>
+              <a:t>이 아니다</a:t>
+            </a:r>
+            <a:endParaRPr lang="en-US" altLang="ko-KR" sz="1600" dirty="0"/>
+          </a:p>
+          <a:p>
+            <a:r>
+              <a:rPr lang="en-US" altLang="ko-KR" sz="1600" dirty="0"/>
+              <a:t>2.64 bit mode</a:t>
+            </a:r>
+            <a:r>
+              <a:rPr lang="ko-KR" altLang="en-US" sz="1600" dirty="0"/>
+              <a:t>에서 </a:t>
+            </a:r>
+            <a:r>
+              <a:rPr lang="en-US" altLang="ko-KR" sz="1600" dirty="0"/>
+              <a:t>bank30</a:t>
+            </a:r>
+            <a:r>
+              <a:rPr lang="ko-KR" altLang="en-US" sz="1600" dirty="0"/>
+              <a:t>과 같이 접근을 할 경우</a:t>
+            </a:r>
+            <a:endParaRPr lang="en-US" altLang="ko-KR" sz="1600" dirty="0"/>
+          </a:p>
+          <a:p>
+            <a:r>
+              <a:rPr lang="en-US" altLang="ko-KR" sz="1600" dirty="0"/>
+              <a:t>Bank conflict</a:t>
+            </a:r>
+            <a:r>
+              <a:rPr lang="ko-KR" altLang="en-US" sz="1600" dirty="0"/>
+              <a:t>가 발생하지 않는다</a:t>
+            </a:r>
+            <a:r>
+              <a:rPr lang="en-US" altLang="ko-KR" sz="1600" dirty="0"/>
+              <a:t>. </a:t>
+            </a:r>
+            <a:r>
+              <a:rPr lang="ko-KR" altLang="en-US" sz="1600" dirty="0"/>
+              <a:t>왜냐하면</a:t>
+            </a:r>
+            <a:r>
+              <a:rPr lang="en-US" altLang="ko-KR" sz="1600" dirty="0"/>
+              <a:t>, </a:t>
+            </a:r>
+          </a:p>
+          <a:p>
+            <a:r>
+              <a:rPr lang="en-US" altLang="ko-KR" sz="1600" dirty="0"/>
+              <a:t>Bank bandwidth</a:t>
+            </a:r>
+            <a:r>
+              <a:rPr lang="ko-KR" altLang="en-US" sz="1600" dirty="0"/>
+              <a:t>가 </a:t>
+            </a:r>
+            <a:r>
+              <a:rPr lang="en-US" altLang="ko-KR" sz="1600" dirty="0"/>
+              <a:t>64bit</a:t>
+            </a:r>
+            <a:r>
+              <a:rPr lang="ko-KR" altLang="en-US" sz="1600" dirty="0"/>
+              <a:t>이기 때문에 처리 가능하다</a:t>
+            </a:r>
+            <a:r>
+              <a:rPr lang="en-US" altLang="ko-KR" sz="1600" dirty="0"/>
+              <a:t>.</a:t>
+            </a:r>
+          </a:p>
+          <a:p>
+            <a:endParaRPr lang="ko-KR" altLang="en-US" dirty="0"/>
           </a:p>
         </p:txBody>
       </p:sp>
@@ -7055,7 +7393,7 @@
         </p:nvSpPr>
         <p:spPr>
           <a:xfrm>
-            <a:off x="4572000" y="3384975"/>
+            <a:off x="4644008" y="3356992"/>
             <a:ext cx="3528392" cy="369332"/>
           </a:xfrm>
           <a:prstGeom prst="rect">
@@ -7079,7 +7417,45 @@
             </a:r>
             <a:r>
               <a:rPr lang="en-US" altLang="ko-KR" dirty="0"/>
-              <a:t>??</a:t>
+              <a:t>.</a:t>
+            </a:r>
+            <a:endParaRPr lang="ko-KR" altLang="en-US" dirty="0"/>
+          </a:p>
+        </p:txBody>
+      </p:sp>
+      <p:sp>
+        <p:nvSpPr>
+          <p:cNvPr id="7" name="TextBox 6"/>
+          <p:cNvSpPr txBox="1"/>
+          <p:nvPr/>
+        </p:nvSpPr>
+        <p:spPr>
+          <a:xfrm>
+            <a:off x="4644008" y="5517232"/>
+            <a:ext cx="3528392" cy="369332"/>
+          </a:xfrm>
+          <a:prstGeom prst="rect">
+            <a:avLst/>
+          </a:prstGeom>
+          <a:noFill/>
+        </p:spPr>
+        <p:txBody>
+          <a:bodyPr wrap="square" rtlCol="0">
+            <a:spAutoFit/>
+          </a:bodyPr>
+          <a:lstStyle/>
+          <a:p>
+            <a:r>
+              <a:rPr lang="en-US" altLang="ko-KR" dirty="0"/>
+              <a:t>bank conflict</a:t>
+            </a:r>
+            <a:r>
+              <a:rPr lang="ko-KR" altLang="en-US" dirty="0"/>
+              <a:t>가 아니다</a:t>
+            </a:r>
+            <a:r>
+              <a:rPr lang="en-US" altLang="ko-KR" dirty="0"/>
+              <a:t>.</a:t>
             </a:r>
             <a:endParaRPr lang="ko-KR" altLang="en-US" dirty="0"/>
           </a:p>
@@ -7528,7 +7904,19 @@
             </a:pPr>
             <a:r>
               <a:rPr lang="en-US" altLang="ko-KR" sz="2000" dirty="0"/>
-              <a:t>    The bank configuration is one of the following</a:t>
+              <a:t>    The bank configuration is one of the following (in</a:t>
+            </a:r>
+            <a:r>
+              <a:rPr lang="ko-KR" altLang="en-US" sz="2000" dirty="0"/>
+              <a:t> </a:t>
+            </a:r>
+            <a:r>
+              <a:rPr lang="en-US" altLang="ko-KR" sz="2000" dirty="0" err="1"/>
+              <a:t>kepler</a:t>
+            </a:r>
+            <a:r>
+              <a:rPr lang="en-US" altLang="ko-KR" sz="2000" dirty="0"/>
+              <a:t> device, there are two mode 4-byte and 8-byte)</a:t>
             </a:r>
           </a:p>
           <a:p>
@@ -7975,15 +8363,116 @@
           <a:lstStyle/>
           <a:p>
             <a:r>
+              <a:rPr lang="en-US" altLang="ko-KR" sz="1800" dirty="0"/>
+              <a:t>Barrier synchronization </a:t>
+            </a:r>
+          </a:p>
+          <a:p>
+            <a:pPr marL="514350" indent="-514350">
+              <a:buAutoNum type="arabicParenR"/>
+            </a:pPr>
+            <a:r>
+              <a:rPr lang="en-US" altLang="ko-KR" sz="1800" dirty="0"/>
+              <a:t>system-level : Wait for all work on both the host and the device to complete </a:t>
+            </a:r>
+          </a:p>
+          <a:p>
+            <a:pPr marL="0" indent="0">
+              <a:buNone/>
+            </a:pPr>
+            <a:r>
+              <a:rPr lang="en-US" altLang="ko-KR" sz="1800" dirty="0"/>
+              <a:t>block the host application until all CUDA operations (copies, kernels, and so on) have completed:</a:t>
+            </a:r>
+            <a:br>
+              <a:rPr lang="en-US" altLang="ko-KR" sz="1800" dirty="0"/>
+            </a:br>
+            <a:r>
+              <a:rPr lang="en-US" altLang="ko-KR" sz="1800" dirty="0" err="1"/>
+              <a:t>cudaError_t</a:t>
+            </a:r>
+            <a:r>
+              <a:rPr lang="en-US" altLang="ko-KR" sz="1800" dirty="0"/>
+              <a:t> </a:t>
+            </a:r>
+            <a:r>
+              <a:rPr lang="en-US" altLang="ko-KR" sz="1800" dirty="0" err="1"/>
+              <a:t>cudaDeviceSynchronize</a:t>
+            </a:r>
+            <a:r>
+              <a:rPr lang="en-US" altLang="ko-KR" sz="1800" dirty="0"/>
+              <a:t>(void) </a:t>
+            </a:r>
+          </a:p>
+          <a:p>
+            <a:pPr marL="0" indent="0">
+              <a:buNone/>
+            </a:pPr>
+            <a:endParaRPr lang="en-US" altLang="ko-KR" sz="1800" dirty="0"/>
+          </a:p>
+          <a:p>
+            <a:pPr marL="514350" indent="-514350">
+              <a:buAutoNum type="arabicParenR"/>
+            </a:pPr>
+            <a:r>
+              <a:rPr lang="en-US" altLang="ko-KR" sz="1800" dirty="0"/>
+              <a:t>block-level : Wait for all threads in a thread block to reach the same point in execution on the device. </a:t>
+            </a:r>
+          </a:p>
+          <a:p>
+            <a:pPr marL="0" indent="0">
+              <a:buNone/>
+            </a:pPr>
+            <a:r>
+              <a:rPr lang="en-US" altLang="ko-KR" sz="1800" dirty="0"/>
+              <a:t>_device__ void __</a:t>
+            </a:r>
+            <a:r>
+              <a:rPr lang="en-US" altLang="ko-KR" sz="1800" dirty="0" err="1"/>
+              <a:t>syncthreads</a:t>
+            </a:r>
+            <a:r>
+              <a:rPr lang="en-US" altLang="ko-KR" sz="1800" dirty="0"/>
+              <a:t>(void);</a:t>
+            </a:r>
+            <a:br>
+              <a:rPr lang="en-US" altLang="ko-KR" sz="1800" dirty="0"/>
+            </a:br>
+            <a:r>
+              <a:rPr lang="en-US" altLang="ko-KR" sz="1800" dirty="0"/>
+              <a:t>When __</a:t>
+            </a:r>
+            <a:r>
+              <a:rPr lang="en-US" altLang="ko-KR" sz="1800" dirty="0" err="1"/>
+              <a:t>syncthreads</a:t>
+            </a:r>
+            <a:r>
+              <a:rPr lang="en-US" altLang="ko-KR" sz="1800" dirty="0"/>
+              <a:t> is called, each thread in the same thread block must wait until all other threads in that thread block have reached this synchronization point. All global and shared memory accesses made by all threads prior to this barrier will be visible to all other threads in the </a:t>
+            </a:r>
+            <a:r>
+              <a:rPr lang="en-US" altLang="ko-KR" sz="1800" dirty="0" err="1"/>
+              <a:t>threadblock</a:t>
+            </a:r>
+            <a:r>
+              <a:rPr lang="en-US" altLang="ko-KR" sz="1800" dirty="0"/>
+              <a:t> after the barrier. </a:t>
+            </a:r>
+          </a:p>
+          <a:p>
+            <a:pPr marL="0" indent="0">
+              <a:buNone/>
+            </a:pPr>
+            <a:r>
+              <a:rPr lang="en-US" altLang="ko-KR" sz="1800" dirty="0"/>
+              <a:t>The function is used to coordinate communication between threads in the same block, but it can negatively affect performance by forcing warps to become idle </a:t>
+            </a:r>
+            <a:br>
+              <a:rPr lang="en-US" altLang="ko-KR" sz="1800" dirty="0"/>
+            </a:br>
+            <a:br>
               <a:rPr lang="en-US" altLang="ko-KR" dirty="0"/>
-              <a:t>Barrier: All calling threads wait for all other calling threads to reach the barrier points.</a:t>
-            </a:r>
-          </a:p>
-          <a:p>
-            <a:r>
-              <a:rPr lang="en-US" altLang="ko-KR" dirty="0"/>
-              <a:t>Memory fence: All calling threads stall until all modifications to memory are visible to all other calling threads.</a:t>
-            </a:r>
+            </a:br>
             <a:endParaRPr lang="ko-KR" altLang="en-US" dirty="0"/>
           </a:p>
         </p:txBody>
@@ -7991,7 +8480,7 @@
     </p:spTree>
     <p:extLst>
       <p:ext uri="{BB962C8B-B14F-4D97-AF65-F5344CB8AC3E}">
-        <p14:creationId xmlns:p14="http://schemas.microsoft.com/office/powerpoint/2010/main" val="2542129744"/>
+        <p14:creationId xmlns:p14="http://schemas.microsoft.com/office/powerpoint/2010/main" val="1803108484"/>
       </p:ext>
     </p:extLst>
   </p:cSld>
@@ -10417,7 +10906,7 @@
           <a:p>
             <a:r>
               <a:rPr lang="en-US" altLang="ko-KR" dirty="0"/>
-              <a:t>Weakly-Ordered Memory Model</a:t>
+              <a:t>Synchronization</a:t>
             </a:r>
             <a:endParaRPr lang="ko-KR" altLang="en-US" dirty="0"/>
           </a:p>
@@ -10438,24 +10927,39 @@
           <a:bodyPr/>
           <a:lstStyle/>
           <a:p>
-            <a:r>
-              <a:rPr lang="en-US" altLang="ko-KR" sz="2800" dirty="0"/>
-              <a:t>The order of writing data to memory is not necessarily the same order of those accesses in the source codes.</a:t>
-            </a:r>
-          </a:p>
-          <a:p>
-            <a:r>
-              <a:rPr lang="en-US" altLang="ko-KR" sz="2800" dirty="0"/>
-              <a:t>The order of reading data from different memories is not necessarily the order of each read instruction in the program if instructions are independent each other.</a:t>
-            </a:r>
-            <a:endParaRPr lang="ko-KR" altLang="en-US" sz="2800" dirty="0"/>
+            <a:pPr marL="0" indent="0">
+              <a:buNone/>
+            </a:pPr>
+            <a:r>
+              <a:rPr lang="en-US" altLang="ko-KR" dirty="0"/>
+              <a:t>intra-block synchronization</a:t>
+            </a:r>
+          </a:p>
+          <a:p>
+            <a:pPr marL="0" indent="0">
+              <a:buNone/>
+            </a:pPr>
+            <a:r>
+              <a:rPr lang="en-US" altLang="ko-KR" dirty="0"/>
+              <a:t>1. Barrier: All calling threads wait for all other calling threads to reach the barrier points.</a:t>
+            </a:r>
+          </a:p>
+          <a:p>
+            <a:pPr marL="0" indent="0">
+              <a:buNone/>
+            </a:pPr>
+            <a:r>
+              <a:rPr lang="en-US" altLang="ko-KR" dirty="0"/>
+              <a:t>2. Memory fence: All calling threads stall until all modifications to memory are visible to all other calling threads.</a:t>
+            </a:r>
+            <a:endParaRPr lang="ko-KR" altLang="en-US" dirty="0"/>
           </a:p>
         </p:txBody>
       </p:sp>
     </p:spTree>
     <p:extLst>
       <p:ext uri="{BB962C8B-B14F-4D97-AF65-F5344CB8AC3E}">
-        <p14:creationId xmlns:p14="http://schemas.microsoft.com/office/powerpoint/2010/main" val="411992232"/>
+        <p14:creationId xmlns:p14="http://schemas.microsoft.com/office/powerpoint/2010/main" val="2542129744"/>
       </p:ext>
     </p:extLst>
   </p:cSld>
@@ -10499,7 +11003,7 @@
           <a:p>
             <a:r>
               <a:rPr lang="en-US" altLang="ko-KR" dirty="0"/>
-              <a:t>Explicit Barrier</a:t>
+              <a:t>Weakly-Ordered Memory Model</a:t>
             </a:r>
             <a:endParaRPr lang="ko-KR" altLang="en-US" dirty="0"/>
           </a:p>
@@ -10521,48 +11025,23 @@
           <a:lstStyle/>
           <a:p>
             <a:r>
-              <a:rPr lang="en-US" altLang="ko-KR" dirty="0"/>
-              <a:t>It is possible to perform a barrier among threads in the same thread block.</a:t>
-            </a:r>
-          </a:p>
-          <a:p>
-            <a:pPr marL="0" indent="0">
-              <a:buNone/>
-            </a:pPr>
-            <a:r>
-              <a:rPr lang="en-US" altLang="ko-KR" dirty="0"/>
-              <a:t>   void __</a:t>
-            </a:r>
-            <a:r>
-              <a:rPr lang="en-US" altLang="ko-KR" dirty="0" err="1"/>
-              <a:t>syncthreads</a:t>
-            </a:r>
-            <a:r>
-              <a:rPr lang="en-US" altLang="ko-KR" dirty="0"/>
-              <a:t>( );</a:t>
-            </a:r>
-          </a:p>
-          <a:p>
-            <a:pPr marL="0" indent="0">
-              <a:buNone/>
-            </a:pPr>
-            <a:r>
-              <a:rPr lang="en-US" altLang="ko-KR" dirty="0"/>
-              <a:t>   /* it acts as a barrier point at which threads in a block must wait until all threads have reached that point.</a:t>
-            </a:r>
-          </a:p>
-          <a:p>
-            <a:pPr marL="0" indent="0">
-              <a:buNone/>
-            </a:pPr>
-            <a:endParaRPr lang="ko-KR" altLang="en-US" dirty="0"/>
+              <a:rPr lang="en-US" altLang="ko-KR" sz="2800" dirty="0"/>
+              <a:t>The order of writing data to memory is not necessarily the same order of those accesses in the source codes.</a:t>
+            </a:r>
+          </a:p>
+          <a:p>
+            <a:r>
+              <a:rPr lang="en-US" altLang="ko-KR" sz="2800" dirty="0"/>
+              <a:t>The order of reading data from different memories is not necessarily the order of each read instruction in the program if instructions are independent each other.</a:t>
+            </a:r>
+            <a:endParaRPr lang="ko-KR" altLang="en-US" sz="2800" dirty="0"/>
           </a:p>
         </p:txBody>
       </p:sp>
     </p:spTree>
     <p:extLst>
       <p:ext uri="{BB962C8B-B14F-4D97-AF65-F5344CB8AC3E}">
-        <p14:creationId xmlns:p14="http://schemas.microsoft.com/office/powerpoint/2010/main" val="2546272918"/>
+        <p14:creationId xmlns:p14="http://schemas.microsoft.com/office/powerpoint/2010/main" val="411992232"/>
       </p:ext>
     </p:extLst>
   </p:cSld>
@@ -10606,7 +11085,7 @@
           <a:p>
             <a:r>
               <a:rPr lang="en-US" altLang="ko-KR" dirty="0"/>
-              <a:t>Memory Fence</a:t>
+              <a:t>Explicit Barrier</a:t>
             </a:r>
             <a:endParaRPr lang="ko-KR" altLang="en-US" dirty="0"/>
           </a:p>
@@ -10627,17 +11106,224 @@
           <a:bodyPr/>
           <a:lstStyle/>
           <a:p>
-            <a:r>
-              <a:rPr lang="en-US" altLang="ko-KR" sz="2400" dirty="0"/>
+            <a:pPr marL="0" indent="0">
+              <a:buNone/>
+            </a:pPr>
+            <a:r>
+              <a:rPr lang="en-US" altLang="ko-KR" sz="2800" dirty="0"/>
+              <a:t>It is possible to perform a barrier among threads in the same thread block.</a:t>
+            </a:r>
+          </a:p>
+          <a:p>
+            <a:pPr marL="0" indent="0">
+              <a:buNone/>
+            </a:pPr>
+            <a:r>
+              <a:rPr lang="en-US" altLang="ko-KR" sz="2800" dirty="0"/>
+              <a:t>   void __</a:t>
+            </a:r>
+            <a:r>
+              <a:rPr lang="en-US" altLang="ko-KR" sz="2800" dirty="0" err="1"/>
+              <a:t>syncthreads</a:t>
+            </a:r>
+            <a:r>
+              <a:rPr lang="en-US" altLang="ko-KR" sz="2800" dirty="0"/>
+              <a:t>( );</a:t>
+            </a:r>
+          </a:p>
+          <a:p>
+            <a:pPr marL="0" indent="0">
+              <a:buNone/>
+            </a:pPr>
+            <a:r>
+              <a:rPr lang="en-US" altLang="ko-KR" sz="2800" dirty="0"/>
+              <a:t>   /* it acts as a barrier point at which threads in a block must wait until all threads have reached that point.</a:t>
+            </a:r>
+          </a:p>
+          <a:p>
+            <a:pPr marL="0" indent="0">
+              <a:buNone/>
+            </a:pPr>
+            <a:r>
+              <a:rPr lang="en-US" altLang="ko-KR" sz="2800" dirty="0"/>
+              <a:t>__</a:t>
+            </a:r>
+            <a:r>
+              <a:rPr lang="en-US" altLang="ko-KR" sz="2800" dirty="0" err="1"/>
+              <a:t>syncthreads</a:t>
+            </a:r>
+            <a:r>
+              <a:rPr lang="en-US" altLang="ko-KR" sz="2800" dirty="0"/>
+              <a:t> also ensures that all global and shared memory accesses made by these threads prior to the barrier point are visible to all threads in the same block </a:t>
+            </a:r>
+            <a:br>
+              <a:rPr lang="en-US" altLang="ko-KR" sz="2800" dirty="0"/>
+            </a:br>
+            <a:endParaRPr lang="ko-KR" altLang="en-US" sz="2800" dirty="0"/>
+          </a:p>
+        </p:txBody>
+      </p:sp>
+    </p:spTree>
+    <p:extLst>
+      <p:ext uri="{BB962C8B-B14F-4D97-AF65-F5344CB8AC3E}">
+        <p14:creationId xmlns:p14="http://schemas.microsoft.com/office/powerpoint/2010/main" val="2546272918"/>
+      </p:ext>
+    </p:extLst>
+  </p:cSld>
+  <p:clrMapOvr>
+    <a:masterClrMapping/>
+  </p:clrMapOvr>
+</p:sld>
+</file>
+
+<file path=ppt/slides/slide23.xml><?xml version="1.0" encoding="utf-8"?>
+<p:sld xmlns:a="http://schemas.openxmlformats.org/drawingml/2006/main" xmlns:r="http://schemas.openxmlformats.org/officeDocument/2006/relationships" xmlns:p="http://schemas.openxmlformats.org/presentationml/2006/main">
+  <p:cSld>
+    <p:spTree>
+      <p:nvGrpSpPr>
+        <p:cNvPr id="1" name=""/>
+        <p:cNvGrpSpPr/>
+        <p:nvPr/>
+      </p:nvGrpSpPr>
+      <p:grpSpPr>
+        <a:xfrm>
+          <a:off x="0" y="0"/>
+          <a:ext cx="0" cy="0"/>
+          <a:chOff x="0" y="0"/>
+          <a:chExt cx="0" cy="0"/>
+        </a:xfrm>
+      </p:grpSpPr>
+      <p:sp>
+        <p:nvSpPr>
+          <p:cNvPr id="2" name="제목 1"/>
+          <p:cNvSpPr>
+            <a:spLocks noGrp="1"/>
+          </p:cNvSpPr>
+          <p:nvPr>
+            <p:ph type="title"/>
+          </p:nvPr>
+        </p:nvSpPr>
+        <p:spPr/>
+        <p:txBody>
+          <a:bodyPr/>
+          <a:lstStyle/>
+          <a:p>
+            <a:r>
+              <a:rPr lang="en-US" altLang="ko-KR" dirty="0"/>
+              <a:t>Explicit Barrier</a:t>
+            </a:r>
+            <a:endParaRPr lang="ko-KR" altLang="en-US" dirty="0"/>
+          </a:p>
+        </p:txBody>
+      </p:sp>
+      <p:pic>
+        <p:nvPicPr>
+          <p:cNvPr id="4" name="그림 3"/>
+          <p:cNvPicPr>
+            <a:picLocks noChangeAspect="1"/>
+          </p:cNvPicPr>
+          <p:nvPr/>
+        </p:nvPicPr>
+        <p:blipFill rotWithShape="1">
+          <a:blip r:embed="rId2"/>
+          <a:srcRect l="7087" t="32705" r="53538" b="32074"/>
+          <a:stretch/>
+        </p:blipFill>
+        <p:spPr>
+          <a:xfrm>
+            <a:off x="328675" y="2420888"/>
+            <a:ext cx="8486649" cy="2376264"/>
+          </a:xfrm>
+          <a:prstGeom prst="rect">
+            <a:avLst/>
+          </a:prstGeom>
+        </p:spPr>
+      </p:pic>
+    </p:spTree>
+    <p:extLst>
+      <p:ext uri="{BB962C8B-B14F-4D97-AF65-F5344CB8AC3E}">
+        <p14:creationId xmlns:p14="http://schemas.microsoft.com/office/powerpoint/2010/main" val="1862424583"/>
+      </p:ext>
+    </p:extLst>
+  </p:cSld>
+  <p:clrMapOvr>
+    <a:masterClrMapping/>
+  </p:clrMapOvr>
+</p:sld>
+</file>
+
+<file path=ppt/slides/slide24.xml><?xml version="1.0" encoding="utf-8"?>
+<p:sld xmlns:a="http://schemas.openxmlformats.org/drawingml/2006/main" xmlns:r="http://schemas.openxmlformats.org/officeDocument/2006/relationships" xmlns:p="http://schemas.openxmlformats.org/presentationml/2006/main">
+  <p:cSld>
+    <p:spTree>
+      <p:nvGrpSpPr>
+        <p:cNvPr id="1" name=""/>
+        <p:cNvGrpSpPr/>
+        <p:nvPr/>
+      </p:nvGrpSpPr>
+      <p:grpSpPr>
+        <a:xfrm>
+          <a:off x="0" y="0"/>
+          <a:ext cx="0" cy="0"/>
+          <a:chOff x="0" y="0"/>
+          <a:chExt cx="0" cy="0"/>
+        </a:xfrm>
+      </p:grpSpPr>
+      <p:sp>
+        <p:nvSpPr>
+          <p:cNvPr id="2" name="제목 1"/>
+          <p:cNvSpPr>
+            <a:spLocks noGrp="1"/>
+          </p:cNvSpPr>
+          <p:nvPr>
+            <p:ph type="title"/>
+          </p:nvPr>
+        </p:nvSpPr>
+        <p:spPr/>
+        <p:txBody>
+          <a:bodyPr/>
+          <a:lstStyle/>
+          <a:p>
+            <a:r>
+              <a:rPr lang="en-US" altLang="ko-KR" dirty="0"/>
+              <a:t>Memory Fence</a:t>
+            </a:r>
+            <a:endParaRPr lang="ko-KR" altLang="en-US" dirty="0"/>
+          </a:p>
+        </p:txBody>
+      </p:sp>
+      <p:sp>
+        <p:nvSpPr>
+          <p:cNvPr id="3" name="내용 개체 틀 2"/>
+          <p:cNvSpPr>
+            <a:spLocks noGrp="1"/>
+          </p:cNvSpPr>
+          <p:nvPr>
+            <p:ph idx="1"/>
+          </p:nvPr>
+        </p:nvSpPr>
+        <p:spPr/>
+        <p:txBody>
+          <a:bodyPr/>
+          <a:lstStyle/>
+          <a:p>
+            <a:r>
+              <a:rPr lang="en-US" altLang="ko-KR" sz="1800" dirty="0"/>
               <a:t>It ensures that any memory write before the fence is visible to other threads after the fence.</a:t>
             </a:r>
           </a:p>
           <a:p>
+            <a:r>
+              <a:rPr lang="en-US" altLang="ko-KR" sz="1800" dirty="0"/>
+              <a:t>Recall that memory fences do not perform any thread synchronization, and so it is not necessary for all threads in a block to actually execute this instruction. </a:t>
+            </a:r>
+          </a:p>
+          <a:p>
             <a:pPr marL="0" indent="0">
               <a:buNone/>
             </a:pPr>
             <a:r>
-              <a:rPr lang="en-US" altLang="ko-KR" sz="2400" dirty="0"/>
+              <a:rPr lang="en-US" altLang="ko-KR" sz="1800" dirty="0"/>
               <a:t>   There are three memory fences depending on </a:t>
             </a:r>
           </a:p>
@@ -10646,7 +11332,7 @@
               <a:buNone/>
             </a:pPr>
             <a:r>
-              <a:rPr lang="en-US" altLang="ko-KR" sz="2400" dirty="0"/>
+              <a:rPr lang="en-US" altLang="ko-KR" sz="1800" dirty="0"/>
               <a:t>    the scope: </a:t>
             </a:r>
           </a:p>
@@ -10655,11 +11341,11 @@
               <a:buNone/>
             </a:pPr>
             <a:r>
-              <a:rPr lang="en-US" altLang="ko-KR" sz="2400" dirty="0"/>
+              <a:rPr lang="en-US" altLang="ko-KR" sz="1800" dirty="0"/>
               <a:t> 	</a:t>
             </a:r>
             <a:r>
-              <a:rPr lang="en-US" altLang="ko-KR" sz="2400" dirty="0">
+              <a:rPr lang="en-US" altLang="ko-KR" sz="1600" dirty="0">
                 <a:solidFill>
                   <a:srgbClr val="0070C0"/>
                 </a:solidFill>
@@ -10667,7 +11353,7 @@
               <a:t>-block: void __</a:t>
             </a:r>
             <a:r>
-              <a:rPr lang="en-US" altLang="ko-KR" sz="2400" dirty="0" err="1">
+              <a:rPr lang="en-US" altLang="ko-KR" sz="1600" dirty="0" err="1">
                 <a:solidFill>
                   <a:srgbClr val="0070C0"/>
                 </a:solidFill>
@@ -10675,12 +11361,12 @@
               <a:t>threadfence_block</a:t>
             </a:r>
             <a:r>
-              <a:rPr lang="en-US" altLang="ko-KR" sz="2400" dirty="0">
+              <a:rPr lang="en-US" altLang="ko-KR" sz="1600" dirty="0">
                 <a:solidFill>
                   <a:srgbClr val="0070C0"/>
                 </a:solidFill>
               </a:rPr>
-              <a:t>();	</a:t>
+              <a:t>();</a:t>
             </a:r>
           </a:p>
           <a:p>
@@ -10688,7 +11374,35 @@
               <a:buNone/>
             </a:pPr>
             <a:r>
-              <a:rPr lang="en-US" altLang="ko-KR" sz="2400" dirty="0">
+              <a:rPr lang="en-US" altLang="ko-KR" sz="1600" dirty="0">
+                <a:solidFill>
+                  <a:srgbClr val="0070C0"/>
+                </a:solidFill>
+              </a:rPr>
+              <a:t>	ensures that all writes to shared memory and global memory made by a calling thread before the fence are visible to other threads in the same block after the fence </a:t>
+            </a:r>
+            <a:br>
+              <a:rPr lang="en-US" altLang="ko-KR" sz="1600" dirty="0">
+                <a:solidFill>
+                  <a:srgbClr val="0070C0"/>
+                </a:solidFill>
+              </a:rPr>
+            </a:br>
+            <a:r>
+              <a:rPr lang="en-US" altLang="ko-KR" sz="1600" dirty="0">
+                <a:solidFill>
+                  <a:srgbClr val="0070C0"/>
+                </a:solidFill>
+              </a:rPr>
+              <a:t>	</a:t>
+            </a:r>
+          </a:p>
+          <a:p>
+            <a:pPr marL="0" indent="0">
+              <a:buNone/>
+            </a:pPr>
+            <a:r>
+              <a:rPr lang="en-US" altLang="ko-KR" sz="1600" dirty="0">
                 <a:solidFill>
                   <a:srgbClr val="0070C0"/>
                 </a:solidFill>
@@ -10696,7 +11410,7 @@
               <a:t>	-grid  :  void __</a:t>
             </a:r>
             <a:r>
-              <a:rPr lang="en-US" altLang="ko-KR" sz="2400" dirty="0" err="1">
+              <a:rPr lang="en-US" altLang="ko-KR" sz="1600" dirty="0" err="1">
                 <a:solidFill>
                   <a:srgbClr val="0070C0"/>
                 </a:solidFill>
@@ -10704,7 +11418,7 @@
               <a:t>threadfence</a:t>
             </a:r>
             <a:r>
-              <a:rPr lang="en-US" altLang="ko-KR" sz="2400" dirty="0">
+              <a:rPr lang="en-US" altLang="ko-KR" sz="1600" dirty="0">
                 <a:solidFill>
                   <a:srgbClr val="0070C0"/>
                 </a:solidFill>
@@ -10717,7 +11431,47 @@
               <a:buNone/>
             </a:pPr>
             <a:r>
-              <a:rPr lang="en-US" altLang="ko-KR" sz="2400" dirty="0">
+              <a:rPr lang="en-US" altLang="ko-KR" sz="1600" dirty="0">
+                <a:solidFill>
+                  <a:srgbClr val="0070C0"/>
+                </a:solidFill>
+              </a:rPr>
+              <a:t>	// stalls the calling thread until all of its writes to global memory are visible to all</a:t>
+            </a:r>
+            <a:br>
+              <a:rPr lang="en-US" altLang="ko-KR" sz="1600" dirty="0">
+                <a:solidFill>
+                  <a:srgbClr val="0070C0"/>
+                </a:solidFill>
+              </a:rPr>
+            </a:br>
+            <a:r>
+              <a:rPr lang="en-US" altLang="ko-KR" sz="1600" dirty="0">
+                <a:solidFill>
+                  <a:srgbClr val="0070C0"/>
+                </a:solidFill>
+              </a:rPr>
+              <a:t>threads in the same grid </a:t>
+            </a:r>
+            <a:br>
+              <a:rPr lang="en-US" altLang="ko-KR" sz="1600" dirty="0">
+                <a:solidFill>
+                  <a:srgbClr val="0070C0"/>
+                </a:solidFill>
+              </a:rPr>
+            </a:br>
+            <a:endParaRPr lang="en-US" altLang="ko-KR" sz="1600" dirty="0">
+              <a:solidFill>
+                <a:srgbClr val="0070C0"/>
+              </a:solidFill>
+            </a:endParaRPr>
+          </a:p>
+          <a:p>
+            <a:pPr marL="0" indent="0">
+              <a:buNone/>
+            </a:pPr>
+            <a:r>
+              <a:rPr lang="en-US" altLang="ko-KR" sz="1600" dirty="0">
                 <a:solidFill>
                   <a:srgbClr val="0070C0"/>
                 </a:solidFill>
@@ -10730,7 +11484,7 @@
               <a:buNone/>
             </a:pPr>
             <a:r>
-              <a:rPr lang="en-US" altLang="ko-KR" sz="2400" dirty="0">
+              <a:rPr lang="en-US" altLang="ko-KR" sz="1600" dirty="0">
                 <a:solidFill>
                   <a:srgbClr val="0070C0"/>
                 </a:solidFill>
@@ -10738,7 +11492,7 @@
               <a:t>              void __</a:t>
             </a:r>
             <a:r>
-              <a:rPr lang="en-US" altLang="ko-KR" sz="2400" dirty="0" err="1">
+              <a:rPr lang="en-US" altLang="ko-KR" sz="1600" dirty="0" err="1">
                 <a:solidFill>
                   <a:srgbClr val="0070C0"/>
                 </a:solidFill>
@@ -10746,7 +11500,7 @@
               <a:t>threadfence_system</a:t>
             </a:r>
             <a:r>
-              <a:rPr lang="en-US" altLang="ko-KR" sz="2400" dirty="0">
+              <a:rPr lang="en-US" altLang="ko-KR" sz="1600" dirty="0">
                 <a:solidFill>
                   <a:srgbClr val="0070C0"/>
                 </a:solidFill>
@@ -10792,7 +11546,128 @@
 </p:sld>
 </file>
 
-<file path=ppt/slides/slide23.xml><?xml version="1.0" encoding="utf-8"?>
+<file path=ppt/slides/slide25.xml><?xml version="1.0" encoding="utf-8"?>
+<p:sld xmlns:a="http://schemas.openxmlformats.org/drawingml/2006/main" xmlns:r="http://schemas.openxmlformats.org/officeDocument/2006/relationships" xmlns:p="http://schemas.openxmlformats.org/presentationml/2006/main">
+  <p:cSld>
+    <p:spTree>
+      <p:nvGrpSpPr>
+        <p:cNvPr id="1" name=""/>
+        <p:cNvGrpSpPr/>
+        <p:nvPr/>
+      </p:nvGrpSpPr>
+      <p:grpSpPr>
+        <a:xfrm>
+          <a:off x="0" y="0"/>
+          <a:ext cx="0" cy="0"/>
+          <a:chOff x="0" y="0"/>
+          <a:chExt cx="0" cy="0"/>
+        </a:xfrm>
+      </p:grpSpPr>
+      <p:sp>
+        <p:nvSpPr>
+          <p:cNvPr id="2" name="제목 1"/>
+          <p:cNvSpPr>
+            <a:spLocks noGrp="1"/>
+          </p:cNvSpPr>
+          <p:nvPr>
+            <p:ph type="title"/>
+          </p:nvPr>
+        </p:nvSpPr>
+        <p:spPr/>
+        <p:txBody>
+          <a:bodyPr/>
+          <a:lstStyle/>
+          <a:p>
+            <a:r>
+              <a:rPr lang="en-US" altLang="ko-KR" dirty="0"/>
+              <a:t>Volatile qualifier</a:t>
+            </a:r>
+            <a:endParaRPr lang="ko-KR" altLang="en-US" dirty="0"/>
+          </a:p>
+        </p:txBody>
+      </p:sp>
+      <p:sp>
+        <p:nvSpPr>
+          <p:cNvPr id="3" name="내용 개체 틀 2"/>
+          <p:cNvSpPr>
+            <a:spLocks noGrp="1"/>
+          </p:cNvSpPr>
+          <p:nvPr>
+            <p:ph idx="1"/>
+          </p:nvPr>
+        </p:nvSpPr>
+        <p:spPr/>
+        <p:txBody>
+          <a:bodyPr/>
+          <a:lstStyle/>
+          <a:p>
+            <a:pPr marL="0" indent="0">
+              <a:buNone/>
+            </a:pPr>
+            <a:r>
+              <a:rPr lang="en-US" altLang="ko-KR" sz="1800" dirty="0"/>
+              <a:t>Declaring a variable in global or shared memory using the </a:t>
+            </a:r>
+            <a:r>
+              <a:rPr lang="en-US" altLang="ko-KR" sz="1800" i="1" dirty="0"/>
+              <a:t>volatile qualifier </a:t>
+            </a:r>
+            <a:r>
+              <a:rPr lang="en-US" altLang="ko-KR" sz="1800" dirty="0"/>
+              <a:t>prevents compiler optimization which might temporally cache data in registers or local memory. </a:t>
+            </a:r>
+            <a:br>
+              <a:rPr lang="en-US" altLang="ko-KR" sz="1800" dirty="0"/>
+            </a:br>
+            <a:r>
+              <a:rPr lang="en-US" altLang="ko-KR" sz="1800" dirty="0"/>
+              <a:t>any reference to this variable is compiled to a global memory read or global</a:t>
+            </a:r>
+            <a:br>
+              <a:rPr lang="en-US" altLang="ko-KR" sz="1800" dirty="0"/>
+            </a:br>
+            <a:r>
+              <a:rPr lang="en-US" altLang="ko-KR" sz="1800" dirty="0"/>
+              <a:t>memory write instruction that skips the cache. </a:t>
+            </a:r>
+            <a:br>
+              <a:rPr lang="en-US" altLang="ko-KR" sz="1800" dirty="0"/>
+            </a:br>
+            <a:r>
+              <a:rPr lang="en-US" altLang="ko-KR" sz="1800" dirty="0">
+                <a:solidFill>
+                  <a:srgbClr val="0070C0"/>
+                </a:solidFill>
+              </a:rPr>
+              <a:t>    </a:t>
+            </a:r>
+          </a:p>
+          <a:p>
+            <a:pPr marL="0" indent="0">
+              <a:buNone/>
+            </a:pPr>
+            <a:r>
+              <a:rPr lang="en-US" altLang="ko-KR" dirty="0"/>
+              <a:t>           </a:t>
+            </a:r>
+            <a:endParaRPr lang="ko-KR" altLang="en-US" dirty="0"/>
+          </a:p>
+        </p:txBody>
+      </p:sp>
+    </p:spTree>
+    <p:extLst>
+      <p:ext uri="{BB962C8B-B14F-4D97-AF65-F5344CB8AC3E}">
+        <p14:creationId xmlns:p14="http://schemas.microsoft.com/office/powerpoint/2010/main" val="2884338505"/>
+      </p:ext>
+    </p:extLst>
+  </p:cSld>
+  <p:clrMapOvr>
+    <a:masterClrMapping/>
+  </p:clrMapOvr>
+</p:sld>
+</file>
+
+<file path=ppt/slides/slide26.xml><?xml version="1.0" encoding="utf-8"?>
 <p:sld xmlns:a="http://schemas.openxmlformats.org/drawingml/2006/main" xmlns:r="http://schemas.openxmlformats.org/officeDocument/2006/relationships" xmlns:p="http://schemas.openxmlformats.org/presentationml/2006/main">
   <p:cSld>
     <p:spTree>
@@ -11038,7 +11913,7 @@
 </p:sld>
 </file>
 
-<file path=ppt/slides/slide24.xml><?xml version="1.0" encoding="utf-8"?>
+<file path=ppt/slides/slide27.xml><?xml version="1.0" encoding="utf-8"?>
 <p:sld xmlns:a="http://schemas.openxmlformats.org/drawingml/2006/main" xmlns:r="http://schemas.openxmlformats.org/officeDocument/2006/relationships" xmlns:p="http://schemas.openxmlformats.org/presentationml/2006/main">
   <p:cSld>
     <p:spTree>
@@ -11192,7 +12067,7 @@
 </p:sld>
 </file>
 
-<file path=ppt/slides/slide25.xml><?xml version="1.0" encoding="utf-8"?>
+<file path=ppt/slides/slide28.xml><?xml version="1.0" encoding="utf-8"?>
 <p:sld xmlns:a="http://schemas.openxmlformats.org/drawingml/2006/main" xmlns:r="http://schemas.openxmlformats.org/officeDocument/2006/relationships" xmlns:p="http://schemas.openxmlformats.org/presentationml/2006/main">
   <p:cSld>
     <p:spTree>
@@ -11211,25 +12086,6 @@
       </p:grpSpPr>
       <p:sp>
         <p:nvSpPr>
-          <p:cNvPr id="2" name="제목 1"/>
-          <p:cNvSpPr>
-            <a:spLocks noGrp="1"/>
-          </p:cNvSpPr>
-          <p:nvPr>
-            <p:ph type="title"/>
-          </p:nvPr>
-        </p:nvSpPr>
-        <p:spPr/>
-        <p:txBody>
-          <a:bodyPr/>
-          <a:lstStyle/>
-          <a:p>
-            <a:endParaRPr lang="ko-KR" altLang="en-US"/>
-          </a:p>
-        </p:txBody>
-      </p:sp>
-      <p:sp>
-        <p:nvSpPr>
           <p:cNvPr id="3" name="내용 개체 틀 2"/>
           <p:cNvSpPr>
             <a:spLocks noGrp="1"/>
@@ -11348,7 +12204,7 @@
 </p:sld>
 </file>
 
-<file path=ppt/slides/slide26.xml><?xml version="1.0" encoding="utf-8"?>
+<file path=ppt/slides/slide29.xml><?xml version="1.0" encoding="utf-8"?>
 <p:sld xmlns:a="http://schemas.openxmlformats.org/drawingml/2006/main" xmlns:r="http://schemas.openxmlformats.org/officeDocument/2006/relationships" xmlns:p="http://schemas.openxmlformats.org/presentationml/2006/main">
   <p:cSld>
     <p:spTree>
@@ -12275,667 +13131,6 @@
 </p:sld>
 </file>
 
-<file path=ppt/slides/slide27.xml><?xml version="1.0" encoding="utf-8"?>
-<p:sld xmlns:a="http://schemas.openxmlformats.org/drawingml/2006/main" xmlns:r="http://schemas.openxmlformats.org/officeDocument/2006/relationships" xmlns:p="http://schemas.openxmlformats.org/presentationml/2006/main">
-  <p:cSld>
-    <p:spTree>
-      <p:nvGrpSpPr>
-        <p:cNvPr id="1" name=""/>
-        <p:cNvGrpSpPr/>
-        <p:nvPr/>
-      </p:nvGrpSpPr>
-      <p:grpSpPr>
-        <a:xfrm>
-          <a:off x="0" y="0"/>
-          <a:ext cx="0" cy="0"/>
-          <a:chOff x="0" y="0"/>
-          <a:chExt cx="0" cy="0"/>
-        </a:xfrm>
-      </p:grpSpPr>
-      <p:sp>
-        <p:nvSpPr>
-          <p:cNvPr id="2" name="제목 1"/>
-          <p:cNvSpPr>
-            <a:spLocks noGrp="1"/>
-          </p:cNvSpPr>
-          <p:nvPr>
-            <p:ph type="title"/>
-          </p:nvPr>
-        </p:nvSpPr>
-        <p:spPr/>
-        <p:txBody>
-          <a:bodyPr/>
-          <a:lstStyle/>
-          <a:p>
-            <a:endParaRPr lang="ko-KR" altLang="en-US" dirty="0"/>
-          </a:p>
-        </p:txBody>
-      </p:sp>
-      <p:sp>
-        <p:nvSpPr>
-          <p:cNvPr id="3" name="내용 개체 틀 2"/>
-          <p:cNvSpPr>
-            <a:spLocks noGrp="1"/>
-          </p:cNvSpPr>
-          <p:nvPr>
-            <p:ph idx="1"/>
-          </p:nvPr>
-        </p:nvSpPr>
-        <p:spPr>
-          <a:xfrm>
-            <a:off x="467544" y="1268760"/>
-            <a:ext cx="8229600" cy="4525963"/>
-          </a:xfrm>
-        </p:spPr>
-        <p:txBody>
-          <a:bodyPr/>
-          <a:lstStyle/>
-          <a:p>
-            <a:r>
-              <a:rPr lang="en-US" altLang="ko-KR" sz="2800" dirty="0"/>
-              <a:t>A grid with 2D block 32 x 32:</a:t>
-            </a:r>
-          </a:p>
-          <a:p>
-            <a:pPr marL="0" indent="0">
-              <a:buNone/>
-            </a:pPr>
-            <a:r>
-              <a:rPr lang="en-US" altLang="ko-KR" sz="2800" dirty="0"/>
-              <a:t>	#define BDIMX 32</a:t>
-            </a:r>
-          </a:p>
-          <a:p>
-            <a:pPr marL="0" indent="0">
-              <a:buNone/>
-            </a:pPr>
-            <a:r>
-              <a:rPr lang="en-US" altLang="ko-KR" sz="2800" dirty="0"/>
-              <a:t>	#define BDIMY 32</a:t>
-            </a:r>
-          </a:p>
-          <a:p>
-            <a:pPr marL="0" indent="0">
-              <a:buNone/>
-            </a:pPr>
-            <a:r>
-              <a:rPr lang="en-US" altLang="ko-KR" sz="2800" dirty="0"/>
-              <a:t>	dim3 block( BDIMX, BDIMY);</a:t>
-            </a:r>
-          </a:p>
-          <a:p>
-            <a:pPr marL="0" indent="0">
-              <a:buNone/>
-            </a:pPr>
-            <a:r>
-              <a:rPr lang="en-US" altLang="ko-KR" sz="2800" dirty="0"/>
-              <a:t>	dim3 grid(1,1);</a:t>
-            </a:r>
-          </a:p>
-          <a:p>
-            <a:r>
-              <a:rPr lang="en-US" altLang="ko-KR" sz="2800" dirty="0"/>
-              <a:t>Kernel operations:</a:t>
-            </a:r>
-          </a:p>
-          <a:p>
-            <a:pPr lvl="1"/>
-            <a:r>
-              <a:rPr lang="en-US" altLang="ko-KR" dirty="0"/>
-              <a:t>write global thread indices to a 2D shared memory</a:t>
-            </a:r>
-          </a:p>
-          <a:p>
-            <a:pPr marL="457200" lvl="1" indent="0">
-              <a:buNone/>
-            </a:pPr>
-            <a:r>
-              <a:rPr lang="en-US" altLang="ko-KR" dirty="0"/>
-              <a:t>   array in row-major order.</a:t>
-            </a:r>
-          </a:p>
-          <a:p>
-            <a:pPr lvl="1"/>
-            <a:r>
-              <a:rPr lang="en-US" altLang="ko-KR" dirty="0"/>
-              <a:t>read those values from shared memory in row-major order and store them to global memory.</a:t>
-            </a:r>
-          </a:p>
-          <a:p>
-            <a:pPr lvl="1"/>
-            <a:endParaRPr lang="en-US" altLang="ko-KR" dirty="0"/>
-          </a:p>
-          <a:p>
-            <a:pPr marL="0" indent="0">
-              <a:buNone/>
-            </a:pPr>
-            <a:endParaRPr lang="ko-KR" altLang="en-US" dirty="0"/>
-          </a:p>
-        </p:txBody>
-      </p:sp>
-    </p:spTree>
-    <p:extLst>
-      <p:ext uri="{BB962C8B-B14F-4D97-AF65-F5344CB8AC3E}">
-        <p14:creationId xmlns:p14="http://schemas.microsoft.com/office/powerpoint/2010/main" val="3653762928"/>
-      </p:ext>
-    </p:extLst>
-  </p:cSld>
-  <p:clrMapOvr>
-    <a:masterClrMapping/>
-  </p:clrMapOvr>
-</p:sld>
-</file>
-
-<file path=ppt/slides/slide28.xml><?xml version="1.0" encoding="utf-8"?>
-<p:sld xmlns:a="http://schemas.openxmlformats.org/drawingml/2006/main" xmlns:r="http://schemas.openxmlformats.org/officeDocument/2006/relationships" xmlns:p="http://schemas.openxmlformats.org/presentationml/2006/main">
-  <p:cSld>
-    <p:spTree>
-      <p:nvGrpSpPr>
-        <p:cNvPr id="1" name=""/>
-        <p:cNvGrpSpPr/>
-        <p:nvPr/>
-      </p:nvGrpSpPr>
-      <p:grpSpPr>
-        <a:xfrm>
-          <a:off x="0" y="0"/>
-          <a:ext cx="0" cy="0"/>
-          <a:chOff x="0" y="0"/>
-          <a:chExt cx="0" cy="0"/>
-        </a:xfrm>
-      </p:grpSpPr>
-      <p:sp>
-        <p:nvSpPr>
-          <p:cNvPr id="2" name="제목 1"/>
-          <p:cNvSpPr>
-            <a:spLocks noGrp="1"/>
-          </p:cNvSpPr>
-          <p:nvPr>
-            <p:ph type="title"/>
-          </p:nvPr>
-        </p:nvSpPr>
-        <p:spPr/>
-        <p:txBody>
-          <a:bodyPr/>
-          <a:lstStyle/>
-          <a:p>
-            <a:r>
-              <a:rPr lang="en-US" altLang="ko-KR" dirty="0"/>
-              <a:t>Row-Major Access</a:t>
-            </a:r>
-            <a:endParaRPr lang="ko-KR" altLang="en-US" dirty="0"/>
-          </a:p>
-        </p:txBody>
-      </p:sp>
-      <p:sp>
-        <p:nvSpPr>
-          <p:cNvPr id="3" name="내용 개체 틀 2"/>
-          <p:cNvSpPr>
-            <a:spLocks noGrp="1"/>
-          </p:cNvSpPr>
-          <p:nvPr>
-            <p:ph idx="1"/>
-          </p:nvPr>
-        </p:nvSpPr>
-        <p:spPr/>
-        <p:txBody>
-          <a:bodyPr/>
-          <a:lstStyle/>
-          <a:p>
-            <a:pPr marL="0" indent="0">
-              <a:buNone/>
-            </a:pPr>
-            <a:r>
-              <a:rPr lang="en-US" altLang="ko-KR" sz="2800" dirty="0"/>
-              <a:t>__global__ void </a:t>
-            </a:r>
-            <a:r>
-              <a:rPr lang="en-US" altLang="ko-KR" sz="2800" dirty="0" err="1"/>
-              <a:t>setRowReadRow</a:t>
-            </a:r>
-            <a:r>
-              <a:rPr lang="en-US" altLang="ko-KR" sz="2800" dirty="0"/>
-              <a:t>(</a:t>
-            </a:r>
-            <a:r>
-              <a:rPr lang="en-US" altLang="ko-KR" sz="2800" dirty="0" err="1"/>
-              <a:t>int</a:t>
-            </a:r>
-            <a:r>
-              <a:rPr lang="en-US" altLang="ko-KR" sz="2800" dirty="0"/>
-              <a:t> *out){</a:t>
-            </a:r>
-          </a:p>
-          <a:p>
-            <a:pPr marL="0" indent="0">
-              <a:buNone/>
-            </a:pPr>
-            <a:r>
-              <a:rPr lang="en-US" altLang="ko-KR" sz="2800" dirty="0"/>
-              <a:t>__shared__ </a:t>
-            </a:r>
-            <a:r>
-              <a:rPr lang="en-US" altLang="ko-KR" sz="2800" dirty="0" err="1"/>
-              <a:t>int</a:t>
-            </a:r>
-            <a:r>
-              <a:rPr lang="en-US" altLang="ko-KR" sz="2800" dirty="0"/>
-              <a:t> tile[BDIMY][BDIMX];</a:t>
-            </a:r>
-          </a:p>
-          <a:p>
-            <a:pPr marL="0" indent="0">
-              <a:buNone/>
-            </a:pPr>
-            <a:r>
-              <a:rPr lang="en-US" altLang="ko-KR" sz="2800" dirty="0"/>
-              <a:t>unsigned </a:t>
-            </a:r>
-            <a:r>
-              <a:rPr lang="en-US" altLang="ko-KR" sz="2800" dirty="0" err="1"/>
-              <a:t>int</a:t>
-            </a:r>
-            <a:r>
-              <a:rPr lang="en-US" altLang="ko-KR" sz="2800" dirty="0"/>
-              <a:t> </a:t>
-            </a:r>
-            <a:r>
-              <a:rPr lang="en-US" altLang="ko-KR" sz="2800" dirty="0" err="1"/>
-              <a:t>idx</a:t>
-            </a:r>
-            <a:r>
-              <a:rPr lang="en-US" altLang="ko-KR" sz="2800" dirty="0"/>
-              <a:t>=</a:t>
-            </a:r>
-            <a:r>
-              <a:rPr lang="en-US" altLang="ko-KR" sz="2800" dirty="0" err="1"/>
-              <a:t>threadIdx.y</a:t>
-            </a:r>
-            <a:r>
-              <a:rPr lang="en-US" altLang="ko-KR" sz="2800" dirty="0"/>
-              <a:t>*</a:t>
-            </a:r>
-            <a:r>
-              <a:rPr lang="en-US" altLang="ko-KR" sz="2800" dirty="0" err="1"/>
-              <a:t>blockDimx.x+threadIdx.x</a:t>
-            </a:r>
-            <a:r>
-              <a:rPr lang="en-US" altLang="ko-KR" sz="2800" dirty="0"/>
-              <a:t>;</a:t>
-            </a:r>
-          </a:p>
-          <a:p>
-            <a:pPr marL="0" indent="0">
-              <a:buNone/>
-            </a:pPr>
-            <a:r>
-              <a:rPr lang="en-US" altLang="ko-KR" sz="2800" dirty="0"/>
-              <a:t>tile[</a:t>
-            </a:r>
-            <a:r>
-              <a:rPr lang="en-US" altLang="ko-KR" sz="2800" dirty="0" err="1"/>
-              <a:t>threadIdx.y</a:t>
-            </a:r>
-            <a:r>
-              <a:rPr lang="en-US" altLang="ko-KR" sz="2800" dirty="0"/>
-              <a:t>][</a:t>
-            </a:r>
-            <a:r>
-              <a:rPr lang="en-US" altLang="ko-KR" sz="2800" dirty="0" err="1"/>
-              <a:t>threadIdx.x</a:t>
-            </a:r>
-            <a:r>
-              <a:rPr lang="en-US" altLang="ko-KR" sz="2800" dirty="0"/>
-              <a:t>]=</a:t>
-            </a:r>
-            <a:r>
-              <a:rPr lang="en-US" altLang="ko-KR" sz="2800" dirty="0" err="1"/>
-              <a:t>idx</a:t>
-            </a:r>
-            <a:r>
-              <a:rPr lang="en-US" altLang="ko-KR" sz="2800" dirty="0"/>
-              <a:t>;</a:t>
-            </a:r>
-          </a:p>
-          <a:p>
-            <a:pPr marL="0" indent="0">
-              <a:buNone/>
-            </a:pPr>
-            <a:r>
-              <a:rPr lang="en-US" altLang="ko-KR" sz="2800" dirty="0"/>
-              <a:t>__</a:t>
-            </a:r>
-            <a:r>
-              <a:rPr lang="en-US" altLang="ko-KR" sz="2800" dirty="0" err="1"/>
-              <a:t>syncthreads</a:t>
-            </a:r>
-            <a:r>
-              <a:rPr lang="en-US" altLang="ko-KR" sz="2800" dirty="0"/>
-              <a:t>();</a:t>
-            </a:r>
-          </a:p>
-          <a:p>
-            <a:pPr marL="0" indent="0">
-              <a:buNone/>
-            </a:pPr>
-            <a:r>
-              <a:rPr lang="en-US" altLang="ko-KR" sz="2800" dirty="0"/>
-              <a:t>out[</a:t>
-            </a:r>
-            <a:r>
-              <a:rPr lang="en-US" altLang="ko-KR" sz="2800" dirty="0" err="1"/>
-              <a:t>idx</a:t>
-            </a:r>
-            <a:r>
-              <a:rPr lang="en-US" altLang="ko-KR" sz="2800" dirty="0"/>
-              <a:t>]=tile[</a:t>
-            </a:r>
-            <a:r>
-              <a:rPr lang="en-US" altLang="ko-KR" sz="2800" dirty="0" err="1"/>
-              <a:t>threadIdx.y</a:t>
-            </a:r>
-            <a:r>
-              <a:rPr lang="en-US" altLang="ko-KR" sz="2800" dirty="0"/>
-              <a:t>][</a:t>
-            </a:r>
-            <a:r>
-              <a:rPr lang="en-US" altLang="ko-KR" sz="2800" dirty="0" err="1"/>
-              <a:t>threadIdx.x</a:t>
-            </a:r>
-            <a:r>
-              <a:rPr lang="en-US" altLang="ko-KR" sz="2800" dirty="0"/>
-              <a:t>];</a:t>
-            </a:r>
-          </a:p>
-          <a:p>
-            <a:pPr marL="0" indent="0">
-              <a:buNone/>
-            </a:pPr>
-            <a:r>
-              <a:rPr lang="en-US" altLang="ko-KR" sz="2800" dirty="0"/>
-              <a:t>}</a:t>
-            </a:r>
-            <a:endParaRPr lang="ko-KR" altLang="en-US" sz="2800" dirty="0"/>
-          </a:p>
-        </p:txBody>
-      </p:sp>
-    </p:spTree>
-    <p:extLst>
-      <p:ext uri="{BB962C8B-B14F-4D97-AF65-F5344CB8AC3E}">
-        <p14:creationId xmlns:p14="http://schemas.microsoft.com/office/powerpoint/2010/main" val="2541705394"/>
-      </p:ext>
-    </p:extLst>
-  </p:cSld>
-  <p:clrMapOvr>
-    <a:masterClrMapping/>
-  </p:clrMapOvr>
-</p:sld>
-</file>
-
-<file path=ppt/slides/slide29.xml><?xml version="1.0" encoding="utf-8"?>
-<p:sld xmlns:a="http://schemas.openxmlformats.org/drawingml/2006/main" xmlns:r="http://schemas.openxmlformats.org/officeDocument/2006/relationships" xmlns:p="http://schemas.openxmlformats.org/presentationml/2006/main">
-  <p:cSld>
-    <p:spTree>
-      <p:nvGrpSpPr>
-        <p:cNvPr id="1" name=""/>
-        <p:cNvGrpSpPr/>
-        <p:nvPr/>
-      </p:nvGrpSpPr>
-      <p:grpSpPr>
-        <a:xfrm>
-          <a:off x="0" y="0"/>
-          <a:ext cx="0" cy="0"/>
-          <a:chOff x="0" y="0"/>
-          <a:chExt cx="0" cy="0"/>
-        </a:xfrm>
-      </p:grpSpPr>
-      <p:sp>
-        <p:nvSpPr>
-          <p:cNvPr id="2" name="제목 1"/>
-          <p:cNvSpPr>
-            <a:spLocks noGrp="1"/>
-          </p:cNvSpPr>
-          <p:nvPr>
-            <p:ph type="title"/>
-          </p:nvPr>
-        </p:nvSpPr>
-        <p:spPr/>
-        <p:txBody>
-          <a:bodyPr/>
-          <a:lstStyle/>
-          <a:p>
-            <a:r>
-              <a:rPr lang="en-US" altLang="ko-KR" dirty="0"/>
-              <a:t>Column-Major Access</a:t>
-            </a:r>
-            <a:endParaRPr lang="ko-KR" altLang="en-US" dirty="0"/>
-          </a:p>
-        </p:txBody>
-      </p:sp>
-      <p:sp>
-        <p:nvSpPr>
-          <p:cNvPr id="3" name="내용 개체 틀 2"/>
-          <p:cNvSpPr>
-            <a:spLocks noGrp="1"/>
-          </p:cNvSpPr>
-          <p:nvPr>
-            <p:ph idx="1"/>
-          </p:nvPr>
-        </p:nvSpPr>
-        <p:spPr/>
-        <p:txBody>
-          <a:bodyPr/>
-          <a:lstStyle/>
-          <a:p>
-            <a:pPr marL="0" indent="0">
-              <a:buNone/>
-            </a:pPr>
-            <a:r>
-              <a:rPr lang="en-US" altLang="ko-KR" sz="2800" dirty="0"/>
-              <a:t>__global__ void </a:t>
-            </a:r>
-            <a:r>
-              <a:rPr lang="en-US" altLang="ko-KR" sz="2800" dirty="0" err="1"/>
-              <a:t>setColReadCol</a:t>
-            </a:r>
-            <a:r>
-              <a:rPr lang="en-US" altLang="ko-KR" sz="2800" dirty="0"/>
-              <a:t>(</a:t>
-            </a:r>
-            <a:r>
-              <a:rPr lang="en-US" altLang="ko-KR" sz="2800" dirty="0" err="1"/>
-              <a:t>int</a:t>
-            </a:r>
-            <a:r>
-              <a:rPr lang="en-US" altLang="ko-KR" sz="2800" dirty="0"/>
-              <a:t> *out){</a:t>
-            </a:r>
-          </a:p>
-          <a:p>
-            <a:pPr marL="0" indent="0">
-              <a:buNone/>
-            </a:pPr>
-            <a:r>
-              <a:rPr lang="en-US" altLang="ko-KR" sz="2800" dirty="0"/>
-              <a:t>__shared__ </a:t>
-            </a:r>
-            <a:r>
-              <a:rPr lang="en-US" altLang="ko-KR" sz="2800" dirty="0" err="1"/>
-              <a:t>int</a:t>
-            </a:r>
-            <a:r>
-              <a:rPr lang="en-US" altLang="ko-KR" sz="2800" dirty="0"/>
-              <a:t> tile[BDIMX][BDIMY];</a:t>
-            </a:r>
-          </a:p>
-          <a:p>
-            <a:pPr marL="0" indent="0">
-              <a:buNone/>
-            </a:pPr>
-            <a:r>
-              <a:rPr lang="en-US" altLang="ko-KR" sz="2800" dirty="0"/>
-              <a:t>unsigned </a:t>
-            </a:r>
-            <a:r>
-              <a:rPr lang="en-US" altLang="ko-KR" sz="2800" dirty="0" err="1"/>
-              <a:t>int</a:t>
-            </a:r>
-            <a:r>
-              <a:rPr lang="en-US" altLang="ko-KR" sz="2800" dirty="0"/>
-              <a:t> </a:t>
-            </a:r>
-            <a:r>
-              <a:rPr lang="en-US" altLang="ko-KR" sz="2800" dirty="0" err="1"/>
-              <a:t>Idx</a:t>
-            </a:r>
-            <a:r>
-              <a:rPr lang="en-US" altLang="ko-KR" sz="2800" dirty="0"/>
-              <a:t>=</a:t>
-            </a:r>
-            <a:r>
-              <a:rPr lang="en-US" altLang="ko-KR" sz="2800" dirty="0" err="1"/>
-              <a:t>threadIdx.y</a:t>
-            </a:r>
-            <a:r>
-              <a:rPr lang="en-US" altLang="ko-KR" sz="2800" dirty="0"/>
-              <a:t>*</a:t>
-            </a:r>
-            <a:r>
-              <a:rPr lang="en-US" altLang="ko-KR" sz="2800" dirty="0" err="1"/>
-              <a:t>blockDim.x</a:t>
-            </a:r>
-            <a:r>
-              <a:rPr lang="en-US" altLang="ko-KR" sz="2800" dirty="0"/>
-              <a:t> + </a:t>
-            </a:r>
-            <a:r>
-              <a:rPr lang="en-US" altLang="ko-KR" sz="2800" dirty="0" err="1"/>
-              <a:t>threadIdx.x</a:t>
-            </a:r>
-            <a:r>
-              <a:rPr lang="en-US" altLang="ko-KR" sz="2800" dirty="0"/>
-              <a:t>;</a:t>
-            </a:r>
-          </a:p>
-          <a:p>
-            <a:pPr marL="0" indent="0">
-              <a:buNone/>
-            </a:pPr>
-            <a:r>
-              <a:rPr lang="en-US" altLang="ko-KR" sz="2800" dirty="0"/>
-              <a:t>tile[</a:t>
-            </a:r>
-            <a:r>
-              <a:rPr lang="en-US" altLang="ko-KR" sz="2800" dirty="0" err="1"/>
-              <a:t>threadIdx.x</a:t>
-            </a:r>
-            <a:r>
-              <a:rPr lang="en-US" altLang="ko-KR" sz="2800" dirty="0"/>
-              <a:t>][</a:t>
-            </a:r>
-            <a:r>
-              <a:rPr lang="en-US" altLang="ko-KR" sz="2800" dirty="0" err="1"/>
-              <a:t>threadIdx.y</a:t>
-            </a:r>
-            <a:r>
-              <a:rPr lang="en-US" altLang="ko-KR" sz="2800" dirty="0"/>
-              <a:t>]=</a:t>
-            </a:r>
-            <a:r>
-              <a:rPr lang="en-US" altLang="ko-KR" sz="2800" dirty="0" err="1"/>
-              <a:t>idx</a:t>
-            </a:r>
-            <a:r>
-              <a:rPr lang="en-US" altLang="ko-KR" sz="2800" dirty="0"/>
-              <a:t>;</a:t>
-            </a:r>
-          </a:p>
-          <a:p>
-            <a:pPr marL="0" indent="0">
-              <a:buNone/>
-            </a:pPr>
-            <a:endParaRPr lang="en-US" altLang="ko-KR" sz="2800" dirty="0"/>
-          </a:p>
-          <a:p>
-            <a:pPr marL="0" indent="0">
-              <a:buNone/>
-            </a:pPr>
-            <a:r>
-              <a:rPr lang="en-US" altLang="ko-KR" sz="2800" dirty="0"/>
-              <a:t>__</a:t>
-            </a:r>
-            <a:r>
-              <a:rPr lang="en-US" altLang="ko-KR" sz="2800" dirty="0" err="1"/>
-              <a:t>syncthreads</a:t>
-            </a:r>
-            <a:r>
-              <a:rPr lang="en-US" altLang="ko-KR" sz="2800" dirty="0"/>
-              <a:t>( );</a:t>
-            </a:r>
-          </a:p>
-          <a:p>
-            <a:pPr marL="0" indent="0">
-              <a:buNone/>
-            </a:pPr>
-            <a:endParaRPr lang="en-US" altLang="ko-KR" sz="2800" dirty="0"/>
-          </a:p>
-          <a:p>
-            <a:pPr marL="0" indent="0">
-              <a:buNone/>
-            </a:pPr>
-            <a:r>
-              <a:rPr lang="en-US" altLang="ko-KR" sz="2800" dirty="0"/>
-              <a:t>out[</a:t>
-            </a:r>
-            <a:r>
-              <a:rPr lang="en-US" altLang="ko-KR" sz="2800" dirty="0" err="1"/>
-              <a:t>idx</a:t>
-            </a:r>
-            <a:r>
-              <a:rPr lang="en-US" altLang="ko-KR" sz="2800" dirty="0"/>
-              <a:t>]=tile[</a:t>
-            </a:r>
-            <a:r>
-              <a:rPr lang="en-US" altLang="ko-KR" sz="2800" dirty="0" err="1"/>
-              <a:t>threadIdx.x</a:t>
-            </a:r>
-            <a:r>
-              <a:rPr lang="en-US" altLang="ko-KR" sz="2800" dirty="0"/>
-              <a:t>][</a:t>
-            </a:r>
-            <a:r>
-              <a:rPr lang="en-US" altLang="ko-KR" sz="2800" dirty="0" err="1"/>
-              <a:t>threadIdx.y</a:t>
-            </a:r>
-            <a:r>
-              <a:rPr lang="en-US" altLang="ko-KR" sz="2800" dirty="0"/>
-              <a:t>];</a:t>
-            </a:r>
-          </a:p>
-          <a:p>
-            <a:pPr marL="0" indent="0">
-              <a:buNone/>
-            </a:pPr>
-            <a:r>
-              <a:rPr lang="en-US" altLang="ko-KR" sz="2800" dirty="0"/>
-              <a:t>}</a:t>
-            </a:r>
-            <a:endParaRPr lang="ko-KR" altLang="en-US" sz="2800" dirty="0"/>
-          </a:p>
-        </p:txBody>
-      </p:sp>
-    </p:spTree>
-    <p:extLst>
-      <p:ext uri="{BB962C8B-B14F-4D97-AF65-F5344CB8AC3E}">
-        <p14:creationId xmlns:p14="http://schemas.microsoft.com/office/powerpoint/2010/main" val="358211876"/>
-      </p:ext>
-    </p:extLst>
-  </p:cSld>
-  <p:clrMapOvr>
-    <a:masterClrMapping/>
-  </p:clrMapOvr>
-</p:sld>
-</file>
-
 <file path=ppt/slides/slide3.xml><?xml version="1.0" encoding="utf-8"?>
 <p:sld xmlns:a="http://schemas.openxmlformats.org/drawingml/2006/main" xmlns:r="http://schemas.openxmlformats.org/officeDocument/2006/relationships" xmlns:p="http://schemas.openxmlformats.org/presentationml/2006/main">
   <p:cSld>
@@ -12992,30 +13187,39 @@
           <a:lstStyle/>
           <a:p>
             <a:r>
-              <a:rPr lang="en-US" altLang="ko-KR" sz="2400" dirty="0"/>
+              <a:rPr lang="en-US" altLang="ko-KR" sz="2000" dirty="0"/>
               <a:t>On-board memory: Global Memory</a:t>
             </a:r>
           </a:p>
           <a:p>
             <a:r>
-              <a:rPr lang="en-US" altLang="ko-KR" sz="2400" dirty="0"/>
+              <a:rPr lang="en-US" altLang="ko-KR" sz="2000" dirty="0"/>
               <a:t>On-chip memory: Shared memory which is smaller, faster than global memory.</a:t>
             </a:r>
           </a:p>
           <a:p>
-            <a:endParaRPr lang="en-US" altLang="ko-KR" sz="2400" dirty="0"/>
-          </a:p>
-          <a:p>
-            <a:r>
-              <a:rPr lang="en-US" altLang="ko-KR" sz="2400" dirty="0"/>
+            <a:r>
+              <a:rPr lang="en-US" altLang="ko-KR" sz="2000" dirty="0"/>
+              <a:t>each SM contains a small low-latency memory pool shared by all threads in the thread block currently executing on that SM </a:t>
+            </a:r>
+          </a:p>
+          <a:p>
+            <a:r>
+              <a:rPr lang="en-US" altLang="ko-KR" sz="2000" dirty="0"/>
+              <a:t>shared memory address space is shared by all threads in a thread block. Its contents have the same lifetime as the thread block in which it was created </a:t>
+            </a:r>
+          </a:p>
+          <a:p>
+            <a:r>
+              <a:rPr lang="en-US" altLang="ko-KR" sz="2000" dirty="0"/>
               <a:t>The bandwidth degradation is caused by misaligned access and </a:t>
             </a:r>
             <a:r>
-              <a:rPr lang="en-US" altLang="ko-KR" sz="2400" dirty="0" err="1"/>
+              <a:rPr lang="en-US" altLang="ko-KR" sz="2000" dirty="0" err="1"/>
               <a:t>noncoalesced</a:t>
             </a:r>
             <a:r>
-              <a:rPr lang="en-US" altLang="ko-KR" sz="2400" dirty="0"/>
+              <a:rPr lang="en-US" altLang="ko-KR" sz="2000" dirty="0"/>
               <a:t> accesses of global memory.</a:t>
             </a:r>
           </a:p>
@@ -13024,7 +13228,7 @@
               <a:buNone/>
             </a:pPr>
             <a:r>
-              <a:rPr lang="en-US" altLang="ko-KR" sz="2400" dirty="0"/>
+              <a:rPr lang="en-US" altLang="ko-KR" sz="2000" dirty="0"/>
               <a:t> 	-misaligned access: could be improved by L1 cache,</a:t>
             </a:r>
           </a:p>
@@ -13033,16 +13237,16 @@
               <a:buNone/>
             </a:pPr>
             <a:r>
-              <a:rPr lang="en-US" altLang="ko-KR" sz="2400" dirty="0"/>
+              <a:rPr lang="en-US" altLang="ko-KR" sz="2000" dirty="0"/>
               <a:t>	-</a:t>
             </a:r>
             <a:r>
-              <a:rPr lang="en-US" altLang="ko-KR" sz="2400" dirty="0" err="1"/>
+              <a:rPr lang="en-US" altLang="ko-KR" sz="2000" dirty="0" err="1"/>
               <a:t>noncoalesced</a:t>
             </a:r>
             <a:r>
-              <a:rPr lang="en-US" altLang="ko-KR" sz="2400" dirty="0"/>
-              <a:t> access: could be improved by </a:t>
+              <a:rPr lang="en-US" altLang="ko-KR" sz="2000" dirty="0"/>
+              <a:t> access: could be improved by shared memory.</a:t>
             </a:r>
           </a:p>
           <a:p>
@@ -13050,16 +13254,7 @@
               <a:buNone/>
             </a:pPr>
             <a:r>
-              <a:rPr lang="en-US" altLang="ko-KR" sz="2400" dirty="0"/>
-              <a:t>		shared 	memory.</a:t>
-            </a:r>
-          </a:p>
-          <a:p>
-            <a:pPr marL="0" indent="0">
-              <a:buNone/>
-            </a:pPr>
-            <a:r>
-              <a:rPr lang="en-US" altLang="ko-KR" sz="2400" dirty="0"/>
+              <a:rPr lang="en-US" altLang="ko-KR" sz="2000" dirty="0"/>
               <a:t>	</a:t>
             </a:r>
           </a:p>
@@ -13085,7 +13280,7 @@
         </p:nvSpPr>
         <p:spPr>
           <a:xfrm>
-            <a:off x="683568" y="5829660"/>
+            <a:off x="611560" y="6021288"/>
             <a:ext cx="7920880" cy="923330"/>
           </a:xfrm>
           <a:prstGeom prst="rect">
@@ -13132,6 +13327,696 @@
 </file>
 
 <file path=ppt/slides/slide30.xml><?xml version="1.0" encoding="utf-8"?>
+<p:sld xmlns:a="http://schemas.openxmlformats.org/drawingml/2006/main" xmlns:r="http://schemas.openxmlformats.org/officeDocument/2006/relationships" xmlns:p="http://schemas.openxmlformats.org/presentationml/2006/main">
+  <p:cSld>
+    <p:spTree>
+      <p:nvGrpSpPr>
+        <p:cNvPr id="1" name=""/>
+        <p:cNvGrpSpPr/>
+        <p:nvPr/>
+      </p:nvGrpSpPr>
+      <p:grpSpPr>
+        <a:xfrm>
+          <a:off x="0" y="0"/>
+          <a:ext cx="0" cy="0"/>
+          <a:chOff x="0" y="0"/>
+          <a:chExt cx="0" cy="0"/>
+        </a:xfrm>
+      </p:grpSpPr>
+      <p:sp>
+        <p:nvSpPr>
+          <p:cNvPr id="3" name="내용 개체 틀 2"/>
+          <p:cNvSpPr>
+            <a:spLocks noGrp="1"/>
+          </p:cNvSpPr>
+          <p:nvPr>
+            <p:ph idx="1"/>
+          </p:nvPr>
+        </p:nvSpPr>
+        <p:spPr>
+          <a:xfrm>
+            <a:off x="467544" y="1268760"/>
+            <a:ext cx="8229600" cy="4525963"/>
+          </a:xfrm>
+        </p:spPr>
+        <p:txBody>
+          <a:bodyPr/>
+          <a:lstStyle/>
+          <a:p>
+            <a:r>
+              <a:rPr lang="en-US" altLang="ko-KR" sz="2800" dirty="0"/>
+              <a:t>A grid with 2D block 32 x 32:</a:t>
+            </a:r>
+          </a:p>
+          <a:p>
+            <a:pPr marL="0" indent="0">
+              <a:buNone/>
+            </a:pPr>
+            <a:r>
+              <a:rPr lang="en-US" altLang="ko-KR" sz="2800" dirty="0"/>
+              <a:t>	#define BDIMX 32</a:t>
+            </a:r>
+          </a:p>
+          <a:p>
+            <a:pPr marL="0" indent="0">
+              <a:buNone/>
+            </a:pPr>
+            <a:r>
+              <a:rPr lang="en-US" altLang="ko-KR" sz="2800" dirty="0"/>
+              <a:t>	#define BDIMY 32</a:t>
+            </a:r>
+          </a:p>
+          <a:p>
+            <a:pPr marL="0" indent="0">
+              <a:buNone/>
+            </a:pPr>
+            <a:r>
+              <a:rPr lang="en-US" altLang="ko-KR" sz="2800" dirty="0"/>
+              <a:t>	dim3 block( BDIMX, BDIMY);</a:t>
+            </a:r>
+          </a:p>
+          <a:p>
+            <a:pPr marL="0" indent="0">
+              <a:buNone/>
+            </a:pPr>
+            <a:r>
+              <a:rPr lang="en-US" altLang="ko-KR" sz="2800" dirty="0"/>
+              <a:t>	dim3 grid(1,1);</a:t>
+            </a:r>
+          </a:p>
+          <a:p>
+            <a:r>
+              <a:rPr lang="en-US" altLang="ko-KR" sz="2800" dirty="0"/>
+              <a:t>Kernel operations:</a:t>
+            </a:r>
+          </a:p>
+          <a:p>
+            <a:pPr lvl="1"/>
+            <a:r>
+              <a:rPr lang="en-US" altLang="ko-KR" dirty="0"/>
+              <a:t>write global thread indices to a 2D shared memory</a:t>
+            </a:r>
+          </a:p>
+          <a:p>
+            <a:pPr marL="457200" lvl="1" indent="0">
+              <a:buNone/>
+            </a:pPr>
+            <a:r>
+              <a:rPr lang="en-US" altLang="ko-KR" dirty="0"/>
+              <a:t>   array in row-major order.</a:t>
+            </a:r>
+          </a:p>
+          <a:p>
+            <a:pPr lvl="1"/>
+            <a:r>
+              <a:rPr lang="en-US" altLang="ko-KR" dirty="0"/>
+              <a:t>read those values from shared memory in row-major order and store them to global memory.</a:t>
+            </a:r>
+          </a:p>
+          <a:p>
+            <a:pPr lvl="1"/>
+            <a:endParaRPr lang="en-US" altLang="ko-KR" dirty="0"/>
+          </a:p>
+          <a:p>
+            <a:pPr marL="0" indent="0">
+              <a:buNone/>
+            </a:pPr>
+            <a:endParaRPr lang="ko-KR" altLang="en-US" dirty="0"/>
+          </a:p>
+        </p:txBody>
+      </p:sp>
+    </p:spTree>
+    <p:extLst>
+      <p:ext uri="{BB962C8B-B14F-4D97-AF65-F5344CB8AC3E}">
+        <p14:creationId xmlns:p14="http://schemas.microsoft.com/office/powerpoint/2010/main" val="3653762928"/>
+      </p:ext>
+    </p:extLst>
+  </p:cSld>
+  <p:clrMapOvr>
+    <a:masterClrMapping/>
+  </p:clrMapOvr>
+</p:sld>
+</file>
+
+<file path=ppt/slides/slide31.xml><?xml version="1.0" encoding="utf-8"?>
+<p:sld xmlns:a="http://schemas.openxmlformats.org/drawingml/2006/main" xmlns:r="http://schemas.openxmlformats.org/officeDocument/2006/relationships" xmlns:p="http://schemas.openxmlformats.org/presentationml/2006/main">
+  <p:cSld>
+    <p:spTree>
+      <p:nvGrpSpPr>
+        <p:cNvPr id="1" name=""/>
+        <p:cNvGrpSpPr/>
+        <p:nvPr/>
+      </p:nvGrpSpPr>
+      <p:grpSpPr>
+        <a:xfrm>
+          <a:off x="0" y="0"/>
+          <a:ext cx="0" cy="0"/>
+          <a:chOff x="0" y="0"/>
+          <a:chExt cx="0" cy="0"/>
+        </a:xfrm>
+      </p:grpSpPr>
+      <p:sp>
+        <p:nvSpPr>
+          <p:cNvPr id="2" name="제목 1"/>
+          <p:cNvSpPr>
+            <a:spLocks noGrp="1"/>
+          </p:cNvSpPr>
+          <p:nvPr>
+            <p:ph type="title"/>
+          </p:nvPr>
+        </p:nvSpPr>
+        <p:spPr/>
+        <p:txBody>
+          <a:bodyPr/>
+          <a:lstStyle/>
+          <a:p>
+            <a:r>
+              <a:rPr lang="en-US" altLang="ko-KR" dirty="0"/>
+              <a:t>Row-Major Access</a:t>
+            </a:r>
+            <a:endParaRPr lang="ko-KR" altLang="en-US" dirty="0"/>
+          </a:p>
+        </p:txBody>
+      </p:sp>
+      <p:sp>
+        <p:nvSpPr>
+          <p:cNvPr id="3" name="내용 개체 틀 2"/>
+          <p:cNvSpPr>
+            <a:spLocks noGrp="1"/>
+          </p:cNvSpPr>
+          <p:nvPr>
+            <p:ph idx="1"/>
+          </p:nvPr>
+        </p:nvSpPr>
+        <p:spPr/>
+        <p:txBody>
+          <a:bodyPr/>
+          <a:lstStyle/>
+          <a:p>
+            <a:pPr marL="0" indent="0" algn="ctr">
+              <a:buNone/>
+            </a:pPr>
+            <a:r>
+              <a:rPr lang="en-US" altLang="ko-KR" sz="2800" dirty="0">
+                <a:solidFill>
+                  <a:srgbClr val="C00000"/>
+                </a:solidFill>
+              </a:rPr>
+              <a:t>&lt;Free of bank conflict&gt;</a:t>
+            </a:r>
+          </a:p>
+          <a:p>
+            <a:pPr marL="0" indent="0">
+              <a:buNone/>
+            </a:pPr>
+            <a:endParaRPr lang="en-US" altLang="ko-KR" sz="2800" dirty="0"/>
+          </a:p>
+          <a:p>
+            <a:pPr marL="0" indent="0">
+              <a:buNone/>
+            </a:pPr>
+            <a:r>
+              <a:rPr lang="en-US" altLang="ko-KR" sz="2800" dirty="0"/>
+              <a:t>__global__ void </a:t>
+            </a:r>
+            <a:r>
+              <a:rPr lang="en-US" altLang="ko-KR" sz="2800" dirty="0" err="1"/>
+              <a:t>setRowReadRow</a:t>
+            </a:r>
+            <a:r>
+              <a:rPr lang="en-US" altLang="ko-KR" sz="2800" dirty="0"/>
+              <a:t>(</a:t>
+            </a:r>
+            <a:r>
+              <a:rPr lang="en-US" altLang="ko-KR" sz="2800" dirty="0" err="1"/>
+              <a:t>int</a:t>
+            </a:r>
+            <a:r>
+              <a:rPr lang="en-US" altLang="ko-KR" sz="2800" dirty="0"/>
+              <a:t> *out){</a:t>
+            </a:r>
+          </a:p>
+          <a:p>
+            <a:pPr marL="0" indent="0">
+              <a:buNone/>
+            </a:pPr>
+            <a:r>
+              <a:rPr lang="en-US" altLang="ko-KR" sz="2800" dirty="0"/>
+              <a:t>__shared__ </a:t>
+            </a:r>
+            <a:r>
+              <a:rPr lang="en-US" altLang="ko-KR" sz="2800" dirty="0" err="1"/>
+              <a:t>int</a:t>
+            </a:r>
+            <a:r>
+              <a:rPr lang="en-US" altLang="ko-KR" sz="2800" dirty="0"/>
+              <a:t> tile[BDIMY][BDIMX];</a:t>
+            </a:r>
+          </a:p>
+          <a:p>
+            <a:pPr marL="0" indent="0">
+              <a:buNone/>
+            </a:pPr>
+            <a:r>
+              <a:rPr lang="en-US" altLang="ko-KR" sz="2800" dirty="0"/>
+              <a:t>unsigned </a:t>
+            </a:r>
+            <a:r>
+              <a:rPr lang="en-US" altLang="ko-KR" sz="2800" dirty="0" err="1"/>
+              <a:t>int</a:t>
+            </a:r>
+            <a:r>
+              <a:rPr lang="en-US" altLang="ko-KR" sz="2800" dirty="0"/>
+              <a:t> </a:t>
+            </a:r>
+            <a:r>
+              <a:rPr lang="en-US" altLang="ko-KR" sz="2800" dirty="0" err="1"/>
+              <a:t>idx</a:t>
+            </a:r>
+            <a:r>
+              <a:rPr lang="en-US" altLang="ko-KR" sz="2800" dirty="0"/>
+              <a:t>=</a:t>
+            </a:r>
+            <a:r>
+              <a:rPr lang="en-US" altLang="ko-KR" sz="2800" dirty="0" err="1"/>
+              <a:t>threadIdx.y</a:t>
+            </a:r>
+            <a:r>
+              <a:rPr lang="en-US" altLang="ko-KR" sz="2800" dirty="0"/>
+              <a:t>*</a:t>
+            </a:r>
+            <a:r>
+              <a:rPr lang="en-US" altLang="ko-KR" sz="2800" dirty="0" err="1"/>
+              <a:t>blockDimx.x+threadIdx.x</a:t>
+            </a:r>
+            <a:r>
+              <a:rPr lang="en-US" altLang="ko-KR" sz="2800" dirty="0"/>
+              <a:t>;</a:t>
+            </a:r>
+          </a:p>
+          <a:p>
+            <a:pPr marL="0" indent="0">
+              <a:buNone/>
+            </a:pPr>
+            <a:r>
+              <a:rPr lang="en-US" altLang="ko-KR" sz="2800" dirty="0"/>
+              <a:t>tile[</a:t>
+            </a:r>
+            <a:r>
+              <a:rPr lang="en-US" altLang="ko-KR" sz="2800" dirty="0" err="1"/>
+              <a:t>threadIdx.y</a:t>
+            </a:r>
+            <a:r>
+              <a:rPr lang="en-US" altLang="ko-KR" sz="2800" dirty="0"/>
+              <a:t>][</a:t>
+            </a:r>
+            <a:r>
+              <a:rPr lang="en-US" altLang="ko-KR" sz="2800" dirty="0" err="1"/>
+              <a:t>threadIdx.x</a:t>
+            </a:r>
+            <a:r>
+              <a:rPr lang="en-US" altLang="ko-KR" sz="2800" dirty="0"/>
+              <a:t>]=</a:t>
+            </a:r>
+            <a:r>
+              <a:rPr lang="en-US" altLang="ko-KR" sz="2800" dirty="0" err="1"/>
+              <a:t>idx</a:t>
+            </a:r>
+            <a:r>
+              <a:rPr lang="en-US" altLang="ko-KR" sz="2800" dirty="0"/>
+              <a:t>;</a:t>
+            </a:r>
+          </a:p>
+          <a:p>
+            <a:pPr marL="0" indent="0">
+              <a:buNone/>
+            </a:pPr>
+            <a:r>
+              <a:rPr lang="en-US" altLang="ko-KR" sz="2800" dirty="0"/>
+              <a:t>__</a:t>
+            </a:r>
+            <a:r>
+              <a:rPr lang="en-US" altLang="ko-KR" sz="2800" dirty="0" err="1"/>
+              <a:t>syncthreads</a:t>
+            </a:r>
+            <a:r>
+              <a:rPr lang="en-US" altLang="ko-KR" sz="2800" dirty="0"/>
+              <a:t>();</a:t>
+            </a:r>
+          </a:p>
+          <a:p>
+            <a:pPr marL="0" indent="0">
+              <a:buNone/>
+            </a:pPr>
+            <a:r>
+              <a:rPr lang="en-US" altLang="ko-KR" sz="2800" dirty="0"/>
+              <a:t>out[</a:t>
+            </a:r>
+            <a:r>
+              <a:rPr lang="en-US" altLang="ko-KR" sz="2800" dirty="0" err="1"/>
+              <a:t>idx</a:t>
+            </a:r>
+            <a:r>
+              <a:rPr lang="en-US" altLang="ko-KR" sz="2800" dirty="0"/>
+              <a:t>]=tile[</a:t>
+            </a:r>
+            <a:r>
+              <a:rPr lang="en-US" altLang="ko-KR" sz="2800" dirty="0" err="1"/>
+              <a:t>threadIdx.y</a:t>
+            </a:r>
+            <a:r>
+              <a:rPr lang="en-US" altLang="ko-KR" sz="2800" dirty="0"/>
+              <a:t>][</a:t>
+            </a:r>
+            <a:r>
+              <a:rPr lang="en-US" altLang="ko-KR" sz="2800" dirty="0" err="1"/>
+              <a:t>threadIdx.x</a:t>
+            </a:r>
+            <a:r>
+              <a:rPr lang="en-US" altLang="ko-KR" sz="2800" dirty="0"/>
+              <a:t>];</a:t>
+            </a:r>
+          </a:p>
+          <a:p>
+            <a:pPr marL="0" indent="0">
+              <a:buNone/>
+            </a:pPr>
+            <a:r>
+              <a:rPr lang="en-US" altLang="ko-KR" sz="2800" dirty="0"/>
+              <a:t>}</a:t>
+            </a:r>
+            <a:endParaRPr lang="ko-KR" altLang="en-US" sz="2800" dirty="0"/>
+          </a:p>
+        </p:txBody>
+      </p:sp>
+    </p:spTree>
+    <p:extLst>
+      <p:ext uri="{BB962C8B-B14F-4D97-AF65-F5344CB8AC3E}">
+        <p14:creationId xmlns:p14="http://schemas.microsoft.com/office/powerpoint/2010/main" val="2541705394"/>
+      </p:ext>
+    </p:extLst>
+  </p:cSld>
+  <p:clrMapOvr>
+    <a:masterClrMapping/>
+  </p:clrMapOvr>
+</p:sld>
+</file>
+
+<file path=ppt/slides/slide32.xml><?xml version="1.0" encoding="utf-8"?>
+<p:sld xmlns:a="http://schemas.openxmlformats.org/drawingml/2006/main" xmlns:r="http://schemas.openxmlformats.org/officeDocument/2006/relationships" xmlns:p="http://schemas.openxmlformats.org/presentationml/2006/main">
+  <p:cSld>
+    <p:spTree>
+      <p:nvGrpSpPr>
+        <p:cNvPr id="1" name=""/>
+        <p:cNvGrpSpPr/>
+        <p:nvPr/>
+      </p:nvGrpSpPr>
+      <p:grpSpPr>
+        <a:xfrm>
+          <a:off x="0" y="0"/>
+          <a:ext cx="0" cy="0"/>
+          <a:chOff x="0" y="0"/>
+          <a:chExt cx="0" cy="0"/>
+        </a:xfrm>
+      </p:grpSpPr>
+      <p:sp>
+        <p:nvSpPr>
+          <p:cNvPr id="2" name="제목 1"/>
+          <p:cNvSpPr>
+            <a:spLocks noGrp="1"/>
+          </p:cNvSpPr>
+          <p:nvPr>
+            <p:ph type="title"/>
+          </p:nvPr>
+        </p:nvSpPr>
+        <p:spPr/>
+        <p:txBody>
+          <a:bodyPr/>
+          <a:lstStyle/>
+          <a:p>
+            <a:r>
+              <a:rPr lang="en-US" altLang="ko-KR" dirty="0"/>
+              <a:t>Column-Major Access</a:t>
+            </a:r>
+            <a:endParaRPr lang="ko-KR" altLang="en-US" dirty="0"/>
+          </a:p>
+        </p:txBody>
+      </p:sp>
+      <p:sp>
+        <p:nvSpPr>
+          <p:cNvPr id="3" name="내용 개체 틀 2"/>
+          <p:cNvSpPr>
+            <a:spLocks noGrp="1"/>
+          </p:cNvSpPr>
+          <p:nvPr>
+            <p:ph idx="1"/>
+          </p:nvPr>
+        </p:nvSpPr>
+        <p:spPr/>
+        <p:txBody>
+          <a:bodyPr/>
+          <a:lstStyle/>
+          <a:p>
+            <a:pPr marL="0" indent="0">
+              <a:buNone/>
+            </a:pPr>
+            <a:r>
+              <a:rPr lang="en-US" altLang="ko-KR" sz="2400" dirty="0">
+                <a:solidFill>
+                  <a:srgbClr val="C00000"/>
+                </a:solidFill>
+              </a:rPr>
+              <a:t>&lt;32-way bank conflict for a fermi device, 16-way bank conflict for a </a:t>
+            </a:r>
+            <a:r>
+              <a:rPr lang="en-US" altLang="ko-KR" sz="2400" dirty="0" err="1">
+                <a:solidFill>
+                  <a:srgbClr val="C00000"/>
+                </a:solidFill>
+              </a:rPr>
+              <a:t>kepler</a:t>
+            </a:r>
+            <a:r>
+              <a:rPr lang="en-US" altLang="ko-KR" sz="2400" dirty="0">
+                <a:solidFill>
+                  <a:srgbClr val="C00000"/>
+                </a:solidFill>
+              </a:rPr>
+              <a:t> device&gt;</a:t>
+            </a:r>
+          </a:p>
+          <a:p>
+            <a:pPr marL="0" indent="0">
+              <a:buNone/>
+            </a:pPr>
+            <a:r>
+              <a:rPr lang="en-US" altLang="ko-KR" sz="2400" dirty="0"/>
+              <a:t>__global__ void </a:t>
+            </a:r>
+            <a:r>
+              <a:rPr lang="en-US" altLang="ko-KR" sz="2400" dirty="0" err="1"/>
+              <a:t>setColReadCol</a:t>
+            </a:r>
+            <a:r>
+              <a:rPr lang="en-US" altLang="ko-KR" sz="2400" dirty="0"/>
+              <a:t>(</a:t>
+            </a:r>
+            <a:r>
+              <a:rPr lang="en-US" altLang="ko-KR" sz="2400" dirty="0" err="1"/>
+              <a:t>int</a:t>
+            </a:r>
+            <a:r>
+              <a:rPr lang="en-US" altLang="ko-KR" sz="2400" dirty="0"/>
+              <a:t> *out){</a:t>
+            </a:r>
+          </a:p>
+          <a:p>
+            <a:pPr marL="0" indent="0">
+              <a:buNone/>
+            </a:pPr>
+            <a:r>
+              <a:rPr lang="en-US" altLang="ko-KR" sz="2400" dirty="0"/>
+              <a:t>__shared__ </a:t>
+            </a:r>
+            <a:r>
+              <a:rPr lang="en-US" altLang="ko-KR" sz="2400" dirty="0" err="1"/>
+              <a:t>int</a:t>
+            </a:r>
+            <a:r>
+              <a:rPr lang="en-US" altLang="ko-KR" sz="2400" dirty="0"/>
+              <a:t> tile[BDIMX][BDIMY];</a:t>
+            </a:r>
+          </a:p>
+          <a:p>
+            <a:pPr marL="0" indent="0">
+              <a:buNone/>
+            </a:pPr>
+            <a:r>
+              <a:rPr lang="en-US" altLang="ko-KR" sz="2400" dirty="0"/>
+              <a:t>unsigned </a:t>
+            </a:r>
+            <a:r>
+              <a:rPr lang="en-US" altLang="ko-KR" sz="2400" dirty="0" err="1"/>
+              <a:t>int</a:t>
+            </a:r>
+            <a:r>
+              <a:rPr lang="en-US" altLang="ko-KR" sz="2400" dirty="0"/>
+              <a:t> </a:t>
+            </a:r>
+            <a:r>
+              <a:rPr lang="en-US" altLang="ko-KR" sz="2400" dirty="0" err="1"/>
+              <a:t>Idx</a:t>
+            </a:r>
+            <a:r>
+              <a:rPr lang="en-US" altLang="ko-KR" sz="2400" dirty="0"/>
+              <a:t>=</a:t>
+            </a:r>
+            <a:r>
+              <a:rPr lang="en-US" altLang="ko-KR" sz="2400" dirty="0" err="1"/>
+              <a:t>threadIdx.y</a:t>
+            </a:r>
+            <a:r>
+              <a:rPr lang="en-US" altLang="ko-KR" sz="2400" dirty="0"/>
+              <a:t>*</a:t>
+            </a:r>
+            <a:r>
+              <a:rPr lang="en-US" altLang="ko-KR" sz="2400" dirty="0" err="1"/>
+              <a:t>blockDim.x</a:t>
+            </a:r>
+            <a:r>
+              <a:rPr lang="en-US" altLang="ko-KR" sz="2400" dirty="0"/>
+              <a:t> + </a:t>
+            </a:r>
+            <a:r>
+              <a:rPr lang="en-US" altLang="ko-KR" sz="2400" dirty="0" err="1"/>
+              <a:t>threadIdx.x</a:t>
+            </a:r>
+            <a:r>
+              <a:rPr lang="en-US" altLang="ko-KR" sz="2400" dirty="0"/>
+              <a:t>;</a:t>
+            </a:r>
+          </a:p>
+          <a:p>
+            <a:pPr marL="0" indent="0">
+              <a:buNone/>
+            </a:pPr>
+            <a:r>
+              <a:rPr lang="en-US" altLang="ko-KR" sz="2400" dirty="0"/>
+              <a:t>tile[</a:t>
+            </a:r>
+            <a:r>
+              <a:rPr lang="en-US" altLang="ko-KR" sz="2400" dirty="0" err="1"/>
+              <a:t>threadIdx.x</a:t>
+            </a:r>
+            <a:r>
+              <a:rPr lang="en-US" altLang="ko-KR" sz="2400" dirty="0"/>
+              <a:t>][</a:t>
+            </a:r>
+            <a:r>
+              <a:rPr lang="en-US" altLang="ko-KR" sz="2400" dirty="0" err="1"/>
+              <a:t>threadIdx.y</a:t>
+            </a:r>
+            <a:r>
+              <a:rPr lang="en-US" altLang="ko-KR" sz="2400" dirty="0"/>
+              <a:t>]=</a:t>
+            </a:r>
+            <a:r>
+              <a:rPr lang="en-US" altLang="ko-KR" sz="2400" dirty="0" err="1"/>
+              <a:t>idx</a:t>
+            </a:r>
+            <a:r>
+              <a:rPr lang="en-US" altLang="ko-KR" sz="2400" dirty="0"/>
+              <a:t>;</a:t>
+            </a:r>
+          </a:p>
+          <a:p>
+            <a:pPr marL="0" indent="0">
+              <a:buNone/>
+            </a:pPr>
+            <a:endParaRPr lang="en-US" altLang="ko-KR" sz="2400" dirty="0"/>
+          </a:p>
+          <a:p>
+            <a:pPr marL="0" indent="0">
+              <a:buNone/>
+            </a:pPr>
+            <a:r>
+              <a:rPr lang="en-US" altLang="ko-KR" sz="2400" dirty="0"/>
+              <a:t>__</a:t>
+            </a:r>
+            <a:r>
+              <a:rPr lang="en-US" altLang="ko-KR" sz="2400" dirty="0" err="1"/>
+              <a:t>syncthreads</a:t>
+            </a:r>
+            <a:r>
+              <a:rPr lang="en-US" altLang="ko-KR" sz="2400" dirty="0"/>
+              <a:t>( );</a:t>
+            </a:r>
+          </a:p>
+          <a:p>
+            <a:pPr marL="0" indent="0">
+              <a:buNone/>
+            </a:pPr>
+            <a:endParaRPr lang="en-US" altLang="ko-KR" sz="2400" dirty="0"/>
+          </a:p>
+          <a:p>
+            <a:pPr marL="0" indent="0">
+              <a:buNone/>
+            </a:pPr>
+            <a:r>
+              <a:rPr lang="en-US" altLang="ko-KR" sz="2400" dirty="0"/>
+              <a:t>out[</a:t>
+            </a:r>
+            <a:r>
+              <a:rPr lang="en-US" altLang="ko-KR" sz="2400" dirty="0" err="1"/>
+              <a:t>idx</a:t>
+            </a:r>
+            <a:r>
+              <a:rPr lang="en-US" altLang="ko-KR" sz="2400" dirty="0"/>
+              <a:t>]=tile[</a:t>
+            </a:r>
+            <a:r>
+              <a:rPr lang="en-US" altLang="ko-KR" sz="2400" dirty="0" err="1"/>
+              <a:t>threadIdx.x</a:t>
+            </a:r>
+            <a:r>
+              <a:rPr lang="en-US" altLang="ko-KR" sz="2400" dirty="0"/>
+              <a:t>][</a:t>
+            </a:r>
+            <a:r>
+              <a:rPr lang="en-US" altLang="ko-KR" sz="2400" dirty="0" err="1"/>
+              <a:t>threadIdx.y</a:t>
+            </a:r>
+            <a:r>
+              <a:rPr lang="en-US" altLang="ko-KR" sz="2400" dirty="0"/>
+              <a:t>];</a:t>
+            </a:r>
+          </a:p>
+          <a:p>
+            <a:pPr marL="0" indent="0">
+              <a:buNone/>
+            </a:pPr>
+            <a:r>
+              <a:rPr lang="en-US" altLang="ko-KR" sz="2400" dirty="0"/>
+              <a:t>}</a:t>
+            </a:r>
+            <a:endParaRPr lang="ko-KR" altLang="en-US" sz="2400" dirty="0"/>
+          </a:p>
+        </p:txBody>
+      </p:sp>
+    </p:spTree>
+    <p:extLst>
+      <p:ext uri="{BB962C8B-B14F-4D97-AF65-F5344CB8AC3E}">
+        <p14:creationId xmlns:p14="http://schemas.microsoft.com/office/powerpoint/2010/main" val="358211876"/>
+      </p:ext>
+    </p:extLst>
+  </p:cSld>
+  <p:clrMapOvr>
+    <a:masterClrMapping/>
+  </p:clrMapOvr>
+</p:sld>
+</file>
+
+<file path=ppt/slides/slide33.xml><?xml version="1.0" encoding="utf-8"?>
 <p:sld xmlns:a="http://schemas.openxmlformats.org/drawingml/2006/main" xmlns:r="http://schemas.openxmlformats.org/officeDocument/2006/relationships" xmlns:p="http://schemas.openxmlformats.org/presentationml/2006/main">
   <p:cSld>
     <p:spTree>
@@ -13365,7 +14250,7 @@
             </a:r>
             <a:r>
               <a:rPr lang="en-US" altLang="ko-KR" sz="2800" dirty="0"/>
-              <a:t>;;</a:t>
+              <a:t>];</a:t>
             </a:r>
           </a:p>
           <a:p>
@@ -13402,7 +14287,7 @@
 </p:sld>
 </file>
 
-<file path=ppt/slides/slide31.xml><?xml version="1.0" encoding="utf-8"?>
+<file path=ppt/slides/slide34.xml><?xml version="1.0" encoding="utf-8"?>
 <p:sld xmlns:a="http://schemas.openxmlformats.org/drawingml/2006/main" xmlns:r="http://schemas.openxmlformats.org/officeDocument/2006/relationships" xmlns:p="http://schemas.openxmlformats.org/presentationml/2006/main">
   <p:cSld>
     <p:spTree>
@@ -13997,7 +14882,7 @@
 </p:sld>
 </file>
 
-<file path=ppt/slides/slide32.xml><?xml version="1.0" encoding="utf-8"?>
+<file path=ppt/slides/slide35.xml><?xml version="1.0" encoding="utf-8"?>
 <p:sld xmlns:a="http://schemas.openxmlformats.org/drawingml/2006/main" xmlns:r="http://schemas.openxmlformats.org/officeDocument/2006/relationships" xmlns:p="http://schemas.openxmlformats.org/presentationml/2006/main">
   <p:cSld>
     <p:spTree>
@@ -14203,7 +15088,7 @@
 </p:sld>
 </file>
 
-<file path=ppt/slides/slide33.xml><?xml version="1.0" encoding="utf-8"?>
+<file path=ppt/slides/slide36.xml><?xml version="1.0" encoding="utf-8"?>
 <p:sld xmlns:a="http://schemas.openxmlformats.org/drawingml/2006/main" xmlns:r="http://schemas.openxmlformats.org/officeDocument/2006/relationships" xmlns:p="http://schemas.openxmlformats.org/presentationml/2006/main">
   <p:cSld>
     <p:spTree>
@@ -14516,7 +15401,7 @@
 </p:sld>
 </file>
 
-<file path=ppt/slides/slide34.xml><?xml version="1.0" encoding="utf-8"?>
+<file path=ppt/slides/slide37.xml><?xml version="1.0" encoding="utf-8"?>
 <p:sld xmlns:a="http://schemas.openxmlformats.org/drawingml/2006/main" xmlns:r="http://schemas.openxmlformats.org/officeDocument/2006/relationships" xmlns:p="http://schemas.openxmlformats.org/presentationml/2006/main">
   <p:cSld>
     <p:spTree>
@@ -14757,7 +15642,7 @@
             </a:r>
             <a:r>
               <a:rPr lang="en-US" altLang="ko-KR" sz="2400" dirty="0"/>
-              <a:t>]</a:t>
+              <a:t>][</a:t>
             </a:r>
             <a:r>
               <a:rPr lang="en-US" altLang="ko-KR" sz="2400" dirty="0" err="1"/>
@@ -14793,7 +15678,7 @@
 </p:sld>
 </file>
 
-<file path=ppt/slides/slide35.xml><?xml version="1.0" encoding="utf-8"?>
+<file path=ppt/slides/slide38.xml><?xml version="1.0" encoding="utf-8"?>
 <p:sld xmlns:a="http://schemas.openxmlformats.org/drawingml/2006/main" xmlns:r="http://schemas.openxmlformats.org/officeDocument/2006/relationships" xmlns:p="http://schemas.openxmlformats.org/presentationml/2006/main">
   <p:cSld>
     <p:spTree>
@@ -17175,489 +18060,6 @@
 </p:sld>
 </file>
 
-<file path=ppt/slides/slide36.xml><?xml version="1.0" encoding="utf-8"?>
-<p:sld xmlns:a="http://schemas.openxmlformats.org/drawingml/2006/main" xmlns:r="http://schemas.openxmlformats.org/officeDocument/2006/relationships" xmlns:p="http://schemas.openxmlformats.org/presentationml/2006/main">
-  <p:cSld>
-    <p:spTree>
-      <p:nvGrpSpPr>
-        <p:cNvPr id="1" name=""/>
-        <p:cNvGrpSpPr/>
-        <p:nvPr/>
-      </p:nvGrpSpPr>
-      <p:grpSpPr>
-        <a:xfrm>
-          <a:off x="0" y="0"/>
-          <a:ext cx="0" cy="0"/>
-          <a:chOff x="0" y="0"/>
-          <a:chExt cx="0" cy="0"/>
-        </a:xfrm>
-      </p:grpSpPr>
-      <p:sp>
-        <p:nvSpPr>
-          <p:cNvPr id="2" name="제목 1"/>
-          <p:cNvSpPr>
-            <a:spLocks noGrp="1"/>
-          </p:cNvSpPr>
-          <p:nvPr>
-            <p:ph type="title"/>
-          </p:nvPr>
-        </p:nvSpPr>
-        <p:spPr/>
-        <p:txBody>
-          <a:bodyPr/>
-          <a:lstStyle/>
-          <a:p>
-            <a:r>
-              <a:rPr lang="en-US" altLang="ko-KR" dirty="0"/>
-              <a:t>Constant Memory</a:t>
-            </a:r>
-            <a:endParaRPr lang="ko-KR" altLang="en-US" dirty="0"/>
-          </a:p>
-        </p:txBody>
-      </p:sp>
-      <p:sp>
-        <p:nvSpPr>
-          <p:cNvPr id="3" name="내용 개체 틀 2"/>
-          <p:cNvSpPr>
-            <a:spLocks noGrp="1"/>
-          </p:cNvSpPr>
-          <p:nvPr>
-            <p:ph idx="1"/>
-          </p:nvPr>
-        </p:nvSpPr>
-        <p:spPr/>
-        <p:txBody>
-          <a:bodyPr/>
-          <a:lstStyle/>
-          <a:p>
-            <a:r>
-              <a:rPr lang="en-US" altLang="ko-KR" sz="2400" dirty="0"/>
-              <a:t>Constant Memory:  A read-only special purpose memory accessible  uniformly by threads in a warp.</a:t>
-            </a:r>
-          </a:p>
-          <a:p>
-            <a:r>
-              <a:rPr lang="en-US" altLang="ko-KR" sz="2400" dirty="0"/>
-              <a:t>It is read-only for kernels, the host can read and write it.</a:t>
-            </a:r>
-          </a:p>
-          <a:p>
-            <a:r>
-              <a:rPr lang="en-US" altLang="ko-KR" sz="2400" dirty="0"/>
-              <a:t>It is in device DRAM and has a dedicated on-chip cache whose size is 64KB per SM.</a:t>
-            </a:r>
-          </a:p>
-          <a:p>
-            <a:r>
-              <a:rPr lang="en-US" altLang="ko-KR" sz="2400" dirty="0"/>
-              <a:t>It is best if all threads in a warp access the same location in constant memory. Accesses to different addresses by threads within a warp are serialized.</a:t>
-            </a:r>
-          </a:p>
-          <a:p>
-            <a:r>
-              <a:rPr lang="en-US" altLang="ko-KR" sz="2400" dirty="0">
-                <a:solidFill>
-                  <a:srgbClr val="0070C0"/>
-                </a:solidFill>
-              </a:rPr>
-              <a:t>Constant memory variable qualifier: It must be declared in global scope. It can be accessible from all threads within a grid and from the host through runtime functions.</a:t>
-            </a:r>
-          </a:p>
-          <a:p>
-            <a:pPr marL="0" indent="0">
-              <a:buNone/>
-            </a:pPr>
-            <a:r>
-              <a:rPr lang="en-US" altLang="ko-KR" sz="2400" dirty="0">
-                <a:solidFill>
-                  <a:srgbClr val="0070C0"/>
-                </a:solidFill>
-              </a:rPr>
-              <a:t>   __constant__</a:t>
-            </a:r>
-          </a:p>
-          <a:p>
-            <a:pPr marL="0" indent="0">
-              <a:buNone/>
-            </a:pPr>
-            <a:r>
-              <a:rPr lang="en-US" altLang="ko-KR" sz="2400" dirty="0">
-                <a:solidFill>
-                  <a:srgbClr val="0070C0"/>
-                </a:solidFill>
-              </a:rPr>
-              <a:t>  </a:t>
-            </a:r>
-            <a:endParaRPr lang="ko-KR" altLang="en-US" sz="2400" dirty="0">
-              <a:solidFill>
-                <a:srgbClr val="0070C0"/>
-              </a:solidFill>
-            </a:endParaRPr>
-          </a:p>
-        </p:txBody>
-      </p:sp>
-    </p:spTree>
-    <p:extLst>
-      <p:ext uri="{BB962C8B-B14F-4D97-AF65-F5344CB8AC3E}">
-        <p14:creationId xmlns:p14="http://schemas.microsoft.com/office/powerpoint/2010/main" val="2754147554"/>
-      </p:ext>
-    </p:extLst>
-  </p:cSld>
-  <p:clrMapOvr>
-    <a:masterClrMapping/>
-  </p:clrMapOvr>
-</p:sld>
-</file>
-
-<file path=ppt/slides/slide37.xml><?xml version="1.0" encoding="utf-8"?>
-<p:sld xmlns:a="http://schemas.openxmlformats.org/drawingml/2006/main" xmlns:r="http://schemas.openxmlformats.org/officeDocument/2006/relationships" xmlns:p="http://schemas.openxmlformats.org/presentationml/2006/main">
-  <p:cSld>
-    <p:spTree>
-      <p:nvGrpSpPr>
-        <p:cNvPr id="1" name=""/>
-        <p:cNvGrpSpPr/>
-        <p:nvPr/>
-      </p:nvGrpSpPr>
-      <p:grpSpPr>
-        <a:xfrm>
-          <a:off x="0" y="0"/>
-          <a:ext cx="0" cy="0"/>
-          <a:chOff x="0" y="0"/>
-          <a:chExt cx="0" cy="0"/>
-        </a:xfrm>
-      </p:grpSpPr>
-      <p:sp>
-        <p:nvSpPr>
-          <p:cNvPr id="2" name="제목 1"/>
-          <p:cNvSpPr>
-            <a:spLocks noGrp="1"/>
-          </p:cNvSpPr>
-          <p:nvPr>
-            <p:ph type="title"/>
-          </p:nvPr>
-        </p:nvSpPr>
-        <p:spPr/>
-        <p:txBody>
-          <a:bodyPr/>
-          <a:lstStyle/>
-          <a:p>
-            <a:r>
-              <a:rPr lang="en-US" altLang="ko-KR" sz="3600" dirty="0"/>
-              <a:t>constant memory variable initialization</a:t>
-            </a:r>
-            <a:endParaRPr lang="ko-KR" altLang="en-US" sz="3600" dirty="0"/>
-          </a:p>
-        </p:txBody>
-      </p:sp>
-      <p:sp>
-        <p:nvSpPr>
-          <p:cNvPr id="3" name="내용 개체 틀 2"/>
-          <p:cNvSpPr>
-            <a:spLocks noGrp="1"/>
-          </p:cNvSpPr>
-          <p:nvPr>
-            <p:ph idx="1"/>
-          </p:nvPr>
-        </p:nvSpPr>
-        <p:spPr/>
-        <p:txBody>
-          <a:bodyPr/>
-          <a:lstStyle/>
-          <a:p>
-            <a:pPr marL="0" indent="0">
-              <a:buNone/>
-            </a:pPr>
-            <a:r>
-              <a:rPr lang="ko-KR" altLang="en-US" dirty="0"/>
-              <a:t> </a:t>
-            </a:r>
-            <a:r>
-              <a:rPr lang="en-US" altLang="ko-KR" dirty="0" err="1"/>
-              <a:t>cudaError_t</a:t>
-            </a:r>
-            <a:r>
-              <a:rPr lang="en-US" altLang="ko-KR" dirty="0"/>
-              <a:t> </a:t>
-            </a:r>
-            <a:r>
-              <a:rPr lang="en-US" altLang="ko-KR" dirty="0" err="1"/>
-              <a:t>cudaMemcpyToSymbol</a:t>
-            </a:r>
-            <a:r>
-              <a:rPr lang="en-US" altLang="ko-KR" dirty="0"/>
-              <a:t>(</a:t>
-            </a:r>
-            <a:r>
-              <a:rPr lang="en-US" altLang="ko-KR" dirty="0" err="1"/>
-              <a:t>const</a:t>
-            </a:r>
-            <a:r>
-              <a:rPr lang="en-US" altLang="ko-KR" dirty="0"/>
-              <a:t> void *symbol, </a:t>
-            </a:r>
-            <a:r>
-              <a:rPr lang="en-US" altLang="ko-KR" dirty="0" err="1"/>
-              <a:t>const</a:t>
-            </a:r>
-            <a:r>
-              <a:rPr lang="en-US" altLang="ko-KR" dirty="0"/>
-              <a:t> void *</a:t>
-            </a:r>
-            <a:r>
-              <a:rPr lang="en-US" altLang="ko-KR" dirty="0" err="1"/>
-              <a:t>src</a:t>
-            </a:r>
-            <a:r>
-              <a:rPr lang="en-US" altLang="ko-KR" dirty="0"/>
-              <a:t>, </a:t>
-            </a:r>
-            <a:r>
-              <a:rPr lang="en-US" altLang="ko-KR" dirty="0" err="1"/>
-              <a:t>size_t</a:t>
-            </a:r>
-            <a:r>
-              <a:rPr lang="en-US" altLang="ko-KR" dirty="0"/>
-              <a:t> count, </a:t>
-            </a:r>
-            <a:r>
-              <a:rPr lang="en-US" altLang="ko-KR" dirty="0" err="1"/>
-              <a:t>size_t</a:t>
-            </a:r>
-            <a:r>
-              <a:rPr lang="en-US" altLang="ko-KR" dirty="0"/>
-              <a:t> offset, </a:t>
-            </a:r>
-            <a:r>
-              <a:rPr lang="en-US" altLang="ko-KR" dirty="0" err="1"/>
-              <a:t>cudaMemcpyKind</a:t>
-            </a:r>
-            <a:r>
-              <a:rPr lang="en-US" altLang="ko-KR" dirty="0"/>
-              <a:t> kind)</a:t>
-            </a:r>
-          </a:p>
-          <a:p>
-            <a:pPr marL="0" indent="0">
-              <a:buNone/>
-            </a:pPr>
-            <a:r>
-              <a:rPr lang="en-US" altLang="ko-KR" dirty="0"/>
-              <a:t>//copy the data pointed to by </a:t>
-            </a:r>
-            <a:r>
-              <a:rPr lang="en-US" altLang="ko-KR" dirty="0" err="1"/>
-              <a:t>src</a:t>
-            </a:r>
-            <a:r>
-              <a:rPr lang="en-US" altLang="ko-KR" dirty="0"/>
-              <a:t> to the constant memory location specified </a:t>
-            </a:r>
-            <a:r>
-              <a:rPr lang="en-US" altLang="ko-KR" dirty="0" err="1"/>
-              <a:t>bt</a:t>
-            </a:r>
-            <a:r>
-              <a:rPr lang="en-US" altLang="ko-KR" dirty="0"/>
-              <a:t> symbol on the device.</a:t>
-            </a:r>
-            <a:endParaRPr lang="ko-KR" altLang="en-US" dirty="0"/>
-          </a:p>
-        </p:txBody>
-      </p:sp>
-    </p:spTree>
-    <p:extLst>
-      <p:ext uri="{BB962C8B-B14F-4D97-AF65-F5344CB8AC3E}">
-        <p14:creationId xmlns:p14="http://schemas.microsoft.com/office/powerpoint/2010/main" val="726926947"/>
-      </p:ext>
-    </p:extLst>
-  </p:cSld>
-  <p:clrMapOvr>
-    <a:masterClrMapping/>
-  </p:clrMapOvr>
-</p:sld>
-</file>
-
-<file path=ppt/slides/slide38.xml><?xml version="1.0" encoding="utf-8"?>
-<p:sld xmlns:a="http://schemas.openxmlformats.org/drawingml/2006/main" xmlns:r="http://schemas.openxmlformats.org/officeDocument/2006/relationships" xmlns:p="http://schemas.openxmlformats.org/presentationml/2006/main">
-  <p:cSld>
-    <p:spTree>
-      <p:nvGrpSpPr>
-        <p:cNvPr id="1" name=""/>
-        <p:cNvGrpSpPr/>
-        <p:nvPr/>
-      </p:nvGrpSpPr>
-      <p:grpSpPr>
-        <a:xfrm>
-          <a:off x="0" y="0"/>
-          <a:ext cx="0" cy="0"/>
-          <a:chOff x="0" y="0"/>
-          <a:chExt cx="0" cy="0"/>
-        </a:xfrm>
-      </p:grpSpPr>
-      <p:sp>
-        <p:nvSpPr>
-          <p:cNvPr id="2" name="제목 1"/>
-          <p:cNvSpPr>
-            <a:spLocks noGrp="1"/>
-          </p:cNvSpPr>
-          <p:nvPr>
-            <p:ph type="title"/>
-          </p:nvPr>
-        </p:nvSpPr>
-        <p:spPr/>
-        <p:txBody>
-          <a:bodyPr/>
-          <a:lstStyle/>
-          <a:p>
-            <a:r>
-              <a:rPr lang="en-US" altLang="ko-KR" dirty="0"/>
-              <a:t>constant memory example</a:t>
-            </a:r>
-            <a:endParaRPr lang="ko-KR" altLang="en-US" dirty="0"/>
-          </a:p>
-        </p:txBody>
-      </p:sp>
-      <p:sp>
-        <p:nvSpPr>
-          <p:cNvPr id="3" name="내용 개체 틀 2"/>
-          <p:cNvSpPr>
-            <a:spLocks noGrp="1"/>
-          </p:cNvSpPr>
-          <p:nvPr>
-            <p:ph idx="1"/>
-          </p:nvPr>
-        </p:nvSpPr>
-        <p:spPr/>
-        <p:txBody>
-          <a:bodyPr/>
-          <a:lstStyle/>
-          <a:p>
-            <a:pPr marL="0" indent="0">
-              <a:buNone/>
-            </a:pPr>
-            <a:r>
-              <a:rPr lang="en-US" altLang="ko-KR" sz="2400" dirty="0"/>
-              <a:t>	P(x)=a</a:t>
-            </a:r>
-            <a:r>
-              <a:rPr lang="en-US" altLang="ko-KR" sz="2400" baseline="-25000" dirty="0"/>
-              <a:t>0</a:t>
-            </a:r>
-            <a:r>
-              <a:rPr lang="en-US" altLang="ko-KR" sz="2400" dirty="0"/>
-              <a:t>+a</a:t>
-            </a:r>
-            <a:r>
-              <a:rPr lang="en-US" altLang="ko-KR" sz="2400" baseline="-25000" dirty="0"/>
-              <a:t>1</a:t>
-            </a:r>
-            <a:r>
-              <a:rPr lang="en-US" altLang="ko-KR" sz="2400" dirty="0"/>
-              <a:t>x+a</a:t>
-            </a:r>
-            <a:r>
-              <a:rPr lang="en-US" altLang="ko-KR" sz="2400" baseline="-25000" dirty="0"/>
-              <a:t>2</a:t>
-            </a:r>
-            <a:r>
-              <a:rPr lang="en-US" altLang="ko-KR" sz="2400" dirty="0"/>
-              <a:t>x</a:t>
-            </a:r>
-            <a:r>
-              <a:rPr lang="en-US" altLang="ko-KR" sz="2400" baseline="30000" dirty="0"/>
-              <a:t>2</a:t>
-            </a:r>
-            <a:r>
-              <a:rPr lang="en-US" altLang="ko-KR" sz="2400" dirty="0"/>
-              <a:t>+a</a:t>
-            </a:r>
-            <a:r>
-              <a:rPr lang="en-US" altLang="ko-KR" sz="2400" baseline="-25000" dirty="0"/>
-              <a:t>3</a:t>
-            </a:r>
-            <a:r>
-              <a:rPr lang="en-US" altLang="ko-KR" sz="2400" dirty="0"/>
-              <a:t>x</a:t>
-            </a:r>
-            <a:r>
-              <a:rPr lang="en-US" altLang="ko-KR" sz="2400" baseline="30000" dirty="0"/>
-              <a:t>3</a:t>
-            </a:r>
-            <a:r>
-              <a:rPr lang="en-US" altLang="ko-KR" sz="2400" dirty="0"/>
-              <a:t>+a</a:t>
-            </a:r>
-            <a:r>
-              <a:rPr lang="en-US" altLang="ko-KR" sz="2400" baseline="-25000" dirty="0"/>
-              <a:t>4</a:t>
-            </a:r>
-            <a:r>
-              <a:rPr lang="en-US" altLang="ko-KR" sz="2400" dirty="0"/>
-              <a:t>x</a:t>
-            </a:r>
-            <a:r>
-              <a:rPr lang="en-US" altLang="ko-KR" sz="2400" baseline="30000" dirty="0"/>
-              <a:t>4</a:t>
-            </a:r>
-          </a:p>
-          <a:p>
-            <a:pPr marL="0" indent="0">
-              <a:buNone/>
-            </a:pPr>
-            <a:r>
-              <a:rPr lang="en-US" altLang="ko-KR" sz="2400" dirty="0"/>
-              <a:t>The coefficient a</a:t>
-            </a:r>
-            <a:r>
-              <a:rPr lang="en-US" altLang="ko-KR" sz="2400" baseline="-25000" dirty="0"/>
-              <a:t>0</a:t>
-            </a:r>
-            <a:r>
-              <a:rPr lang="en-US" altLang="ko-KR" sz="2400" dirty="0"/>
-              <a:t>~a</a:t>
-            </a:r>
-            <a:r>
-              <a:rPr lang="en-US" altLang="ko-KR" sz="2400" baseline="-25000" dirty="0"/>
-              <a:t>4</a:t>
-            </a:r>
-            <a:r>
-              <a:rPr lang="en-US" altLang="ko-KR" sz="2400" dirty="0"/>
-              <a:t> are the same for all threads and never modified. These coefficients are excellent candidates for constant memory.</a:t>
-            </a:r>
-          </a:p>
-          <a:p>
-            <a:pPr marL="0" indent="0">
-              <a:buNone/>
-            </a:pPr>
-            <a:endParaRPr lang="en-US" altLang="ko-KR" sz="2400" dirty="0"/>
-          </a:p>
-          <a:p>
-            <a:pPr marL="0" indent="0">
-              <a:buNone/>
-            </a:pPr>
-            <a:endParaRPr lang="en-US" altLang="ko-KR" sz="2400" dirty="0"/>
-          </a:p>
-          <a:p>
-            <a:pPr marL="0" indent="0">
-              <a:buNone/>
-            </a:pPr>
-            <a:endParaRPr lang="ko-KR" altLang="en-US" sz="2400" dirty="0"/>
-          </a:p>
-        </p:txBody>
-      </p:sp>
-    </p:spTree>
-    <p:extLst>
-      <p:ext uri="{BB962C8B-B14F-4D97-AF65-F5344CB8AC3E}">
-        <p14:creationId xmlns:p14="http://schemas.microsoft.com/office/powerpoint/2010/main" val="3975258618"/>
-      </p:ext>
-    </p:extLst>
-  </p:cSld>
-  <p:clrMapOvr>
-    <a:masterClrMapping/>
-  </p:clrMapOvr>
-</p:sld>
-</file>
-
 <file path=ppt/slides/slide39.xml><?xml version="1.0" encoding="utf-8"?>
 <p:sld xmlns:a="http://schemas.openxmlformats.org/drawingml/2006/main" xmlns:r="http://schemas.openxmlformats.org/officeDocument/2006/relationships" xmlns:p="http://schemas.openxmlformats.org/presentationml/2006/main">
   <p:cSld>
@@ -17692,7 +18094,7 @@
           <a:p>
             <a:r>
               <a:rPr lang="en-US" altLang="ko-KR" dirty="0"/>
-              <a:t>Warp shuffle Instruction</a:t>
+              <a:t>Constant Memory</a:t>
             </a:r>
             <a:endParaRPr lang="ko-KR" altLang="en-US" dirty="0"/>
           </a:p>
@@ -17714,23 +18116,75 @@
           <a:lstStyle/>
           <a:p>
             <a:r>
-              <a:rPr lang="en-US" altLang="ko-KR" sz="2800" dirty="0"/>
-              <a:t>The shuffle instruction was introduced for the architecture whose computer capability is 3.0 or higher such as Kepler, Maxwell families to allow threads to directly read another thread’s register as long as both threads are in the same warp.</a:t>
-            </a:r>
-          </a:p>
-          <a:p>
-            <a:r>
-              <a:rPr lang="en-US" altLang="ko-KR" sz="2800" dirty="0"/>
-              <a:t>The shuffle instruction therefore offers a way to interchange data among threads in a warp.</a:t>
-            </a:r>
-            <a:endParaRPr lang="ko-KR" altLang="en-US" sz="2800" dirty="0"/>
+              <a:rPr lang="en-US" altLang="ko-KR" sz="2400" dirty="0"/>
+              <a:t>Constant Memory:  A read-only special purpose memory accessible  uniformly by threads in a warp.</a:t>
+            </a:r>
+          </a:p>
+          <a:p>
+            <a:r>
+              <a:rPr lang="en-US" altLang="ko-KR" sz="2400" dirty="0"/>
+              <a:t>It is read-only for kernels, the host can read and write it.</a:t>
+            </a:r>
+          </a:p>
+          <a:p>
+            <a:r>
+              <a:rPr lang="en-US" altLang="ko-KR" sz="2400" dirty="0"/>
+              <a:t>It is in device DRAM and has a dedicated on-chip cache whose size is 64KB per SM.</a:t>
+            </a:r>
+          </a:p>
+          <a:p>
+            <a:r>
+              <a:rPr lang="en-US" altLang="ko-KR" sz="2400" dirty="0"/>
+              <a:t>It is best if all threads in a warp access the same location in constant memory. Accesses to different addresses by threads within a warp are serialized.</a:t>
+            </a:r>
+          </a:p>
+          <a:p>
+            <a:r>
+              <a:rPr lang="en-US" altLang="ko-KR" sz="2400" dirty="0">
+                <a:solidFill>
+                  <a:srgbClr val="0070C0"/>
+                </a:solidFill>
+              </a:rPr>
+              <a:t>Constant memory variable qualifier: It must be declared in global scope. It can be accessible from all threads within a grid and from the host through runtime functions.</a:t>
+            </a:r>
+          </a:p>
+          <a:p>
+            <a:pPr marL="0" indent="0">
+              <a:buNone/>
+            </a:pPr>
+            <a:r>
+              <a:rPr lang="en-US" altLang="ko-KR" sz="2400" dirty="0">
+                <a:solidFill>
+                  <a:srgbClr val="0070C0"/>
+                </a:solidFill>
+              </a:rPr>
+              <a:t>   __constant__</a:t>
+            </a:r>
+          </a:p>
+          <a:p>
+            <a:pPr marL="0" indent="0">
+              <a:buNone/>
+            </a:pPr>
+            <a:r>
+              <a:rPr lang="en-US" altLang="ko-KR" sz="2400" dirty="0">
+                <a:solidFill>
+                  <a:srgbClr val="0070C0"/>
+                </a:solidFill>
+              </a:rPr>
+              <a:t>  </a:t>
+            </a:r>
+            <a:endParaRPr lang="ko-KR" altLang="en-US" sz="2400" dirty="0">
+              <a:solidFill>
+                <a:srgbClr val="0070C0"/>
+              </a:solidFill>
+            </a:endParaRPr>
           </a:p>
         </p:txBody>
       </p:sp>
     </p:spTree>
     <p:extLst>
       <p:ext uri="{BB962C8B-B14F-4D97-AF65-F5344CB8AC3E}">
-        <p14:creationId xmlns:p14="http://schemas.microsoft.com/office/powerpoint/2010/main" val="3477686547"/>
+        <p14:creationId xmlns:p14="http://schemas.microsoft.com/office/powerpoint/2010/main" val="2754147554"/>
       </p:ext>
     </p:extLst>
   </p:cSld>
@@ -17950,10 +18404,10 @@
           <a:lstStyle/>
           <a:p>
             <a:r>
-              <a:rPr lang="en-US" altLang="ko-KR" dirty="0"/>
-              <a:t>lane in a warp</a:t>
-            </a:r>
-            <a:endParaRPr lang="ko-KR" altLang="en-US" dirty="0"/>
+              <a:rPr lang="en-US" altLang="ko-KR" sz="3600" dirty="0"/>
+              <a:t>constant memory variable initialization</a:t>
+            </a:r>
+            <a:endParaRPr lang="ko-KR" altLang="en-US" sz="3600" dirty="0"/>
           </a:p>
         </p:txBody>
       </p:sp>
@@ -17972,56 +18426,76 @@
           <a:bodyPr/>
           <a:lstStyle/>
           <a:p>
-            <a:r>
-              <a:rPr lang="en-US" altLang="ko-KR" sz="2800" dirty="0"/>
-              <a:t>A lane : it simply refers to a single thread within a warp. A lane in a warp is identified by a lane index in the range [0,31].</a:t>
-            </a:r>
-          </a:p>
-          <a:p>
-            <a:r>
-              <a:rPr lang="en-US" altLang="ko-KR" sz="2800" dirty="0"/>
-              <a:t>In a 1D thread block, the </a:t>
-            </a:r>
-            <a:r>
-              <a:rPr lang="en-US" altLang="ko-KR" sz="2800" dirty="0" err="1"/>
-              <a:t>laneID</a:t>
-            </a:r>
-            <a:r>
-              <a:rPr lang="en-US" altLang="ko-KR" sz="2800" dirty="0"/>
-              <a:t> and </a:t>
-            </a:r>
-            <a:r>
-              <a:rPr lang="en-US" altLang="ko-KR" sz="2800" dirty="0" err="1"/>
-              <a:t>warpID</a:t>
-            </a:r>
-            <a:r>
-              <a:rPr lang="en-US" altLang="ko-KR" sz="2800" dirty="0"/>
-              <a:t> are obtained by the following </a:t>
-            </a:r>
-            <a:r>
-              <a:rPr lang="en-US" altLang="ko-KR" sz="2800" dirty="0" err="1"/>
-              <a:t>realtions</a:t>
-            </a:r>
-            <a:r>
-              <a:rPr lang="en-US" altLang="ko-KR" sz="2800" dirty="0"/>
-              <a:t>:</a:t>
-            </a:r>
-          </a:p>
-          <a:p>
             <a:pPr marL="0" indent="0">
               <a:buNone/>
             </a:pPr>
             <a:r>
-              <a:rPr lang="en-US" altLang="ko-KR" sz="2800" dirty="0"/>
-              <a:t>	</a:t>
-            </a:r>
-            <a:r>
-              <a:rPr lang="en-US" altLang="ko-KR" sz="2800" dirty="0" err="1"/>
-              <a:t>laneID</a:t>
-            </a:r>
-            <a:r>
-              <a:rPr lang="en-US" altLang="ko-KR" sz="2800" dirty="0"/>
-              <a:t>=threadIdx.x%32,</a:t>
+              <a:rPr lang="ko-KR" altLang="en-US" dirty="0"/>
+              <a:t> </a:t>
+            </a:r>
+            <a:r>
+              <a:rPr lang="en-US" altLang="ko-KR" dirty="0" err="1"/>
+              <a:t>cudaError_t</a:t>
+            </a:r>
+            <a:r>
+              <a:rPr lang="en-US" altLang="ko-KR" dirty="0"/>
+              <a:t> </a:t>
+            </a:r>
+            <a:r>
+              <a:rPr lang="en-US" altLang="ko-KR" dirty="0" err="1"/>
+              <a:t>cudaMemcpyToSymbol</a:t>
+            </a:r>
+            <a:r>
+              <a:rPr lang="en-US" altLang="ko-KR" dirty="0"/>
+              <a:t>(</a:t>
+            </a:r>
+            <a:r>
+              <a:rPr lang="en-US" altLang="ko-KR" dirty="0" err="1"/>
+              <a:t>const</a:t>
+            </a:r>
+            <a:r>
+              <a:rPr lang="en-US" altLang="ko-KR" dirty="0"/>
+              <a:t> void *symbol, </a:t>
+            </a:r>
+            <a:r>
+              <a:rPr lang="en-US" altLang="ko-KR" dirty="0" err="1"/>
+              <a:t>const</a:t>
+            </a:r>
+            <a:r>
+              <a:rPr lang="en-US" altLang="ko-KR" dirty="0"/>
+              <a:t> void *</a:t>
+            </a:r>
+            <a:r>
+              <a:rPr lang="en-US" altLang="ko-KR" dirty="0" err="1"/>
+              <a:t>src</a:t>
+            </a:r>
+            <a:r>
+              <a:rPr lang="en-US" altLang="ko-KR" dirty="0"/>
+              <a:t>, </a:t>
+            </a:r>
+            <a:r>
+              <a:rPr lang="en-US" altLang="ko-KR" dirty="0" err="1"/>
+              <a:t>size_t</a:t>
+            </a:r>
+            <a:r>
+              <a:rPr lang="en-US" altLang="ko-KR" dirty="0"/>
+              <a:t> count, </a:t>
+            </a:r>
+            <a:r>
+              <a:rPr lang="en-US" altLang="ko-KR" dirty="0" err="1"/>
+              <a:t>size_t</a:t>
+            </a:r>
+            <a:r>
+              <a:rPr lang="en-US" altLang="ko-KR" dirty="0"/>
+              <a:t> offset, </a:t>
+            </a:r>
+            <a:r>
+              <a:rPr lang="en-US" altLang="ko-KR" dirty="0" err="1"/>
+              <a:t>cudaMemcpyKind</a:t>
+            </a:r>
+            <a:r>
+              <a:rPr lang="en-US" altLang="ko-KR" dirty="0"/>
+              <a:t> kind)</a:t>
             </a:r>
           </a:p>
           <a:p>
@@ -18029,33 +18503,33 @@
               <a:buNone/>
             </a:pPr>
             <a:r>
-              <a:rPr lang="en-US" altLang="ko-KR" sz="2800" dirty="0"/>
-              <a:t>	</a:t>
-            </a:r>
-            <a:r>
-              <a:rPr lang="en-US" altLang="ko-KR" sz="2800" dirty="0" err="1"/>
-              <a:t>warpID</a:t>
-            </a:r>
-            <a:r>
-              <a:rPr lang="en-US" altLang="ko-KR" sz="2800" dirty="0"/>
-              <a:t>=</a:t>
-            </a:r>
-            <a:r>
-              <a:rPr lang="en-US" altLang="ko-KR" sz="2800" dirty="0" err="1"/>
-              <a:t>threadIdx.x</a:t>
-            </a:r>
-            <a:r>
-              <a:rPr lang="en-US" altLang="ko-KR" sz="2800" dirty="0"/>
-              <a:t>/32</a:t>
-            </a:r>
-            <a:endParaRPr lang="ko-KR" altLang="en-US" sz="2800" dirty="0"/>
+              <a:rPr lang="en-US" altLang="ko-KR" dirty="0"/>
+              <a:t>//copy the data pointed to by </a:t>
+            </a:r>
+            <a:r>
+              <a:rPr lang="en-US" altLang="ko-KR" dirty="0" err="1"/>
+              <a:t>src</a:t>
+            </a:r>
+            <a:r>
+              <a:rPr lang="en-US" altLang="ko-KR" dirty="0"/>
+              <a:t> to the constant memory location specified </a:t>
+            </a:r>
+            <a:r>
+              <a:rPr lang="en-US" altLang="ko-KR" dirty="0" err="1"/>
+              <a:t>bt</a:t>
+            </a:r>
+            <a:r>
+              <a:rPr lang="en-US" altLang="ko-KR" dirty="0"/>
+              <a:t> symbol on the device.</a:t>
+            </a:r>
+            <a:endParaRPr lang="ko-KR" altLang="en-US" dirty="0"/>
           </a:p>
         </p:txBody>
       </p:sp>
     </p:spTree>
     <p:extLst>
       <p:ext uri="{BB962C8B-B14F-4D97-AF65-F5344CB8AC3E}">
-        <p14:creationId xmlns:p14="http://schemas.microsoft.com/office/powerpoint/2010/main" val="1525822361"/>
+        <p14:creationId xmlns:p14="http://schemas.microsoft.com/office/powerpoint/2010/main" val="726926947"/>
       </p:ext>
     </p:extLst>
   </p:cSld>
@@ -18099,7 +18573,7 @@
           <a:p>
             <a:r>
               <a:rPr lang="en-US" altLang="ko-KR" dirty="0"/>
-              <a:t>Warp Shuffle Instructions</a:t>
+              <a:t>constant memory example</a:t>
             </a:r>
             <a:endParaRPr lang="ko-KR" altLang="en-US" dirty="0"/>
           </a:p>
@@ -18120,158 +18594,123 @@
           <a:bodyPr/>
           <a:lstStyle/>
           <a:p>
-            <a:r>
-              <a:rPr lang="en-US" altLang="ko-KR" sz="2800" dirty="0"/>
-              <a:t>Two sets of shuffle instructions:  one for integer variables and one for float variables.</a:t>
-            </a:r>
-          </a:p>
-          <a:p>
             <a:pPr marL="0" indent="0">
               <a:buNone/>
             </a:pPr>
             <a:r>
-              <a:rPr lang="ko-KR" altLang="en-US" sz="2800" dirty="0"/>
-              <a:t>   </a:t>
-            </a:r>
-            <a:r>
-              <a:rPr lang="en-US" altLang="ko-KR" sz="2800" dirty="0" err="1"/>
-              <a:t>int</a:t>
-            </a:r>
-            <a:r>
-              <a:rPr lang="en-US" altLang="ko-KR" sz="2800" dirty="0"/>
-              <a:t> __</a:t>
-            </a:r>
-            <a:r>
-              <a:rPr lang="en-US" altLang="ko-KR" sz="2800" dirty="0" err="1"/>
-              <a:t>shfl</a:t>
-            </a:r>
-            <a:r>
-              <a:rPr lang="en-US" altLang="ko-KR" sz="2800" dirty="0"/>
-              <a:t>(</a:t>
-            </a:r>
-            <a:r>
-              <a:rPr lang="en-US" altLang="ko-KR" sz="2800" dirty="0" err="1"/>
-              <a:t>int</a:t>
-            </a:r>
-            <a:r>
-              <a:rPr lang="ko-KR" altLang="en-US" sz="2800" dirty="0"/>
-              <a:t> </a:t>
-            </a:r>
-            <a:r>
-              <a:rPr lang="en-US" altLang="ko-KR" sz="2800" dirty="0" err="1"/>
-              <a:t>var</a:t>
-            </a:r>
-            <a:r>
-              <a:rPr lang="en-US" altLang="ko-KR" sz="2800" dirty="0"/>
-              <a:t>, </a:t>
-            </a:r>
-            <a:r>
-              <a:rPr lang="en-US" altLang="ko-KR" sz="2800" dirty="0" err="1"/>
-              <a:t>int</a:t>
-            </a:r>
-            <a:r>
-              <a:rPr lang="en-US" altLang="ko-KR" sz="2800" dirty="0"/>
-              <a:t> </a:t>
-            </a:r>
-            <a:r>
-              <a:rPr lang="en-US" altLang="ko-KR" sz="2800" dirty="0" err="1"/>
-              <a:t>scrLane</a:t>
-            </a:r>
-            <a:r>
-              <a:rPr lang="en-US" altLang="ko-KR" sz="2800" dirty="0"/>
-              <a:t>, </a:t>
-            </a:r>
-            <a:r>
-              <a:rPr lang="en-US" altLang="ko-KR" sz="2800" dirty="0" err="1"/>
-              <a:t>int</a:t>
-            </a:r>
-            <a:r>
-              <a:rPr lang="ko-KR" altLang="en-US" sz="2800" dirty="0"/>
-              <a:t> </a:t>
-            </a:r>
-            <a:r>
-              <a:rPr lang="en-US" altLang="ko-KR" sz="2800" dirty="0"/>
-              <a:t>width=</a:t>
-            </a:r>
-            <a:r>
-              <a:rPr lang="en-US" altLang="ko-KR" sz="2800" dirty="0" err="1"/>
-              <a:t>warpSize</a:t>
-            </a:r>
-            <a:r>
-              <a:rPr lang="en-US" altLang="ko-KR" sz="2800" dirty="0"/>
-              <a:t>);</a:t>
+              <a:rPr lang="en-US" altLang="ko-KR" sz="2400" dirty="0"/>
+              <a:t>	P(x)=a</a:t>
+            </a:r>
+            <a:r>
+              <a:rPr lang="en-US" altLang="ko-KR" sz="2400" baseline="-25000" dirty="0"/>
+              <a:t>0</a:t>
+            </a:r>
+            <a:r>
+              <a:rPr lang="en-US" altLang="ko-KR" sz="2400" dirty="0"/>
+              <a:t>+a</a:t>
+            </a:r>
+            <a:r>
+              <a:rPr lang="en-US" altLang="ko-KR" sz="2400" baseline="-25000" dirty="0"/>
+              <a:t>1</a:t>
+            </a:r>
+            <a:r>
+              <a:rPr lang="en-US" altLang="ko-KR" sz="2400" dirty="0"/>
+              <a:t>x+a</a:t>
+            </a:r>
+            <a:r>
+              <a:rPr lang="en-US" altLang="ko-KR" sz="2400" baseline="-25000" dirty="0"/>
+              <a:t>2</a:t>
+            </a:r>
+            <a:r>
+              <a:rPr lang="en-US" altLang="ko-KR" sz="2400" dirty="0"/>
+              <a:t>x</a:t>
+            </a:r>
+            <a:r>
+              <a:rPr lang="en-US" altLang="ko-KR" sz="2400" baseline="30000" dirty="0"/>
+              <a:t>2</a:t>
+            </a:r>
+            <a:r>
+              <a:rPr lang="en-US" altLang="ko-KR" sz="2400" dirty="0"/>
+              <a:t>+a</a:t>
+            </a:r>
+            <a:r>
+              <a:rPr lang="en-US" altLang="ko-KR" sz="2400" baseline="-25000" dirty="0"/>
+              <a:t>3</a:t>
+            </a:r>
+            <a:r>
+              <a:rPr lang="en-US" altLang="ko-KR" sz="2400" dirty="0"/>
+              <a:t>x</a:t>
+            </a:r>
+            <a:r>
+              <a:rPr lang="en-US" altLang="ko-KR" sz="2400" baseline="30000" dirty="0"/>
+              <a:t>3</a:t>
+            </a:r>
+            <a:r>
+              <a:rPr lang="en-US" altLang="ko-KR" sz="2400" dirty="0"/>
+              <a:t>+a</a:t>
+            </a:r>
+            <a:r>
+              <a:rPr lang="en-US" altLang="ko-KR" sz="2400" baseline="-25000" dirty="0"/>
+              <a:t>4</a:t>
+            </a:r>
+            <a:r>
+              <a:rPr lang="en-US" altLang="ko-KR" sz="2400" dirty="0"/>
+              <a:t>x</a:t>
+            </a:r>
+            <a:r>
+              <a:rPr lang="en-US" altLang="ko-KR" sz="2400" baseline="30000" dirty="0"/>
+              <a:t>4</a:t>
             </a:r>
           </a:p>
           <a:p>
             <a:pPr marL="0" indent="0">
               <a:buNone/>
             </a:pPr>
-            <a:endParaRPr lang="en-US" altLang="ko-KR" sz="2800" dirty="0"/>
-          </a:p>
-          <a:p>
-            <a:r>
-              <a:rPr lang="en-US" altLang="ko-KR" sz="2800"/>
-              <a:t> If </a:t>
-            </a:r>
-            <a:r>
-              <a:rPr lang="en-US" altLang="ko-KR" sz="2800" dirty="0"/>
-              <a:t>every thread in a warp execute the </a:t>
-            </a:r>
-            <a:r>
-              <a:rPr lang="en-US" altLang="ko-KR" sz="2800"/>
-              <a:t>following 	instruction:</a:t>
-            </a:r>
-            <a:endParaRPr lang="en-US" altLang="ko-KR" sz="2800" dirty="0"/>
+            <a:r>
+              <a:rPr lang="en-US" altLang="ko-KR" sz="2400" dirty="0"/>
+              <a:t>The coefficient a</a:t>
+            </a:r>
+            <a:r>
+              <a:rPr lang="en-US" altLang="ko-KR" sz="2400" baseline="-25000" dirty="0"/>
+              <a:t>0</a:t>
+            </a:r>
+            <a:r>
+              <a:rPr lang="en-US" altLang="ko-KR" sz="2400" dirty="0"/>
+              <a:t>~a</a:t>
+            </a:r>
+            <a:r>
+              <a:rPr lang="en-US" altLang="ko-KR" sz="2400" baseline="-25000" dirty="0"/>
+              <a:t>4</a:t>
+            </a:r>
+            <a:r>
+              <a:rPr lang="en-US" altLang="ko-KR" sz="2400" dirty="0"/>
+              <a:t> are the same for all threads and never modified. These coefficients are excellent candidates for constant memory.</a:t>
+            </a:r>
           </a:p>
           <a:p>
             <a:pPr marL="0" indent="0">
               <a:buNone/>
             </a:pPr>
-            <a:r>
-              <a:rPr lang="en-US" altLang="ko-KR" sz="2800" dirty="0"/>
-              <a:t>   </a:t>
-            </a:r>
-            <a:r>
-              <a:rPr lang="en-US" altLang="ko-KR" sz="2800" dirty="0" err="1"/>
-              <a:t>int</a:t>
-            </a:r>
-            <a:r>
-              <a:rPr lang="en-US" altLang="ko-KR" sz="2800" dirty="0"/>
-              <a:t> y = __</a:t>
-            </a:r>
-            <a:r>
-              <a:rPr lang="en-US" altLang="ko-KR" sz="2800" dirty="0" err="1"/>
-              <a:t>shfl</a:t>
-            </a:r>
-            <a:r>
-              <a:rPr lang="en-US" altLang="ko-KR" sz="2800" dirty="0"/>
-              <a:t>(x,5,16);</a:t>
-            </a:r>
+            <a:endParaRPr lang="en-US" altLang="ko-KR" sz="2400" dirty="0"/>
           </a:p>
           <a:p>
             <a:pPr marL="0" indent="0">
               <a:buNone/>
             </a:pPr>
-            <a:r>
-              <a:rPr lang="en-US" altLang="ko-KR" sz="2800" dirty="0"/>
-              <a:t>  //thread0~thread15 get the value x from  the thread 	5 and thread16~thread31 get the value from the</a:t>
-            </a:r>
+            <a:endParaRPr lang="en-US" altLang="ko-KR" sz="2400" dirty="0"/>
           </a:p>
           <a:p>
             <a:pPr marL="0" indent="0">
               <a:buNone/>
             </a:pPr>
-            <a:r>
-              <a:rPr lang="en-US" altLang="ko-KR" sz="2800" dirty="0"/>
-              <a:t>          thread21.</a:t>
-            </a:r>
+            <a:endParaRPr lang="ko-KR" altLang="en-US" sz="2400" dirty="0"/>
           </a:p>
         </p:txBody>
       </p:sp>
     </p:spTree>
     <p:extLst>
       <p:ext uri="{BB962C8B-B14F-4D97-AF65-F5344CB8AC3E}">
-        <p14:creationId xmlns:p14="http://schemas.microsoft.com/office/powerpoint/2010/main" val="2624092692"/>
+        <p14:creationId xmlns:p14="http://schemas.microsoft.com/office/powerpoint/2010/main" val="3975258618"/>
       </p:ext>
     </p:extLst>
   </p:cSld>
@@ -18314,34 +18753,10 @@
           <a:lstStyle/>
           <a:p>
             <a:r>
-              <a:rPr lang="en-US" altLang="ko-KR" sz="3200" dirty="0" err="1"/>
-              <a:t>int</a:t>
-            </a:r>
-            <a:r>
-              <a:rPr lang="en-US" altLang="ko-KR" sz="3200" dirty="0"/>
-              <a:t> __</a:t>
-            </a:r>
-            <a:r>
-              <a:rPr lang="en-US" altLang="ko-KR" sz="3200" dirty="0" err="1"/>
-              <a:t>shfl_up</a:t>
-            </a:r>
-            <a:r>
-              <a:rPr lang="en-US" altLang="ko-KR" sz="3200" dirty="0"/>
-              <a:t>(), __</a:t>
-            </a:r>
-            <a:r>
-              <a:rPr lang="en-US" altLang="ko-KR" sz="3200" dirty="0" err="1"/>
-              <a:t>shfl_down</a:t>
-            </a:r>
-            <a:r>
-              <a:rPr lang="en-US" altLang="ko-KR" sz="3200" dirty="0"/>
-              <a:t>(), __</a:t>
-            </a:r>
-            <a:r>
-              <a:rPr lang="en-US" altLang="ko-KR" sz="3200" dirty="0" err="1"/>
-              <a:t>shfl_xor</a:t>
-            </a:r>
-            <a:endParaRPr lang="ko-KR" altLang="en-US" sz="3200" dirty="0"/>
+              <a:rPr lang="en-US" altLang="ko-KR" dirty="0"/>
+              <a:t>Warp shuffle Instruction</a:t>
+            </a:r>
+            <a:endParaRPr lang="ko-KR" altLang="en-US" dirty="0"/>
           </a:p>
         </p:txBody>
       </p:sp>
@@ -18360,264 +18775,40 @@
           <a:bodyPr/>
           <a:lstStyle/>
           <a:p>
-            <a:pPr marL="0" indent="0">
-              <a:buNone/>
-            </a:pPr>
-            <a:r>
-              <a:rPr lang="en-US" altLang="ko-KR" sz="2400" dirty="0" err="1">
-                <a:solidFill>
-                  <a:srgbClr val="00B050"/>
-                </a:solidFill>
-              </a:rPr>
-              <a:t>int</a:t>
-            </a:r>
-            <a:r>
-              <a:rPr lang="en-US" altLang="ko-KR" sz="2400" dirty="0">
-                <a:solidFill>
-                  <a:srgbClr val="00B050"/>
-                </a:solidFill>
-              </a:rPr>
-              <a:t> __</a:t>
-            </a:r>
-            <a:r>
-              <a:rPr lang="en-US" altLang="ko-KR" sz="2400" dirty="0" err="1">
-                <a:solidFill>
-                  <a:srgbClr val="00B050"/>
-                </a:solidFill>
-              </a:rPr>
-              <a:t>shfl_up</a:t>
-            </a:r>
-            <a:r>
-              <a:rPr lang="en-US" altLang="ko-KR" sz="2400" dirty="0">
-                <a:solidFill>
-                  <a:srgbClr val="00B050"/>
-                </a:solidFill>
-              </a:rPr>
-              <a:t>(</a:t>
-            </a:r>
-            <a:r>
-              <a:rPr lang="en-US" altLang="ko-KR" sz="2400" dirty="0" err="1">
-                <a:solidFill>
-                  <a:srgbClr val="00B050"/>
-                </a:solidFill>
-              </a:rPr>
-              <a:t>int</a:t>
-            </a:r>
-            <a:r>
-              <a:rPr lang="en-US" altLang="ko-KR" sz="2400" dirty="0">
-                <a:solidFill>
-                  <a:srgbClr val="00B050"/>
-                </a:solidFill>
-              </a:rPr>
-              <a:t> </a:t>
-            </a:r>
-            <a:r>
-              <a:rPr lang="en-US" altLang="ko-KR" sz="2400" dirty="0" err="1">
-                <a:solidFill>
-                  <a:srgbClr val="00B050"/>
-                </a:solidFill>
-              </a:rPr>
-              <a:t>var</a:t>
-            </a:r>
-            <a:r>
-              <a:rPr lang="en-US" altLang="ko-KR" sz="2400" dirty="0">
-                <a:solidFill>
-                  <a:srgbClr val="00B050"/>
-                </a:solidFill>
-              </a:rPr>
-              <a:t>, unsigned </a:t>
-            </a:r>
-            <a:r>
-              <a:rPr lang="en-US" altLang="ko-KR" sz="2400" dirty="0" err="1">
-                <a:solidFill>
-                  <a:srgbClr val="00B050"/>
-                </a:solidFill>
-              </a:rPr>
-              <a:t>int</a:t>
-            </a:r>
-            <a:r>
-              <a:rPr lang="en-US" altLang="ko-KR" sz="2400" dirty="0">
-                <a:solidFill>
-                  <a:srgbClr val="00B050"/>
-                </a:solidFill>
-              </a:rPr>
-              <a:t> delta, </a:t>
-            </a:r>
-            <a:r>
-              <a:rPr lang="en-US" altLang="ko-KR" sz="2400" dirty="0" err="1">
-                <a:solidFill>
-                  <a:srgbClr val="00B050"/>
-                </a:solidFill>
-              </a:rPr>
-              <a:t>int</a:t>
-            </a:r>
-            <a:r>
-              <a:rPr lang="en-US" altLang="ko-KR" sz="2400" dirty="0">
-                <a:solidFill>
-                  <a:srgbClr val="00B050"/>
-                </a:solidFill>
-              </a:rPr>
-              <a:t> width=</a:t>
-            </a:r>
-            <a:r>
-              <a:rPr lang="en-US" altLang="ko-KR" sz="2400" dirty="0" err="1">
-                <a:solidFill>
-                  <a:srgbClr val="00B050"/>
-                </a:solidFill>
-              </a:rPr>
-              <a:t>warpSize</a:t>
-            </a:r>
-            <a:r>
-              <a:rPr lang="en-US" altLang="ko-KR" sz="2400" dirty="0">
-                <a:solidFill>
-                  <a:srgbClr val="00B050"/>
-                </a:solidFill>
-              </a:rPr>
-              <a:t>);</a:t>
-            </a:r>
-          </a:p>
-          <a:p>
-            <a:pPr marL="0" indent="0">
-              <a:buNone/>
-            </a:pPr>
-            <a:r>
-              <a:rPr lang="en-US" altLang="ko-KR" sz="2400" dirty="0"/>
-              <a:t> __</a:t>
-            </a:r>
-            <a:r>
-              <a:rPr lang="en-US" altLang="ko-KR" sz="2400" dirty="0" err="1"/>
-              <a:t>shfl_up</a:t>
-            </a:r>
-            <a:r>
-              <a:rPr lang="en-US" altLang="ko-KR" sz="2400" dirty="0"/>
-              <a:t>(val,2); //shift the value to the right two lane</a:t>
-            </a:r>
-          </a:p>
-          <a:p>
-            <a:pPr marL="0" indent="0">
-              <a:buNone/>
-            </a:pPr>
-            <a:endParaRPr lang="en-US" altLang="ko-KR" sz="2400" dirty="0"/>
-          </a:p>
-          <a:p>
-            <a:pPr marL="0" indent="0">
-              <a:buNone/>
-            </a:pPr>
-            <a:r>
-              <a:rPr lang="en-US" altLang="ko-KR" sz="2400" dirty="0" err="1"/>
-              <a:t>int</a:t>
-            </a:r>
-            <a:r>
-              <a:rPr lang="en-US" altLang="ko-KR" sz="2400" dirty="0"/>
-              <a:t> __</a:t>
-            </a:r>
-            <a:r>
-              <a:rPr lang="en-US" altLang="ko-KR" sz="2400" dirty="0" err="1"/>
-              <a:t>shfl_xor</a:t>
-            </a:r>
-            <a:r>
-              <a:rPr lang="en-US" altLang="ko-KR" sz="2400" dirty="0"/>
-              <a:t>(</a:t>
-            </a:r>
-            <a:r>
-              <a:rPr lang="en-US" altLang="ko-KR" sz="2400" dirty="0" err="1"/>
-              <a:t>int</a:t>
-            </a:r>
-            <a:r>
-              <a:rPr lang="en-US" altLang="ko-KR" sz="2400" dirty="0"/>
-              <a:t> </a:t>
-            </a:r>
-            <a:r>
-              <a:rPr lang="en-US" altLang="ko-KR" sz="2400" dirty="0" err="1"/>
-              <a:t>var</a:t>
-            </a:r>
-            <a:r>
-              <a:rPr lang="en-US" altLang="ko-KR" sz="2400" dirty="0"/>
-              <a:t>, </a:t>
-            </a:r>
-            <a:r>
-              <a:rPr lang="en-US" altLang="ko-KR" sz="2400" dirty="0" err="1"/>
-              <a:t>int</a:t>
-            </a:r>
-            <a:r>
-              <a:rPr lang="en-US" altLang="ko-KR" sz="2400" dirty="0"/>
-              <a:t> </a:t>
-            </a:r>
-            <a:r>
-              <a:rPr lang="en-US" altLang="ko-KR" sz="2400" dirty="0" err="1"/>
-              <a:t>laneMask</a:t>
-            </a:r>
-            <a:r>
-              <a:rPr lang="en-US" altLang="ko-KR" sz="2400" dirty="0"/>
-              <a:t>, </a:t>
-            </a:r>
-            <a:r>
-              <a:rPr lang="en-US" altLang="ko-KR" sz="2400" dirty="0" err="1"/>
-              <a:t>int</a:t>
-            </a:r>
-            <a:r>
-              <a:rPr lang="en-US" altLang="ko-KR" sz="2400" dirty="0"/>
-              <a:t> width=</a:t>
-            </a:r>
-            <a:r>
-              <a:rPr lang="en-US" altLang="ko-KR" sz="2400" dirty="0" err="1"/>
-              <a:t>warpSize</a:t>
-            </a:r>
-            <a:r>
-              <a:rPr lang="en-US" altLang="ko-KR" sz="2400" dirty="0"/>
-              <a:t>);</a:t>
-            </a:r>
-          </a:p>
-          <a:p>
-            <a:pPr marL="0" indent="0">
-              <a:buNone/>
-            </a:pPr>
-            <a:r>
-              <a:rPr lang="en-US" altLang="ko-KR" sz="2400" dirty="0"/>
-              <a:t>/*It calculates a source lane index by performing a bitwise XOR of the caller’s lane index with lane mask.</a:t>
-            </a:r>
-          </a:p>
-          <a:p>
-            <a:pPr marL="0" indent="0">
-              <a:buNone/>
-            </a:pPr>
-            <a:r>
-              <a:rPr lang="en-US" altLang="ko-KR" sz="2400" dirty="0"/>
-              <a:t> __</a:t>
-            </a:r>
-            <a:r>
-              <a:rPr lang="en-US" altLang="ko-KR" sz="2400" dirty="0" err="1"/>
-              <a:t>shfl_xor</a:t>
-            </a:r>
-            <a:r>
-              <a:rPr lang="en-US" altLang="ko-KR" sz="2400" dirty="0"/>
-              <a:t>(val,1); this instruction results in a butterfly exchange.</a:t>
-            </a:r>
-          </a:p>
-          <a:p>
-            <a:pPr marL="0" indent="0">
-              <a:buNone/>
-            </a:pPr>
-            <a:endParaRPr lang="en-US" altLang="ko-KR" sz="2400" dirty="0"/>
-          </a:p>
-          <a:p>
-            <a:pPr marL="0" indent="0">
-              <a:buNone/>
-            </a:pPr>
-            <a:endParaRPr lang="en-US" altLang="ko-KR" sz="2400" dirty="0"/>
-          </a:p>
-          <a:p>
-            <a:pPr marL="0" indent="0">
-              <a:buNone/>
-            </a:pPr>
-            <a:endParaRPr lang="ko-KR" altLang="en-US" sz="2400" dirty="0"/>
+            <a:r>
+              <a:rPr lang="en-US" altLang="ko-KR" sz="2800" dirty="0"/>
+              <a:t>The shuffle instruction was introduced for the architecture whose computer capability is 3.0 or higher such as Kepler, Maxwell families to allow threads to directly read another thread’s register as long as both threads are in the same warp.</a:t>
+            </a:r>
+          </a:p>
+          <a:p>
+            <a:r>
+              <a:rPr lang="en-US" altLang="ko-KR" sz="2800" dirty="0"/>
+              <a:t>The shuffle instruction therefore offers a way to interchange data among threads in a warp.</a:t>
+            </a:r>
+          </a:p>
+          <a:p>
+            <a:r>
+              <a:rPr lang="en-US" altLang="ko-KR" sz="2800" dirty="0"/>
+              <a:t>The shufﬂe instruction has lower latency than</a:t>
+            </a:r>
+            <a:br>
+              <a:rPr lang="en-US" altLang="ko-KR" sz="2800" dirty="0"/>
+            </a:br>
+            <a:r>
+              <a:rPr lang="en-US" altLang="ko-KR" sz="2800" dirty="0"/>
+              <a:t>shared memory and does not consume extra memory to perform a data exchange </a:t>
+            </a:r>
+            <a:br>
+              <a:rPr lang="en-US" altLang="ko-KR" sz="2800" dirty="0"/>
+            </a:br>
+            <a:endParaRPr lang="ko-KR" altLang="en-US" sz="2800" dirty="0"/>
           </a:p>
         </p:txBody>
       </p:sp>
     </p:spTree>
     <p:extLst>
       <p:ext uri="{BB962C8B-B14F-4D97-AF65-F5344CB8AC3E}">
-        <p14:creationId xmlns:p14="http://schemas.microsoft.com/office/powerpoint/2010/main" val="3864893659"/>
+        <p14:creationId xmlns:p14="http://schemas.microsoft.com/office/powerpoint/2010/main" val="3477686547"/>
       </p:ext>
     </p:extLst>
   </p:cSld>
@@ -18660,10 +18851,10 @@
           <a:lstStyle/>
           <a:p>
             <a:r>
-              <a:rPr lang="en-US" altLang="ko-KR" sz="3600" dirty="0"/>
-              <a:t>examples of using the warp shuffling</a:t>
-            </a:r>
-            <a:endParaRPr lang="ko-KR" altLang="en-US" sz="3600" dirty="0"/>
+              <a:rPr lang="en-US" altLang="ko-KR" dirty="0"/>
+              <a:t>lane in a warp</a:t>
+            </a:r>
+            <a:endParaRPr lang="ko-KR" altLang="en-US" dirty="0"/>
           </a:p>
         </p:txBody>
       </p:sp>
@@ -18684,7 +18875,37 @@
           <a:p>
             <a:r>
               <a:rPr lang="en-US" altLang="ko-KR" sz="2800" dirty="0"/>
-              <a:t>Shuffle instruction can be applied to the three integer variable types:</a:t>
+              <a:t>A lane : it simply refers to a single thread within a warp. A lane in a warp is identified by a lane index in the range [0,31].</a:t>
+            </a:r>
+          </a:p>
+          <a:p>
+            <a:r>
+              <a:rPr lang="en-US" altLang="ko-KR" sz="2800" dirty="0"/>
+              <a:t>In a 1D thread block, the </a:t>
+            </a:r>
+            <a:r>
+              <a:rPr lang="en-US" altLang="ko-KR" sz="2800" dirty="0" err="1"/>
+              <a:t>laneID</a:t>
+            </a:r>
+            <a:r>
+              <a:rPr lang="en-US" altLang="ko-KR" sz="2800" dirty="0"/>
+              <a:t> and </a:t>
+            </a:r>
+            <a:r>
+              <a:rPr lang="en-US" altLang="ko-KR" sz="2800" dirty="0" err="1"/>
+              <a:t>warpID</a:t>
+            </a:r>
+            <a:r>
+              <a:rPr lang="en-US" altLang="ko-KR" sz="2800" dirty="0"/>
+              <a:t> are obtained by the following </a:t>
+            </a:r>
+            <a:r>
+              <a:rPr lang="en-US" altLang="ko-KR" sz="2800" dirty="0" err="1"/>
+              <a:t>realtions</a:t>
+            </a:r>
+            <a:r>
+              <a:rPr lang="en-US" altLang="ko-KR" sz="2800" dirty="0"/>
+              <a:t>:</a:t>
             </a:r>
           </a:p>
           <a:p>
@@ -18693,7 +18914,15 @@
             </a:pPr>
             <a:r>
               <a:rPr lang="en-US" altLang="ko-KR" sz="2800" dirty="0"/>
-              <a:t>	Scalar variable,</a:t>
+              <a:t>	</a:t>
+            </a:r>
+            <a:r>
+              <a:rPr lang="en-US" altLang="ko-KR" sz="2800" dirty="0" err="1"/>
+              <a:t>laneID</a:t>
+            </a:r>
+            <a:r>
+              <a:rPr lang="en-US" altLang="ko-KR" sz="2800" dirty="0"/>
+              <a:t>=threadIdx.x%32,</a:t>
             </a:r>
           </a:p>
           <a:p>
@@ -18702,22 +18931,24 @@
             </a:pPr>
             <a:r>
               <a:rPr lang="en-US" altLang="ko-KR" sz="2800" dirty="0"/>
-              <a:t>	Array,</a:t>
-            </a:r>
-          </a:p>
-          <a:p>
-            <a:pPr marL="0" indent="0">
-              <a:buNone/>
-            </a:pPr>
+              <a:t>	</a:t>
+            </a:r>
+            <a:r>
+              <a:rPr lang="en-US" altLang="ko-KR" sz="2800" dirty="0" err="1"/>
+              <a:t>warpID</a:t>
+            </a:r>
             <a:r>
               <a:rPr lang="en-US" altLang="ko-KR" sz="2800" dirty="0"/>
-              <a:t>	Vector-typed variable.</a:t>
-            </a:r>
-          </a:p>
-          <a:p>
-            <a:pPr marL="0" indent="0">
-              <a:buNone/>
-            </a:pPr>
+              <a:t>=</a:t>
+            </a:r>
+            <a:r>
+              <a:rPr lang="en-US" altLang="ko-KR" sz="2800" dirty="0" err="1"/>
+              <a:t>threadIdx.x</a:t>
+            </a:r>
+            <a:r>
+              <a:rPr lang="en-US" altLang="ko-KR" sz="2800" dirty="0"/>
+              <a:t>/32</a:t>
+            </a:r>
             <a:endParaRPr lang="ko-KR" altLang="en-US" sz="2800" dirty="0"/>
           </a:p>
         </p:txBody>
@@ -18725,7 +18956,7 @@
     </p:spTree>
     <p:extLst>
       <p:ext uri="{BB962C8B-B14F-4D97-AF65-F5344CB8AC3E}">
-        <p14:creationId xmlns:p14="http://schemas.microsoft.com/office/powerpoint/2010/main" val="2602869323"/>
+        <p14:creationId xmlns:p14="http://schemas.microsoft.com/office/powerpoint/2010/main" val="1525822361"/>
       </p:ext>
     </p:extLst>
   </p:cSld>
@@ -18762,31 +18993,14 @@
             <p:ph type="title"/>
           </p:nvPr>
         </p:nvSpPr>
-        <p:spPr>
-          <a:xfrm>
-            <a:off x="539552" y="40"/>
-            <a:ext cx="8229600" cy="960438"/>
-          </a:xfrm>
-        </p:spPr>
+        <p:spPr/>
         <p:txBody>
           <a:bodyPr/>
           <a:lstStyle/>
           <a:p>
             <a:r>
               <a:rPr lang="en-US" altLang="ko-KR" dirty="0"/>
-              <a:t>Homework#3( </a:t>
-            </a:r>
-            <a:r>
-              <a:rPr lang="en-US" altLang="ko-KR" dirty="0">
-                <a:solidFill>
-                  <a:srgbClr val="FF0000"/>
-                </a:solidFill>
-              </a:rPr>
-              <a:t>Due: April 13 </a:t>
-            </a:r>
-            <a:r>
-              <a:rPr lang="en-US" altLang="ko-KR" dirty="0"/>
-              <a:t>)</a:t>
+              <a:t>Warp Shuffle Instructions</a:t>
             </a:r>
             <a:endParaRPr lang="ko-KR" altLang="en-US" dirty="0"/>
           </a:p>
@@ -18804,29 +19018,106 @@
         </p:nvSpPr>
         <p:spPr>
           <a:xfrm>
-            <a:off x="179512" y="737320"/>
-            <a:ext cx="9433048" cy="6120680"/>
+            <a:off x="457200" y="1600200"/>
+            <a:ext cx="8229600" cy="4781128"/>
           </a:xfrm>
         </p:spPr>
         <p:txBody>
           <a:bodyPr/>
           <a:lstStyle/>
           <a:p>
+            <a:r>
+              <a:rPr lang="en-US" altLang="ko-KR" sz="2800" dirty="0"/>
+              <a:t>Two sets of shuffle instructions:  one for integer variables and one for float variables.</a:t>
+            </a:r>
+          </a:p>
+          <a:p>
             <a:pPr marL="0" indent="0">
               <a:buNone/>
             </a:pPr>
             <a:r>
-              <a:rPr lang="en-US" altLang="ko-KR" sz="2000" b="1" dirty="0"/>
-              <a:t>The square matrices A,B and C have following relation:</a:t>
+              <a:rPr lang="ko-KR" altLang="en-US" sz="2800" dirty="0"/>
+              <a:t>   </a:t>
+            </a:r>
+            <a:r>
+              <a:rPr lang="en-US" altLang="ko-KR" sz="2800" dirty="0" err="1"/>
+              <a:t>int</a:t>
+            </a:r>
+            <a:r>
+              <a:rPr lang="en-US" altLang="ko-KR" sz="2800" dirty="0"/>
+              <a:t> __</a:t>
+            </a:r>
+            <a:r>
+              <a:rPr lang="en-US" altLang="ko-KR" sz="2800" dirty="0" err="1"/>
+              <a:t>shfl</a:t>
+            </a:r>
+            <a:r>
+              <a:rPr lang="en-US" altLang="ko-KR" sz="2800" dirty="0"/>
+              <a:t>(</a:t>
+            </a:r>
+            <a:r>
+              <a:rPr lang="en-US" altLang="ko-KR" sz="2800" dirty="0" err="1"/>
+              <a:t>int</a:t>
+            </a:r>
+            <a:r>
+              <a:rPr lang="ko-KR" altLang="en-US" sz="2800" dirty="0"/>
+              <a:t> </a:t>
+            </a:r>
+            <a:r>
+              <a:rPr lang="en-US" altLang="ko-KR" sz="2800" dirty="0" err="1"/>
+              <a:t>var</a:t>
+            </a:r>
+            <a:r>
+              <a:rPr lang="en-US" altLang="ko-KR" sz="2800" dirty="0"/>
+              <a:t>, </a:t>
+            </a:r>
+            <a:r>
+              <a:rPr lang="en-US" altLang="ko-KR" sz="2800" dirty="0" err="1"/>
+              <a:t>int</a:t>
+            </a:r>
+            <a:r>
+              <a:rPr lang="en-US" altLang="ko-KR" sz="2800" dirty="0"/>
+              <a:t> </a:t>
+            </a:r>
+            <a:r>
+              <a:rPr lang="en-US" altLang="ko-KR" sz="2800" dirty="0" err="1"/>
+              <a:t>scrLane</a:t>
+            </a:r>
+            <a:r>
+              <a:rPr lang="en-US" altLang="ko-KR" sz="2800" dirty="0"/>
+              <a:t>, </a:t>
+            </a:r>
+            <a:r>
+              <a:rPr lang="en-US" altLang="ko-KR" sz="2800" dirty="0" err="1"/>
+              <a:t>int</a:t>
+            </a:r>
+            <a:r>
+              <a:rPr lang="ko-KR" altLang="en-US" sz="2800" dirty="0"/>
+              <a:t> </a:t>
+            </a:r>
+            <a:r>
+              <a:rPr lang="en-US" altLang="ko-KR" sz="2800" dirty="0"/>
+              <a:t>width=</a:t>
+            </a:r>
+            <a:r>
+              <a:rPr lang="en-US" altLang="ko-KR" sz="2800" dirty="0" err="1"/>
+              <a:t>warpSize</a:t>
+            </a:r>
+            <a:r>
+              <a:rPr lang="en-US" altLang="ko-KR" sz="2800" dirty="0"/>
+              <a:t>);</a:t>
             </a:r>
           </a:p>
           <a:p>
             <a:pPr marL="0" indent="0">
               <a:buNone/>
             </a:pPr>
-            <a:r>
-              <a:rPr lang="en-US" altLang="ko-KR" sz="2000" b="1" dirty="0"/>
-              <a:t> C=A x B, where the column size is NY and row size is NX( in his case NX=NY).</a:t>
+            <a:endParaRPr lang="en-US" altLang="ko-KR" sz="2800" dirty="0"/>
+          </a:p>
+          <a:p>
+            <a:r>
+              <a:rPr lang="en-US" altLang="ko-KR" sz="2800" dirty="0"/>
+              <a:t> If every thread in a warp execute the following 	instruction:</a:t>
             </a:r>
           </a:p>
           <a:p>
@@ -18834,263 +19125,57 @@
               <a:buNone/>
             </a:pPr>
             <a:r>
-              <a:rPr lang="en-US" altLang="ko-KR" sz="2000" b="1" dirty="0"/>
-              <a:t>The matrix multiplication in C is given below:</a:t>
+              <a:rPr lang="en-US" altLang="ko-KR" sz="2800" dirty="0"/>
+              <a:t>   </a:t>
+            </a:r>
+            <a:r>
+              <a:rPr lang="en-US" altLang="ko-KR" sz="2800" dirty="0" err="1"/>
+              <a:t>int</a:t>
+            </a:r>
+            <a:r>
+              <a:rPr lang="en-US" altLang="ko-KR" sz="2800" dirty="0"/>
+              <a:t> y = __</a:t>
+            </a:r>
+            <a:r>
+              <a:rPr lang="en-US" altLang="ko-KR" sz="2800" dirty="0" err="1"/>
+              <a:t>shfl</a:t>
+            </a:r>
+            <a:r>
+              <a:rPr lang="en-US" altLang="ko-KR" sz="2800" dirty="0"/>
+              <a:t>(x,5,16);</a:t>
             </a:r>
           </a:p>
           <a:p>
             <a:pPr marL="0" indent="0">
               <a:buNone/>
             </a:pPr>
-            <a:endParaRPr lang="en-US" altLang="ko-KR" sz="2000" b="1" dirty="0"/>
-          </a:p>
-          <a:p>
-            <a:pPr marL="0" indent="0">
-              <a:buNone/>
-            </a:pPr>
-            <a:r>
-              <a:rPr lang="en-US" altLang="ko-KR" sz="2000" b="1" dirty="0"/>
-              <a:t> void </a:t>
-            </a:r>
-            <a:r>
-              <a:rPr lang="en-US" altLang="ko-KR" sz="2000" b="1" dirty="0" err="1"/>
-              <a:t>matricMul</a:t>
-            </a:r>
-            <a:r>
-              <a:rPr lang="en-US" altLang="ko-KR" sz="2000" b="1" dirty="0"/>
-              <a:t>( </a:t>
-            </a:r>
-            <a:r>
-              <a:rPr lang="en-US" altLang="ko-KR" sz="2000" b="1" dirty="0" err="1"/>
-              <a:t>int</a:t>
-            </a:r>
-            <a:r>
-              <a:rPr lang="en-US" altLang="ko-KR" sz="2000" b="1" dirty="0"/>
-              <a:t> *A, </a:t>
-            </a:r>
-            <a:r>
-              <a:rPr lang="en-US" altLang="ko-KR" sz="2000" b="1" dirty="0" err="1"/>
-              <a:t>int</a:t>
-            </a:r>
-            <a:r>
-              <a:rPr lang="en-US" altLang="ko-KR" sz="2000" b="1" dirty="0"/>
-              <a:t> *B, </a:t>
-            </a:r>
-            <a:r>
-              <a:rPr lang="en-US" altLang="ko-KR" sz="2000" b="1" dirty="0" err="1"/>
-              <a:t>int</a:t>
-            </a:r>
-            <a:r>
-              <a:rPr lang="en-US" altLang="ko-KR" sz="2000" b="1" dirty="0"/>
-              <a:t> *C, </a:t>
-            </a:r>
-            <a:r>
-              <a:rPr lang="en-US" altLang="ko-KR" sz="2000" b="1" dirty="0" err="1"/>
-              <a:t>int</a:t>
-            </a:r>
-            <a:r>
-              <a:rPr lang="en-US" altLang="ko-KR" sz="2000" b="1" dirty="0"/>
-              <a:t> size){</a:t>
-            </a:r>
-          </a:p>
-          <a:p>
-            <a:pPr marL="0" indent="0">
-              <a:buNone/>
-            </a:pPr>
-            <a:r>
-              <a:rPr lang="en-US" altLang="ko-KR" sz="2000" b="1" dirty="0"/>
-              <a:t>	for(</a:t>
-            </a:r>
-            <a:r>
-              <a:rPr lang="en-US" altLang="ko-KR" sz="2000" b="1" dirty="0" err="1"/>
-              <a:t>int</a:t>
-            </a:r>
-            <a:r>
-              <a:rPr lang="en-US" altLang="ko-KR" sz="2000" b="1" dirty="0"/>
-              <a:t> col=0; col &lt;size; col++){</a:t>
-            </a:r>
-          </a:p>
-          <a:p>
-            <a:pPr marL="0" indent="0">
-              <a:buNone/>
-            </a:pPr>
-            <a:r>
-              <a:rPr lang="en-US" altLang="ko-KR" sz="2000" b="1" dirty="0"/>
-              <a:t>		for(</a:t>
-            </a:r>
-            <a:r>
-              <a:rPr lang="en-US" altLang="ko-KR" sz="2000" b="1" dirty="0" err="1"/>
-              <a:t>int</a:t>
-            </a:r>
-            <a:r>
-              <a:rPr lang="en-US" altLang="ko-KR" sz="2000" b="1" dirty="0"/>
-              <a:t> row=0; row &lt;size; row++){</a:t>
-            </a:r>
-          </a:p>
-          <a:p>
-            <a:pPr marL="0" indent="0">
-              <a:buNone/>
-            </a:pPr>
-            <a:r>
-              <a:rPr lang="en-US" altLang="ko-KR" sz="2000" b="1" dirty="0"/>
-              <a:t>			</a:t>
-            </a:r>
-            <a:r>
-              <a:rPr lang="en-US" altLang="ko-KR" sz="2000" b="1" dirty="0" err="1"/>
-              <a:t>int</a:t>
-            </a:r>
-            <a:r>
-              <a:rPr lang="en-US" altLang="ko-KR" sz="2000" b="1" dirty="0"/>
-              <a:t> </a:t>
-            </a:r>
-            <a:r>
-              <a:rPr lang="en-US" altLang="ko-KR" sz="2000" b="1" dirty="0" err="1"/>
-              <a:t>outidx</a:t>
-            </a:r>
-            <a:r>
-              <a:rPr lang="en-US" altLang="ko-KR" sz="2000" b="1" dirty="0"/>
-              <a:t>=col*size +row;</a:t>
-            </a:r>
-          </a:p>
-          <a:p>
-            <a:pPr marL="0" indent="0">
-              <a:buNone/>
-            </a:pPr>
-            <a:r>
-              <a:rPr lang="en-US" altLang="ko-KR" sz="2000" b="1" dirty="0"/>
-              <a:t>			for( </a:t>
-            </a:r>
-            <a:r>
-              <a:rPr lang="en-US" altLang="ko-KR" sz="2000" b="1" dirty="0" err="1"/>
-              <a:t>int</a:t>
-            </a:r>
-            <a:r>
-              <a:rPr lang="en-US" altLang="ko-KR" sz="2000" b="1" dirty="0"/>
-              <a:t> </a:t>
-            </a:r>
-            <a:r>
-              <a:rPr lang="en-US" altLang="ko-KR" sz="2000" b="1" dirty="0" err="1"/>
-              <a:t>idx</a:t>
-            </a:r>
-            <a:r>
-              <a:rPr lang="en-US" altLang="ko-KR" sz="2000" b="1" dirty="0"/>
-              <a:t>=0; </a:t>
-            </a:r>
-            <a:r>
-              <a:rPr lang="en-US" altLang="ko-KR" sz="2000" b="1" dirty="0" err="1"/>
-              <a:t>idx</a:t>
-            </a:r>
-            <a:r>
-              <a:rPr lang="en-US" altLang="ko-KR" sz="2000" b="1" dirty="0"/>
-              <a:t> &lt; size; </a:t>
-            </a:r>
-            <a:r>
-              <a:rPr lang="en-US" altLang="ko-KR" sz="2000" b="1" dirty="0" err="1"/>
-              <a:t>idx</a:t>
-            </a:r>
-            <a:r>
-              <a:rPr lang="en-US" altLang="ko-KR" sz="2000" b="1" dirty="0"/>
-              <a:t>++){</a:t>
-            </a:r>
-          </a:p>
-          <a:p>
-            <a:pPr marL="0" indent="0">
-              <a:buNone/>
-            </a:pPr>
-            <a:r>
-              <a:rPr lang="en-US" altLang="ko-KR" sz="2000" b="1" dirty="0"/>
-              <a:t>				C[</a:t>
-            </a:r>
-            <a:r>
-              <a:rPr lang="en-US" altLang="ko-KR" sz="2000" b="1" dirty="0" err="1"/>
-              <a:t>outidx</a:t>
-            </a:r>
-            <a:r>
-              <a:rPr lang="en-US" altLang="ko-KR" sz="2000" b="1" dirty="0"/>
-              <a:t>] +=A[col*</a:t>
-            </a:r>
-            <a:r>
-              <a:rPr lang="en-US" altLang="ko-KR" sz="2000" b="1" dirty="0" err="1"/>
-              <a:t>size+idx</a:t>
-            </a:r>
-            <a:r>
-              <a:rPr lang="en-US" altLang="ko-KR" sz="2000" b="1" dirty="0"/>
-              <a:t>]*B[</a:t>
-            </a:r>
-            <a:r>
-              <a:rPr lang="en-US" altLang="ko-KR" sz="2000" b="1" dirty="0" err="1"/>
-              <a:t>idx</a:t>
-            </a:r>
-            <a:r>
-              <a:rPr lang="en-US" altLang="ko-KR" sz="2000" b="1" dirty="0"/>
-              <a:t>*</a:t>
-            </a:r>
-            <a:r>
-              <a:rPr lang="en-US" altLang="ko-KR" sz="2000" b="1" dirty="0" err="1"/>
-              <a:t>size+row</a:t>
-            </a:r>
-            <a:r>
-              <a:rPr lang="en-US" altLang="ko-KR" sz="2000" b="1" dirty="0"/>
-              <a:t>];}</a:t>
-            </a:r>
-          </a:p>
-          <a:p>
-            <a:pPr marL="0" indent="0">
-              <a:buNone/>
-            </a:pPr>
-            <a:r>
-              <a:rPr lang="en-US" altLang="ko-KR" sz="2000" b="1" dirty="0"/>
-              <a:t>		}</a:t>
-            </a:r>
-          </a:p>
-          <a:p>
-            <a:pPr marL="0" indent="0">
-              <a:buNone/>
-            </a:pPr>
-            <a:r>
-              <a:rPr lang="en-US" altLang="ko-KR" sz="2000" b="1" dirty="0"/>
-              <a:t>	}		</a:t>
-            </a:r>
-          </a:p>
-          <a:p>
-            <a:pPr marL="0" indent="0">
-              <a:buNone/>
-            </a:pPr>
-            <a:r>
-              <a:rPr lang="en-US" altLang="ko-KR" sz="1800" b="1" dirty="0"/>
-              <a:t> }</a:t>
-            </a:r>
-          </a:p>
-          <a:p>
-            <a:pPr marL="0" indent="0">
-              <a:buNone/>
-            </a:pPr>
-            <a:r>
-              <a:rPr lang="en-US" altLang="ko-KR" sz="1800" b="1" dirty="0"/>
-              <a:t> </a:t>
-            </a:r>
-          </a:p>
-          <a:p>
-            <a:pPr marL="0" indent="0">
-              <a:buNone/>
-            </a:pPr>
-            <a:r>
-              <a:rPr lang="en-US" altLang="ko-KR" sz="1800" b="1" dirty="0"/>
-              <a:t>Remark: A,B,C are square matrices represented in 1D row-major linear address memory.</a:t>
-            </a:r>
-          </a:p>
-          <a:p>
-            <a:pPr marL="0" indent="0">
-              <a:buNone/>
-            </a:pPr>
-            <a:endParaRPr lang="en-US" altLang="ko-KR" b="1" dirty="0"/>
+            <a:r>
+              <a:rPr lang="en-US" altLang="ko-KR" sz="2800" dirty="0"/>
+              <a:t>  //thread0~thread15 get the value x from  the thread 	5 (y</a:t>
+            </a:r>
+            <a:r>
+              <a:rPr lang="ko-KR" altLang="en-US" sz="2800" dirty="0"/>
+              <a:t>를 통해서</a:t>
+            </a:r>
+            <a:r>
+              <a:rPr lang="en-US" altLang="ko-KR" sz="2800" dirty="0"/>
+              <a:t>) and thread16~thread31 get the value from the thread21 (y</a:t>
+            </a:r>
+            <a:r>
+              <a:rPr lang="ko-KR" altLang="en-US" sz="2800" dirty="0"/>
+              <a:t>를 통해서</a:t>
+            </a:r>
+            <a:r>
+              <a:rPr lang="en-US" altLang="ko-KR" sz="2800" dirty="0"/>
+              <a:t>).</a:t>
+            </a:r>
           </a:p>
         </p:txBody>
       </p:sp>
     </p:spTree>
     <p:extLst>
       <p:ext uri="{BB962C8B-B14F-4D97-AF65-F5344CB8AC3E}">
-        <p14:creationId xmlns:p14="http://schemas.microsoft.com/office/powerpoint/2010/main" val="3788678974"/>
+        <p14:creationId xmlns:p14="http://schemas.microsoft.com/office/powerpoint/2010/main" val="2624092692"/>
       </p:ext>
     </p:extLst>
   </p:cSld>
@@ -19127,25 +19212,40 @@
             <p:ph type="title"/>
           </p:nvPr>
         </p:nvSpPr>
-        <p:spPr>
-          <a:xfrm>
-            <a:off x="467544" y="-243408"/>
-            <a:ext cx="8229600" cy="960438"/>
-          </a:xfrm>
-        </p:spPr>
+        <p:spPr/>
         <p:txBody>
           <a:bodyPr/>
           <a:lstStyle/>
           <a:p>
             <a:r>
-              <a:rPr lang="en-US" altLang="ko-KR" dirty="0"/>
-              <a:t>Matrix </a:t>
-            </a:r>
-            <a:r>
-              <a:rPr lang="en-US" altLang="ko-KR" dirty="0" err="1"/>
-              <a:t>Multilication</a:t>
-            </a:r>
-            <a:endParaRPr lang="ko-KR" altLang="en-US" dirty="0"/>
+              <a:rPr lang="en-US" altLang="ko-KR" sz="3200" dirty="0" err="1"/>
+              <a:t>int</a:t>
+            </a:r>
+            <a:r>
+              <a:rPr lang="en-US" altLang="ko-KR" sz="3200" dirty="0"/>
+              <a:t> __</a:t>
+            </a:r>
+            <a:r>
+              <a:rPr lang="en-US" altLang="ko-KR" sz="3200" dirty="0" err="1"/>
+              <a:t>shfl_up</a:t>
+            </a:r>
+            <a:r>
+              <a:rPr lang="en-US" altLang="ko-KR" sz="3200" dirty="0"/>
+              <a:t>(), __</a:t>
+            </a:r>
+            <a:r>
+              <a:rPr lang="en-US" altLang="ko-KR" sz="3200" dirty="0" err="1"/>
+              <a:t>shfl_down</a:t>
+            </a:r>
+            <a:r>
+              <a:rPr lang="en-US" altLang="ko-KR" sz="3200" dirty="0"/>
+              <a:t>(), __</a:t>
+            </a:r>
+            <a:r>
+              <a:rPr lang="en-US" altLang="ko-KR" sz="3200" dirty="0" err="1"/>
+              <a:t>shfl_xor</a:t>
+            </a:r>
+            <a:endParaRPr lang="ko-KR" altLang="en-US" sz="3200" dirty="0"/>
           </a:p>
         </p:txBody>
       </p:sp>
@@ -19159,12 +19259,7 @@
             <p:ph idx="1"/>
           </p:nvPr>
         </p:nvSpPr>
-        <p:spPr>
-          <a:xfrm>
-            <a:off x="467544" y="548680"/>
-            <a:ext cx="8229600" cy="6048672"/>
-          </a:xfrm>
-        </p:spPr>
+        <p:spPr/>
         <p:txBody>
           <a:bodyPr/>
           <a:lstStyle/>
@@ -19173,8 +19268,116 @@
               <a:buNone/>
             </a:pPr>
             <a:r>
-              <a:rPr lang="en-US" altLang="ko-KR" sz="2000" b="1" dirty="0"/>
-              <a:t>Problem 1:</a:t>
+              <a:rPr lang="en-US" altLang="ko-KR" sz="2400" dirty="0" err="1">
+                <a:solidFill>
+                  <a:srgbClr val="00B050"/>
+                </a:solidFill>
+              </a:rPr>
+              <a:t>int</a:t>
+            </a:r>
+            <a:r>
+              <a:rPr lang="en-US" altLang="ko-KR" sz="2400" dirty="0">
+                <a:solidFill>
+                  <a:srgbClr val="00B050"/>
+                </a:solidFill>
+              </a:rPr>
+              <a:t> __</a:t>
+            </a:r>
+            <a:r>
+              <a:rPr lang="en-US" altLang="ko-KR" sz="2400" dirty="0" err="1">
+                <a:solidFill>
+                  <a:srgbClr val="00B050"/>
+                </a:solidFill>
+              </a:rPr>
+              <a:t>shfl_up</a:t>
+            </a:r>
+            <a:r>
+              <a:rPr lang="en-US" altLang="ko-KR" sz="2400" dirty="0">
+                <a:solidFill>
+                  <a:srgbClr val="00B050"/>
+                </a:solidFill>
+              </a:rPr>
+              <a:t>(</a:t>
+            </a:r>
+            <a:r>
+              <a:rPr lang="en-US" altLang="ko-KR" sz="2400" dirty="0" err="1">
+                <a:solidFill>
+                  <a:srgbClr val="00B050"/>
+                </a:solidFill>
+              </a:rPr>
+              <a:t>int</a:t>
+            </a:r>
+            <a:r>
+              <a:rPr lang="en-US" altLang="ko-KR" sz="2400" dirty="0">
+                <a:solidFill>
+                  <a:srgbClr val="00B050"/>
+                </a:solidFill>
+              </a:rPr>
+              <a:t> </a:t>
+            </a:r>
+            <a:r>
+              <a:rPr lang="en-US" altLang="ko-KR" sz="2400" dirty="0" err="1">
+                <a:solidFill>
+                  <a:srgbClr val="00B050"/>
+                </a:solidFill>
+              </a:rPr>
+              <a:t>var</a:t>
+            </a:r>
+            <a:r>
+              <a:rPr lang="en-US" altLang="ko-KR" sz="2400" dirty="0">
+                <a:solidFill>
+                  <a:srgbClr val="00B050"/>
+                </a:solidFill>
+              </a:rPr>
+              <a:t>, unsigned </a:t>
+            </a:r>
+            <a:r>
+              <a:rPr lang="en-US" altLang="ko-KR" sz="2400" dirty="0" err="1">
+                <a:solidFill>
+                  <a:srgbClr val="00B050"/>
+                </a:solidFill>
+              </a:rPr>
+              <a:t>int</a:t>
+            </a:r>
+            <a:r>
+              <a:rPr lang="en-US" altLang="ko-KR" sz="2400" dirty="0">
+                <a:solidFill>
+                  <a:srgbClr val="00B050"/>
+                </a:solidFill>
+              </a:rPr>
+              <a:t> delta, </a:t>
+            </a:r>
+            <a:r>
+              <a:rPr lang="en-US" altLang="ko-KR" sz="2400" dirty="0" err="1">
+                <a:solidFill>
+                  <a:srgbClr val="00B050"/>
+                </a:solidFill>
+              </a:rPr>
+              <a:t>int</a:t>
+            </a:r>
+            <a:r>
+              <a:rPr lang="en-US" altLang="ko-KR" sz="2400" dirty="0">
+                <a:solidFill>
+                  <a:srgbClr val="00B050"/>
+                </a:solidFill>
+              </a:rPr>
+              <a:t> width=</a:t>
+            </a:r>
+            <a:r>
+              <a:rPr lang="en-US" altLang="ko-KR" sz="2400" dirty="0" err="1">
+                <a:solidFill>
+                  <a:srgbClr val="00B050"/>
+                </a:solidFill>
+              </a:rPr>
+              <a:t>warpSize</a:t>
+            </a:r>
+            <a:r>
+              <a:rPr lang="en-US" altLang="ko-KR" sz="2400" dirty="0">
+                <a:solidFill>
+                  <a:srgbClr val="00B050"/>
+                </a:solidFill>
+              </a:rPr>
+              <a:t>);</a:t>
             </a:r>
           </a:p>
           <a:p>
@@ -19182,33 +19385,91 @@
               <a:buNone/>
             </a:pPr>
             <a:r>
-              <a:rPr lang="en-US" altLang="ko-KR" sz="2000" b="1" dirty="0"/>
-              <a:t>Make your CUDA  program that uses only global memory on 2D grid and 2D blocks where:</a:t>
+              <a:rPr lang="en-US" altLang="ko-KR" sz="2400" dirty="0"/>
+              <a:t> __</a:t>
+            </a:r>
+            <a:r>
+              <a:rPr lang="en-US" altLang="ko-KR" sz="2400" dirty="0" err="1"/>
+              <a:t>shfl_up</a:t>
+            </a:r>
+            <a:r>
+              <a:rPr lang="en-US" altLang="ko-KR" sz="2400" dirty="0"/>
+              <a:t>(val,2); //shift the value to the right two lane</a:t>
             </a:r>
           </a:p>
           <a:p>
             <a:pPr marL="0" indent="0">
               <a:buNone/>
             </a:pPr>
-            <a:r>
-              <a:rPr lang="en-US" altLang="ko-KR" sz="2000" b="1" dirty="0"/>
-              <a:t>	</a:t>
-            </a:r>
-            <a:r>
-              <a:rPr lang="en-US" altLang="ko-KR" sz="2000" b="1" dirty="0" err="1"/>
+            <a:endParaRPr lang="en-US" altLang="ko-KR" sz="2400" dirty="0"/>
+          </a:p>
+          <a:p>
+            <a:pPr marL="0" indent="0">
+              <a:buNone/>
+            </a:pPr>
+            <a:r>
+              <a:rPr lang="en-US" altLang="ko-KR" sz="2400" dirty="0" err="1"/>
               <a:t>int</a:t>
             </a:r>
             <a:r>
-              <a:rPr lang="en-US" altLang="ko-KR" sz="2000" b="1" dirty="0"/>
+              <a:rPr lang="en-US" altLang="ko-KR" sz="2400" dirty="0"/>
+              <a:t> __</a:t>
+            </a:r>
+            <a:r>
+              <a:rPr lang="en-US" altLang="ko-KR" sz="2400" dirty="0" err="1"/>
+              <a:t>shfl_xor</a:t>
+            </a:r>
+            <a:r>
+              <a:rPr lang="en-US" altLang="ko-KR" sz="2400" dirty="0"/>
+              <a:t>(</a:t>
+            </a:r>
+            <a:r>
+              <a:rPr lang="en-US" altLang="ko-KR" sz="2400" dirty="0" err="1"/>
+              <a:t>int</a:t>
+            </a:r>
+            <a:r>
+              <a:rPr lang="en-US" altLang="ko-KR" sz="2400" dirty="0"/>
               <a:t> </a:t>
             </a:r>
             <a:r>
-              <a:rPr lang="en-US" altLang="ko-KR" sz="2000" b="1" dirty="0" err="1"/>
-              <a:t>nx</a:t>
-            </a:r>
-            <a:r>
-              <a:rPr lang="en-US" altLang="ko-KR" sz="2000" b="1" dirty="0"/>
-              <a:t>=15000;</a:t>
+              <a:rPr lang="en-US" altLang="ko-KR" sz="2400" dirty="0" err="1"/>
+              <a:t>var</a:t>
+            </a:r>
+            <a:r>
+              <a:rPr lang="en-US" altLang="ko-KR" sz="2400" dirty="0"/>
+              <a:t>, </a:t>
+            </a:r>
+            <a:r>
+              <a:rPr lang="en-US" altLang="ko-KR" sz="2400" dirty="0" err="1"/>
+              <a:t>int</a:t>
+            </a:r>
+            <a:r>
+              <a:rPr lang="en-US" altLang="ko-KR" sz="2400" dirty="0"/>
+              <a:t> </a:t>
+            </a:r>
+            <a:r>
+              <a:rPr lang="en-US" altLang="ko-KR" sz="2400" dirty="0" err="1"/>
+              <a:t>laneMask</a:t>
+            </a:r>
+            <a:r>
+              <a:rPr lang="en-US" altLang="ko-KR" sz="2400" dirty="0"/>
+              <a:t>, </a:t>
+            </a:r>
+            <a:r>
+              <a:rPr lang="en-US" altLang="ko-KR" sz="2400" dirty="0" err="1"/>
+              <a:t>int</a:t>
+            </a:r>
+            <a:r>
+              <a:rPr lang="en-US" altLang="ko-KR" sz="2400" dirty="0"/>
+              <a:t> width=</a:t>
+            </a:r>
+            <a:r>
+              <a:rPr lang="en-US" altLang="ko-KR" sz="2400" dirty="0" err="1"/>
+              <a:t>warpSize</a:t>
+            </a:r>
+            <a:r>
+              <a:rPr lang="en-US" altLang="ko-KR" sz="2400" dirty="0"/>
+              <a:t>);</a:t>
             </a:r>
           </a:p>
           <a:p>
@@ -19216,24 +19477,8 @@
               <a:buNone/>
             </a:pPr>
             <a:r>
-              <a:rPr lang="en-US" altLang="ko-KR" sz="2000" b="1" dirty="0"/>
-              <a:t>	</a:t>
-            </a:r>
-            <a:r>
-              <a:rPr lang="en-US" altLang="ko-KR" sz="2000" b="1" dirty="0" err="1"/>
-              <a:t>int</a:t>
-            </a:r>
-            <a:r>
-              <a:rPr lang="en-US" altLang="ko-KR" sz="2000" b="1" dirty="0"/>
-              <a:t> </a:t>
-            </a:r>
-            <a:r>
-              <a:rPr lang="en-US" altLang="ko-KR" sz="2000" b="1" dirty="0" err="1"/>
-              <a:t>ny</a:t>
-            </a:r>
-            <a:r>
-              <a:rPr lang="en-US" altLang="ko-KR" sz="2000" b="1" dirty="0"/>
-              <a:t>=15000;</a:t>
+              <a:rPr lang="en-US" altLang="ko-KR" sz="2400" dirty="0"/>
+              <a:t>/*It calculates a source lane index by performing a bitwise XOR of the caller’s lane index with lane mask.</a:t>
             </a:r>
           </a:p>
           <a:p>
@@ -19241,180 +19486,42 @@
               <a:buNone/>
             </a:pPr>
             <a:r>
-              <a:rPr lang="en-US" altLang="ko-KR" sz="2000" b="1" dirty="0"/>
-              <a:t>	</a:t>
-            </a:r>
-            <a:r>
-              <a:rPr lang="en-US" altLang="ko-KR" sz="2000" b="1" dirty="0" err="1"/>
-              <a:t>int</a:t>
-            </a:r>
-            <a:r>
-              <a:rPr lang="en-US" altLang="ko-KR" sz="2000" b="1" dirty="0"/>
-              <a:t> </a:t>
-            </a:r>
-            <a:r>
-              <a:rPr lang="en-US" altLang="ko-KR" sz="2000" b="1" dirty="0" err="1"/>
-              <a:t>dimx</a:t>
-            </a:r>
-            <a:r>
-              <a:rPr lang="en-US" altLang="ko-KR" sz="2000" b="1" dirty="0"/>
-              <a:t>=32;</a:t>
+              <a:rPr lang="en-US" altLang="ko-KR" sz="2400" dirty="0"/>
+              <a:t> __</a:t>
+            </a:r>
+            <a:r>
+              <a:rPr lang="en-US" altLang="ko-KR" sz="2400" dirty="0" err="1"/>
+              <a:t>shfl_xor</a:t>
+            </a:r>
+            <a:r>
+              <a:rPr lang="en-US" altLang="ko-KR" sz="2400" dirty="0"/>
+              <a:t>(val,1); this instruction results in a butterfly exchange.</a:t>
             </a:r>
           </a:p>
           <a:p>
             <a:pPr marL="0" indent="0">
               <a:buNone/>
             </a:pPr>
-            <a:r>
-              <a:rPr lang="en-US" altLang="ko-KR" sz="2000" b="1" dirty="0"/>
-              <a:t>	</a:t>
-            </a:r>
-            <a:r>
-              <a:rPr lang="en-US" altLang="ko-KR" sz="2000" b="1" dirty="0" err="1"/>
-              <a:t>int</a:t>
-            </a:r>
-            <a:r>
-              <a:rPr lang="en-US" altLang="ko-KR" sz="2000" b="1" dirty="0"/>
-              <a:t> </a:t>
-            </a:r>
-            <a:r>
-              <a:rPr lang="en-US" altLang="ko-KR" sz="2000" b="1" dirty="0" err="1"/>
-              <a:t>dimy</a:t>
-            </a:r>
-            <a:r>
-              <a:rPr lang="en-US" altLang="ko-KR" sz="2000" b="1" dirty="0"/>
-              <a:t>=32;</a:t>
-            </a:r>
+            <a:endParaRPr lang="en-US" altLang="ko-KR" sz="2400" dirty="0"/>
           </a:p>
           <a:p>
             <a:pPr marL="0" indent="0">
               <a:buNone/>
             </a:pPr>
-            <a:r>
-              <a:rPr lang="en-US" altLang="ko-KR" sz="2000" b="1" dirty="0"/>
-              <a:t>	 dim3 block(</a:t>
-            </a:r>
-            <a:r>
-              <a:rPr lang="en-US" altLang="ko-KR" sz="2000" b="1" dirty="0" err="1"/>
-              <a:t>dimx,dimy</a:t>
-            </a:r>
-            <a:r>
-              <a:rPr lang="en-US" altLang="ko-KR" sz="2000" b="1" dirty="0"/>
-              <a:t>); //block dimension (32,32)</a:t>
-            </a:r>
+            <a:endParaRPr lang="en-US" altLang="ko-KR" sz="2400" dirty="0"/>
           </a:p>
           <a:p>
             <a:pPr marL="0" indent="0">
               <a:buNone/>
             </a:pPr>
-            <a:r>
-              <a:rPr lang="en-US" altLang="ko-KR" sz="2000" b="1" dirty="0"/>
-              <a:t>	dim3 grid((</a:t>
-            </a:r>
-            <a:r>
-              <a:rPr lang="en-US" altLang="ko-KR" sz="2000" b="1" dirty="0" err="1"/>
-              <a:t>nx</a:t>
-            </a:r>
-            <a:r>
-              <a:rPr lang="en-US" altLang="ko-KR" sz="2000" b="1" dirty="0"/>
-              <a:t> + block.x-1)/</a:t>
-            </a:r>
-            <a:r>
-              <a:rPr lang="en-US" altLang="ko-KR" sz="2000" b="1" dirty="0" err="1"/>
-              <a:t>block.x</a:t>
-            </a:r>
-            <a:r>
-              <a:rPr lang="en-US" altLang="ko-KR" sz="2000" b="1" dirty="0"/>
-              <a:t>, (ny+block.y-1)/</a:t>
-            </a:r>
-            <a:r>
-              <a:rPr lang="en-US" altLang="ko-KR" sz="2000" b="1" dirty="0" err="1"/>
-              <a:t>block.y</a:t>
-            </a:r>
-            <a:r>
-              <a:rPr lang="en-US" altLang="ko-KR" sz="2000" b="1" dirty="0"/>
-              <a:t>);</a:t>
-            </a:r>
-          </a:p>
-          <a:p>
-            <a:pPr marL="0" indent="0">
-              <a:buNone/>
-            </a:pPr>
-            <a:r>
-              <a:rPr lang="en-US" altLang="ko-KR" sz="2000" b="1" dirty="0"/>
-              <a:t>	Generate the matrix A and B treating them as </a:t>
-            </a:r>
-            <a:r>
-              <a:rPr lang="en-US" altLang="ko-KR" sz="2000" b="1" dirty="0" err="1"/>
-              <a:t>linerar</a:t>
-            </a:r>
-            <a:r>
-              <a:rPr lang="en-US" altLang="ko-KR" sz="2000" b="1" dirty="0"/>
-              <a:t> array:</a:t>
-            </a:r>
-          </a:p>
-          <a:p>
-            <a:pPr marL="0" indent="0">
-              <a:buNone/>
-            </a:pPr>
-            <a:r>
-              <a:rPr lang="en-US" altLang="ko-KR" sz="2000" b="1" dirty="0"/>
-              <a:t>//Data input</a:t>
-            </a:r>
-            <a:endParaRPr lang="ko-KR" altLang="en-US" sz="2000" b="1" dirty="0"/>
-          </a:p>
-          <a:p>
-            <a:pPr marL="0" indent="0">
-              <a:buNone/>
-            </a:pPr>
-            <a:r>
-              <a:rPr lang="nn-NO" altLang="ko-KR" sz="2000" b="1" dirty="0"/>
-              <a:t>for( int i = 0; i &lt; size; i++)</a:t>
-            </a:r>
-            <a:r>
-              <a:rPr lang="en-US" altLang="ko-KR" sz="2000" b="1" dirty="0"/>
-              <a:t>{</a:t>
-            </a:r>
-          </a:p>
-          <a:p>
-            <a:pPr marL="0" indent="0">
-              <a:buNone/>
-            </a:pPr>
-            <a:r>
-              <a:rPr lang="en-US" altLang="ko-KR" sz="2000" b="1" dirty="0"/>
-              <a:t>	A[i] = i %1000; //input</a:t>
-            </a:r>
-          </a:p>
-          <a:p>
-            <a:pPr marL="0" indent="0">
-              <a:buNone/>
-            </a:pPr>
-            <a:r>
-              <a:rPr lang="en-US" altLang="ko-KR" sz="2000" b="1" dirty="0"/>
-              <a:t>	B[i] =  i %1000; // input</a:t>
-            </a:r>
-          </a:p>
-          <a:p>
-            <a:pPr marL="0" indent="0">
-              <a:buNone/>
-            </a:pPr>
-            <a:r>
-              <a:rPr lang="en-US" altLang="ko-KR" sz="2000" b="1" dirty="0"/>
-              <a:t>	C[i] = 0;//output   }</a:t>
-            </a:r>
-          </a:p>
-          <a:p>
-            <a:pPr marL="0" indent="0">
-              <a:buNone/>
-            </a:pPr>
-            <a:endParaRPr lang="ko-KR" altLang="en-US" sz="2000" dirty="0"/>
+            <a:endParaRPr lang="ko-KR" altLang="en-US" sz="2400" dirty="0"/>
           </a:p>
         </p:txBody>
       </p:sp>
     </p:spTree>
     <p:extLst>
       <p:ext uri="{BB962C8B-B14F-4D97-AF65-F5344CB8AC3E}">
-        <p14:creationId xmlns:p14="http://schemas.microsoft.com/office/powerpoint/2010/main" val="3550947858"/>
+        <p14:creationId xmlns:p14="http://schemas.microsoft.com/office/powerpoint/2010/main" val="3864893659"/>
       </p:ext>
     </p:extLst>
   </p:cSld>
@@ -19457,6 +19564,1183 @@
           <a:lstStyle/>
           <a:p>
             <a:r>
+              <a:rPr lang="en-US" altLang="ko-KR" sz="3200" dirty="0" err="1"/>
+              <a:t>int</a:t>
+            </a:r>
+            <a:r>
+              <a:rPr lang="en-US" altLang="ko-KR" sz="3200" dirty="0"/>
+              <a:t> __</a:t>
+            </a:r>
+            <a:r>
+              <a:rPr lang="en-US" altLang="ko-KR" sz="3200" dirty="0" err="1"/>
+              <a:t>shfl_up</a:t>
+            </a:r>
+            <a:r>
+              <a:rPr lang="en-US" altLang="ko-KR" sz="3200" dirty="0"/>
+              <a:t>(), __</a:t>
+            </a:r>
+            <a:r>
+              <a:rPr lang="en-US" altLang="ko-KR" sz="3200" dirty="0" err="1"/>
+              <a:t>shfl_down</a:t>
+            </a:r>
+            <a:r>
+              <a:rPr lang="en-US" altLang="ko-KR" sz="3200" dirty="0"/>
+              <a:t>(), __</a:t>
+            </a:r>
+            <a:r>
+              <a:rPr lang="en-US" altLang="ko-KR" sz="3200" dirty="0" err="1"/>
+              <a:t>shfl_xor</a:t>
+            </a:r>
+            <a:endParaRPr lang="ko-KR" altLang="en-US" sz="3200" dirty="0"/>
+          </a:p>
+        </p:txBody>
+      </p:sp>
+      <p:pic>
+        <p:nvPicPr>
+          <p:cNvPr id="5" name="그림 4"/>
+          <p:cNvPicPr>
+            <a:picLocks noChangeAspect="1"/>
+          </p:cNvPicPr>
+          <p:nvPr/>
+        </p:nvPicPr>
+        <p:blipFill rotWithShape="1">
+          <a:blip r:embed="rId2"/>
+          <a:srcRect l="8263" t="44968" r="64962" b="32390"/>
+          <a:stretch/>
+        </p:blipFill>
+        <p:spPr>
+          <a:xfrm>
+            <a:off x="1691680" y="1670034"/>
+            <a:ext cx="5472608" cy="1448632"/>
+          </a:xfrm>
+          <a:prstGeom prst="rect">
+            <a:avLst/>
+          </a:prstGeom>
+        </p:spPr>
+      </p:pic>
+      <p:pic>
+        <p:nvPicPr>
+          <p:cNvPr id="6" name="그림 5"/>
+          <p:cNvPicPr>
+            <a:picLocks noChangeAspect="1"/>
+          </p:cNvPicPr>
+          <p:nvPr/>
+        </p:nvPicPr>
+        <p:blipFill rotWithShape="1">
+          <a:blip r:embed="rId3"/>
+          <a:srcRect l="7875" t="47800" r="64562" b="29558"/>
+          <a:stretch/>
+        </p:blipFill>
+        <p:spPr>
+          <a:xfrm>
+            <a:off x="1619672" y="3265094"/>
+            <a:ext cx="5856066" cy="1505846"/>
+          </a:xfrm>
+          <a:prstGeom prst="rect">
+            <a:avLst/>
+          </a:prstGeom>
+        </p:spPr>
+      </p:pic>
+      <p:pic>
+        <p:nvPicPr>
+          <p:cNvPr id="7" name="그림 6"/>
+          <p:cNvPicPr>
+            <a:picLocks noChangeAspect="1"/>
+          </p:cNvPicPr>
+          <p:nvPr/>
+        </p:nvPicPr>
+        <p:blipFill rotWithShape="1">
+          <a:blip r:embed="rId4"/>
+          <a:srcRect l="7384" t="50316" r="65841" b="24527"/>
+          <a:stretch/>
+        </p:blipFill>
+        <p:spPr>
+          <a:xfrm>
+            <a:off x="1643090" y="5013176"/>
+            <a:ext cx="5832648" cy="1715485"/>
+          </a:xfrm>
+          <a:prstGeom prst="rect">
+            <a:avLst/>
+          </a:prstGeom>
+        </p:spPr>
+      </p:pic>
+    </p:spTree>
+    <p:extLst>
+      <p:ext uri="{BB962C8B-B14F-4D97-AF65-F5344CB8AC3E}">
+        <p14:creationId xmlns:p14="http://schemas.microsoft.com/office/powerpoint/2010/main" val="2095676013"/>
+      </p:ext>
+    </p:extLst>
+  </p:cSld>
+  <p:clrMapOvr>
+    <a:masterClrMapping/>
+  </p:clrMapOvr>
+</p:sld>
+</file>
+
+<file path=ppt/slides/slide47.xml><?xml version="1.0" encoding="utf-8"?>
+<p:sld xmlns:a="http://schemas.openxmlformats.org/drawingml/2006/main" xmlns:r="http://schemas.openxmlformats.org/officeDocument/2006/relationships" xmlns:p="http://schemas.openxmlformats.org/presentationml/2006/main">
+  <p:cSld>
+    <p:spTree>
+      <p:nvGrpSpPr>
+        <p:cNvPr id="1" name=""/>
+        <p:cNvGrpSpPr/>
+        <p:nvPr/>
+      </p:nvGrpSpPr>
+      <p:grpSpPr>
+        <a:xfrm>
+          <a:off x="0" y="0"/>
+          <a:ext cx="0" cy="0"/>
+          <a:chOff x="0" y="0"/>
+          <a:chExt cx="0" cy="0"/>
+        </a:xfrm>
+      </p:grpSpPr>
+      <p:sp>
+        <p:nvSpPr>
+          <p:cNvPr id="2" name="제목 1"/>
+          <p:cNvSpPr>
+            <a:spLocks noGrp="1"/>
+          </p:cNvSpPr>
+          <p:nvPr>
+            <p:ph type="title"/>
+          </p:nvPr>
+        </p:nvSpPr>
+        <p:spPr/>
+        <p:txBody>
+          <a:bodyPr/>
+          <a:lstStyle/>
+          <a:p>
+            <a:r>
+              <a:rPr lang="en-US" altLang="ko-KR" sz="3600" dirty="0"/>
+              <a:t>examples of using the warp shuffling</a:t>
+            </a:r>
+            <a:endParaRPr lang="ko-KR" altLang="en-US" sz="3600" dirty="0"/>
+          </a:p>
+        </p:txBody>
+      </p:sp>
+      <p:sp>
+        <p:nvSpPr>
+          <p:cNvPr id="3" name="내용 개체 틀 2"/>
+          <p:cNvSpPr>
+            <a:spLocks noGrp="1"/>
+          </p:cNvSpPr>
+          <p:nvPr>
+            <p:ph idx="1"/>
+          </p:nvPr>
+        </p:nvSpPr>
+        <p:spPr/>
+        <p:txBody>
+          <a:bodyPr/>
+          <a:lstStyle/>
+          <a:p>
+            <a:r>
+              <a:rPr lang="en-US" altLang="ko-KR" sz="2800" dirty="0"/>
+              <a:t>Shuffle instruction can be applied to the three integer variable types:</a:t>
+            </a:r>
+          </a:p>
+          <a:p>
+            <a:pPr marL="0" indent="0">
+              <a:buNone/>
+            </a:pPr>
+            <a:r>
+              <a:rPr lang="en-US" altLang="ko-KR" sz="2800" dirty="0"/>
+              <a:t>	Scalar variable,</a:t>
+            </a:r>
+          </a:p>
+          <a:p>
+            <a:pPr marL="0" indent="0">
+              <a:buNone/>
+            </a:pPr>
+            <a:r>
+              <a:rPr lang="en-US" altLang="ko-KR" sz="2800" dirty="0"/>
+              <a:t>	Array,</a:t>
+            </a:r>
+          </a:p>
+          <a:p>
+            <a:pPr marL="0" indent="0">
+              <a:buNone/>
+            </a:pPr>
+            <a:r>
+              <a:rPr lang="en-US" altLang="ko-KR" sz="2800" dirty="0"/>
+              <a:t>	Vector-typed variable.</a:t>
+            </a:r>
+          </a:p>
+          <a:p>
+            <a:pPr marL="0" indent="0">
+              <a:buNone/>
+            </a:pPr>
+            <a:endParaRPr lang="ko-KR" altLang="en-US" sz="2800" dirty="0"/>
+          </a:p>
+        </p:txBody>
+      </p:sp>
+    </p:spTree>
+    <p:extLst>
+      <p:ext uri="{BB962C8B-B14F-4D97-AF65-F5344CB8AC3E}">
+        <p14:creationId xmlns:p14="http://schemas.microsoft.com/office/powerpoint/2010/main" val="2602869323"/>
+      </p:ext>
+    </p:extLst>
+  </p:cSld>
+  <p:clrMapOvr>
+    <a:masterClrMapping/>
+  </p:clrMapOvr>
+</p:sld>
+</file>
+
+<file path=ppt/slides/slide48.xml><?xml version="1.0" encoding="utf-8"?>
+<p:sld xmlns:a="http://schemas.openxmlformats.org/drawingml/2006/main" xmlns:r="http://schemas.openxmlformats.org/officeDocument/2006/relationships" xmlns:p="http://schemas.openxmlformats.org/presentationml/2006/main">
+  <p:cSld>
+    <p:spTree>
+      <p:nvGrpSpPr>
+        <p:cNvPr id="1" name=""/>
+        <p:cNvGrpSpPr/>
+        <p:nvPr/>
+      </p:nvGrpSpPr>
+      <p:grpSpPr>
+        <a:xfrm>
+          <a:off x="0" y="0"/>
+          <a:ext cx="0" cy="0"/>
+          <a:chOff x="0" y="0"/>
+          <a:chExt cx="0" cy="0"/>
+        </a:xfrm>
+      </p:grpSpPr>
+      <p:sp>
+        <p:nvSpPr>
+          <p:cNvPr id="2" name="제목 1"/>
+          <p:cNvSpPr>
+            <a:spLocks noGrp="1"/>
+          </p:cNvSpPr>
+          <p:nvPr>
+            <p:ph type="title"/>
+          </p:nvPr>
+        </p:nvSpPr>
+        <p:spPr>
+          <a:xfrm>
+            <a:off x="539552" y="40"/>
+            <a:ext cx="8229600" cy="960438"/>
+          </a:xfrm>
+        </p:spPr>
+        <p:txBody>
+          <a:bodyPr/>
+          <a:lstStyle/>
+          <a:p>
+            <a:r>
+              <a:rPr lang="en-US" altLang="ko-KR" dirty="0"/>
+              <a:t>Homework#3( </a:t>
+            </a:r>
+            <a:r>
+              <a:rPr lang="en-US" altLang="ko-KR" dirty="0">
+                <a:solidFill>
+                  <a:srgbClr val="FF0000"/>
+                </a:solidFill>
+              </a:rPr>
+              <a:t>Due: April 13 </a:t>
+            </a:r>
+            <a:r>
+              <a:rPr lang="en-US" altLang="ko-KR" dirty="0"/>
+              <a:t>)</a:t>
+            </a:r>
+            <a:endParaRPr lang="ko-KR" altLang="en-US" dirty="0"/>
+          </a:p>
+        </p:txBody>
+      </p:sp>
+      <p:sp>
+        <p:nvSpPr>
+          <p:cNvPr id="3" name="내용 개체 틀 2"/>
+          <p:cNvSpPr>
+            <a:spLocks noGrp="1"/>
+          </p:cNvSpPr>
+          <p:nvPr>
+            <p:ph idx="1"/>
+          </p:nvPr>
+        </p:nvSpPr>
+        <p:spPr>
+          <a:xfrm>
+            <a:off x="179512" y="737320"/>
+            <a:ext cx="9433048" cy="6120680"/>
+          </a:xfrm>
+        </p:spPr>
+        <p:txBody>
+          <a:bodyPr/>
+          <a:lstStyle/>
+          <a:p>
+            <a:pPr marL="0" indent="0">
+              <a:buNone/>
+            </a:pPr>
+            <a:r>
+              <a:rPr lang="en-US" altLang="ko-KR" sz="2000" b="1" dirty="0"/>
+              <a:t>The square matrices A,B and C have following relation:</a:t>
+            </a:r>
+          </a:p>
+          <a:p>
+            <a:pPr marL="0" indent="0">
+              <a:buNone/>
+            </a:pPr>
+            <a:r>
+              <a:rPr lang="en-US" altLang="ko-KR" sz="2000" b="1" dirty="0"/>
+              <a:t> C=A x B, where the column size is NY and row size is NX( in his case NX=NY).</a:t>
+            </a:r>
+          </a:p>
+          <a:p>
+            <a:pPr marL="0" indent="0">
+              <a:buNone/>
+            </a:pPr>
+            <a:r>
+              <a:rPr lang="en-US" altLang="ko-KR" sz="2000" b="1" dirty="0"/>
+              <a:t>The matrix multiplication in C is given below:</a:t>
+            </a:r>
+          </a:p>
+          <a:p>
+            <a:pPr marL="0" indent="0">
+              <a:buNone/>
+            </a:pPr>
+            <a:endParaRPr lang="en-US" altLang="ko-KR" sz="2000" b="1" dirty="0"/>
+          </a:p>
+          <a:p>
+            <a:pPr marL="0" indent="0">
+              <a:buNone/>
+            </a:pPr>
+            <a:r>
+              <a:rPr lang="en-US" altLang="ko-KR" sz="2000" b="1" dirty="0"/>
+              <a:t> void </a:t>
+            </a:r>
+            <a:r>
+              <a:rPr lang="en-US" altLang="ko-KR" sz="2000" b="1" dirty="0" err="1"/>
+              <a:t>matricMul</a:t>
+            </a:r>
+            <a:r>
+              <a:rPr lang="en-US" altLang="ko-KR" sz="2000" b="1" dirty="0"/>
+              <a:t>( </a:t>
+            </a:r>
+            <a:r>
+              <a:rPr lang="en-US" altLang="ko-KR" sz="2000" b="1" dirty="0" err="1"/>
+              <a:t>int</a:t>
+            </a:r>
+            <a:r>
+              <a:rPr lang="en-US" altLang="ko-KR" sz="2000" b="1" dirty="0"/>
+              <a:t> *A, </a:t>
+            </a:r>
+            <a:r>
+              <a:rPr lang="en-US" altLang="ko-KR" sz="2000" b="1" dirty="0" err="1"/>
+              <a:t>int</a:t>
+            </a:r>
+            <a:r>
+              <a:rPr lang="en-US" altLang="ko-KR" sz="2000" b="1" dirty="0"/>
+              <a:t> *B, </a:t>
+            </a:r>
+            <a:r>
+              <a:rPr lang="en-US" altLang="ko-KR" sz="2000" b="1" dirty="0" err="1"/>
+              <a:t>int</a:t>
+            </a:r>
+            <a:r>
+              <a:rPr lang="en-US" altLang="ko-KR" sz="2000" b="1" dirty="0"/>
+              <a:t> *C, </a:t>
+            </a:r>
+            <a:r>
+              <a:rPr lang="en-US" altLang="ko-KR" sz="2000" b="1" dirty="0" err="1"/>
+              <a:t>int</a:t>
+            </a:r>
+            <a:r>
+              <a:rPr lang="en-US" altLang="ko-KR" sz="2000" b="1" dirty="0"/>
+              <a:t> size){</a:t>
+            </a:r>
+          </a:p>
+          <a:p>
+            <a:pPr marL="0" indent="0">
+              <a:buNone/>
+            </a:pPr>
+            <a:r>
+              <a:rPr lang="en-US" altLang="ko-KR" sz="2000" b="1" dirty="0"/>
+              <a:t>	for(</a:t>
+            </a:r>
+            <a:r>
+              <a:rPr lang="en-US" altLang="ko-KR" sz="2000" b="1" dirty="0" err="1"/>
+              <a:t>int</a:t>
+            </a:r>
+            <a:r>
+              <a:rPr lang="en-US" altLang="ko-KR" sz="2000" b="1" dirty="0"/>
+              <a:t> col=0; col &lt;size; col++){</a:t>
+            </a:r>
+          </a:p>
+          <a:p>
+            <a:pPr marL="0" indent="0">
+              <a:buNone/>
+            </a:pPr>
+            <a:r>
+              <a:rPr lang="en-US" altLang="ko-KR" sz="2000" b="1" dirty="0"/>
+              <a:t>		for(</a:t>
+            </a:r>
+            <a:r>
+              <a:rPr lang="en-US" altLang="ko-KR" sz="2000" b="1" dirty="0" err="1"/>
+              <a:t>int</a:t>
+            </a:r>
+            <a:r>
+              <a:rPr lang="en-US" altLang="ko-KR" sz="2000" b="1" dirty="0"/>
+              <a:t> row=0; row &lt;size; row++){</a:t>
+            </a:r>
+          </a:p>
+          <a:p>
+            <a:pPr marL="0" indent="0">
+              <a:buNone/>
+            </a:pPr>
+            <a:r>
+              <a:rPr lang="en-US" altLang="ko-KR" sz="2000" b="1" dirty="0"/>
+              <a:t>			</a:t>
+            </a:r>
+            <a:r>
+              <a:rPr lang="en-US" altLang="ko-KR" sz="2000" b="1" dirty="0" err="1"/>
+              <a:t>int</a:t>
+            </a:r>
+            <a:r>
+              <a:rPr lang="en-US" altLang="ko-KR" sz="2000" b="1" dirty="0"/>
+              <a:t> </a:t>
+            </a:r>
+            <a:r>
+              <a:rPr lang="en-US" altLang="ko-KR" sz="2000" b="1" dirty="0" err="1"/>
+              <a:t>outidx</a:t>
+            </a:r>
+            <a:r>
+              <a:rPr lang="en-US" altLang="ko-KR" sz="2000" b="1" dirty="0"/>
+              <a:t>=col*size +row;</a:t>
+            </a:r>
+          </a:p>
+          <a:p>
+            <a:pPr marL="0" indent="0">
+              <a:buNone/>
+            </a:pPr>
+            <a:r>
+              <a:rPr lang="en-US" altLang="ko-KR" sz="2000" b="1" dirty="0"/>
+              <a:t>			for( </a:t>
+            </a:r>
+            <a:r>
+              <a:rPr lang="en-US" altLang="ko-KR" sz="2000" b="1" dirty="0" err="1"/>
+              <a:t>int</a:t>
+            </a:r>
+            <a:r>
+              <a:rPr lang="en-US" altLang="ko-KR" sz="2000" b="1" dirty="0"/>
+              <a:t> </a:t>
+            </a:r>
+            <a:r>
+              <a:rPr lang="en-US" altLang="ko-KR" sz="2000" b="1" dirty="0" err="1"/>
+              <a:t>idx</a:t>
+            </a:r>
+            <a:r>
+              <a:rPr lang="en-US" altLang="ko-KR" sz="2000" b="1" dirty="0"/>
+              <a:t>=0; </a:t>
+            </a:r>
+            <a:r>
+              <a:rPr lang="en-US" altLang="ko-KR" sz="2000" b="1" dirty="0" err="1"/>
+              <a:t>idx</a:t>
+            </a:r>
+            <a:r>
+              <a:rPr lang="en-US" altLang="ko-KR" sz="2000" b="1" dirty="0"/>
+              <a:t> &lt; size; </a:t>
+            </a:r>
+            <a:r>
+              <a:rPr lang="en-US" altLang="ko-KR" sz="2000" b="1" dirty="0" err="1"/>
+              <a:t>idx</a:t>
+            </a:r>
+            <a:r>
+              <a:rPr lang="en-US" altLang="ko-KR" sz="2000" b="1" dirty="0"/>
+              <a:t>++){</a:t>
+            </a:r>
+          </a:p>
+          <a:p>
+            <a:pPr marL="0" indent="0">
+              <a:buNone/>
+            </a:pPr>
+            <a:r>
+              <a:rPr lang="en-US" altLang="ko-KR" sz="2000" b="1" dirty="0"/>
+              <a:t>				C[</a:t>
+            </a:r>
+            <a:r>
+              <a:rPr lang="en-US" altLang="ko-KR" sz="2000" b="1" dirty="0" err="1"/>
+              <a:t>outidx</a:t>
+            </a:r>
+            <a:r>
+              <a:rPr lang="en-US" altLang="ko-KR" sz="2000" b="1" dirty="0"/>
+              <a:t>] +=A[col*</a:t>
+            </a:r>
+            <a:r>
+              <a:rPr lang="en-US" altLang="ko-KR" sz="2000" b="1" dirty="0" err="1"/>
+              <a:t>size+idx</a:t>
+            </a:r>
+            <a:r>
+              <a:rPr lang="en-US" altLang="ko-KR" sz="2000" b="1" dirty="0"/>
+              <a:t>]*B[</a:t>
+            </a:r>
+            <a:r>
+              <a:rPr lang="en-US" altLang="ko-KR" sz="2000" b="1" dirty="0" err="1"/>
+              <a:t>idx</a:t>
+            </a:r>
+            <a:r>
+              <a:rPr lang="en-US" altLang="ko-KR" sz="2000" b="1" dirty="0"/>
+              <a:t>*</a:t>
+            </a:r>
+            <a:r>
+              <a:rPr lang="en-US" altLang="ko-KR" sz="2000" b="1" dirty="0" err="1"/>
+              <a:t>size+row</a:t>
+            </a:r>
+            <a:r>
+              <a:rPr lang="en-US" altLang="ko-KR" sz="2000" b="1" dirty="0"/>
+              <a:t>];}</a:t>
+            </a:r>
+          </a:p>
+          <a:p>
+            <a:pPr marL="0" indent="0">
+              <a:buNone/>
+            </a:pPr>
+            <a:r>
+              <a:rPr lang="en-US" altLang="ko-KR" sz="2000" b="1" dirty="0"/>
+              <a:t>		}</a:t>
+            </a:r>
+          </a:p>
+          <a:p>
+            <a:pPr marL="0" indent="0">
+              <a:buNone/>
+            </a:pPr>
+            <a:r>
+              <a:rPr lang="en-US" altLang="ko-KR" sz="2000" b="1" dirty="0"/>
+              <a:t>	}		</a:t>
+            </a:r>
+          </a:p>
+          <a:p>
+            <a:pPr marL="0" indent="0">
+              <a:buNone/>
+            </a:pPr>
+            <a:r>
+              <a:rPr lang="en-US" altLang="ko-KR" sz="1800" b="1" dirty="0"/>
+              <a:t> }</a:t>
+            </a:r>
+          </a:p>
+          <a:p>
+            <a:pPr marL="0" indent="0">
+              <a:buNone/>
+            </a:pPr>
+            <a:r>
+              <a:rPr lang="en-US" altLang="ko-KR" sz="1800" b="1" dirty="0"/>
+              <a:t> </a:t>
+            </a:r>
+          </a:p>
+          <a:p>
+            <a:pPr marL="0" indent="0">
+              <a:buNone/>
+            </a:pPr>
+            <a:r>
+              <a:rPr lang="en-US" altLang="ko-KR" sz="1800" b="1" dirty="0"/>
+              <a:t>Remark: A,B,C are square matrices represented in 1D row-major linear address memory.</a:t>
+            </a:r>
+          </a:p>
+          <a:p>
+            <a:pPr marL="0" indent="0">
+              <a:buNone/>
+            </a:pPr>
+            <a:endParaRPr lang="en-US" altLang="ko-KR" b="1" dirty="0"/>
+          </a:p>
+        </p:txBody>
+      </p:sp>
+    </p:spTree>
+    <p:extLst>
+      <p:ext uri="{BB962C8B-B14F-4D97-AF65-F5344CB8AC3E}">
+        <p14:creationId xmlns:p14="http://schemas.microsoft.com/office/powerpoint/2010/main" val="3788678974"/>
+      </p:ext>
+    </p:extLst>
+  </p:cSld>
+  <p:clrMapOvr>
+    <a:masterClrMapping/>
+  </p:clrMapOvr>
+</p:sld>
+</file>
+
+<file path=ppt/slides/slide49.xml><?xml version="1.0" encoding="utf-8"?>
+<p:sld xmlns:a="http://schemas.openxmlformats.org/drawingml/2006/main" xmlns:r="http://schemas.openxmlformats.org/officeDocument/2006/relationships" xmlns:p="http://schemas.openxmlformats.org/presentationml/2006/main">
+  <p:cSld>
+    <p:spTree>
+      <p:nvGrpSpPr>
+        <p:cNvPr id="1" name=""/>
+        <p:cNvGrpSpPr/>
+        <p:nvPr/>
+      </p:nvGrpSpPr>
+      <p:grpSpPr>
+        <a:xfrm>
+          <a:off x="0" y="0"/>
+          <a:ext cx="0" cy="0"/>
+          <a:chOff x="0" y="0"/>
+          <a:chExt cx="0" cy="0"/>
+        </a:xfrm>
+      </p:grpSpPr>
+      <p:sp>
+        <p:nvSpPr>
+          <p:cNvPr id="2" name="제목 1"/>
+          <p:cNvSpPr>
+            <a:spLocks noGrp="1"/>
+          </p:cNvSpPr>
+          <p:nvPr>
+            <p:ph type="title"/>
+          </p:nvPr>
+        </p:nvSpPr>
+        <p:spPr>
+          <a:xfrm>
+            <a:off x="467544" y="-243408"/>
+            <a:ext cx="8229600" cy="960438"/>
+          </a:xfrm>
+        </p:spPr>
+        <p:txBody>
+          <a:bodyPr/>
+          <a:lstStyle/>
+          <a:p>
+            <a:r>
+              <a:rPr lang="en-US" altLang="ko-KR" dirty="0"/>
+              <a:t>Matrix </a:t>
+            </a:r>
+            <a:r>
+              <a:rPr lang="en-US" altLang="ko-KR" dirty="0" err="1"/>
+              <a:t>Multilication</a:t>
+            </a:r>
+            <a:endParaRPr lang="ko-KR" altLang="en-US" dirty="0"/>
+          </a:p>
+        </p:txBody>
+      </p:sp>
+      <p:sp>
+        <p:nvSpPr>
+          <p:cNvPr id="3" name="내용 개체 틀 2"/>
+          <p:cNvSpPr>
+            <a:spLocks noGrp="1"/>
+          </p:cNvSpPr>
+          <p:nvPr>
+            <p:ph idx="1"/>
+          </p:nvPr>
+        </p:nvSpPr>
+        <p:spPr>
+          <a:xfrm>
+            <a:off x="467544" y="548680"/>
+            <a:ext cx="8229600" cy="6048672"/>
+          </a:xfrm>
+        </p:spPr>
+        <p:txBody>
+          <a:bodyPr/>
+          <a:lstStyle/>
+          <a:p>
+            <a:pPr marL="0" indent="0">
+              <a:buNone/>
+            </a:pPr>
+            <a:r>
+              <a:rPr lang="en-US" altLang="ko-KR" sz="2000" b="1" dirty="0"/>
+              <a:t>Problem 1:</a:t>
+            </a:r>
+          </a:p>
+          <a:p>
+            <a:pPr marL="0" indent="0">
+              <a:buNone/>
+            </a:pPr>
+            <a:r>
+              <a:rPr lang="en-US" altLang="ko-KR" sz="2000" b="1" dirty="0"/>
+              <a:t>Make your CUDA  program that uses only global memory on 2D grid and 2D blocks where:</a:t>
+            </a:r>
+          </a:p>
+          <a:p>
+            <a:pPr marL="0" indent="0">
+              <a:buNone/>
+            </a:pPr>
+            <a:r>
+              <a:rPr lang="en-US" altLang="ko-KR" sz="2000" b="1" dirty="0"/>
+              <a:t>	</a:t>
+            </a:r>
+            <a:r>
+              <a:rPr lang="en-US" altLang="ko-KR" sz="2000" b="1" dirty="0" err="1"/>
+              <a:t>int</a:t>
+            </a:r>
+            <a:r>
+              <a:rPr lang="en-US" altLang="ko-KR" sz="2000" b="1" dirty="0"/>
+              <a:t> </a:t>
+            </a:r>
+            <a:r>
+              <a:rPr lang="en-US" altLang="ko-KR" sz="2000" b="1" dirty="0" err="1"/>
+              <a:t>nx</a:t>
+            </a:r>
+            <a:r>
+              <a:rPr lang="en-US" altLang="ko-KR" sz="2000" b="1" dirty="0"/>
+              <a:t>=15000;</a:t>
+            </a:r>
+          </a:p>
+          <a:p>
+            <a:pPr marL="0" indent="0">
+              <a:buNone/>
+            </a:pPr>
+            <a:r>
+              <a:rPr lang="en-US" altLang="ko-KR" sz="2000" b="1" dirty="0"/>
+              <a:t>	</a:t>
+            </a:r>
+            <a:r>
+              <a:rPr lang="en-US" altLang="ko-KR" sz="2000" b="1" dirty="0" err="1"/>
+              <a:t>int</a:t>
+            </a:r>
+            <a:r>
+              <a:rPr lang="en-US" altLang="ko-KR" sz="2000" b="1" dirty="0"/>
+              <a:t> </a:t>
+            </a:r>
+            <a:r>
+              <a:rPr lang="en-US" altLang="ko-KR" sz="2000" b="1" dirty="0" err="1"/>
+              <a:t>ny</a:t>
+            </a:r>
+            <a:r>
+              <a:rPr lang="en-US" altLang="ko-KR" sz="2000" b="1" dirty="0"/>
+              <a:t>=15000;</a:t>
+            </a:r>
+          </a:p>
+          <a:p>
+            <a:pPr marL="0" indent="0">
+              <a:buNone/>
+            </a:pPr>
+            <a:r>
+              <a:rPr lang="en-US" altLang="ko-KR" sz="2000" b="1" dirty="0"/>
+              <a:t>	</a:t>
+            </a:r>
+            <a:r>
+              <a:rPr lang="en-US" altLang="ko-KR" sz="2000" b="1" dirty="0" err="1"/>
+              <a:t>int</a:t>
+            </a:r>
+            <a:r>
+              <a:rPr lang="en-US" altLang="ko-KR" sz="2000" b="1" dirty="0"/>
+              <a:t> </a:t>
+            </a:r>
+            <a:r>
+              <a:rPr lang="en-US" altLang="ko-KR" sz="2000" b="1" dirty="0" err="1"/>
+              <a:t>dimx</a:t>
+            </a:r>
+            <a:r>
+              <a:rPr lang="en-US" altLang="ko-KR" sz="2000" b="1" dirty="0"/>
+              <a:t>=32;</a:t>
+            </a:r>
+          </a:p>
+          <a:p>
+            <a:pPr marL="0" indent="0">
+              <a:buNone/>
+            </a:pPr>
+            <a:r>
+              <a:rPr lang="en-US" altLang="ko-KR" sz="2000" b="1" dirty="0"/>
+              <a:t>	</a:t>
+            </a:r>
+            <a:r>
+              <a:rPr lang="en-US" altLang="ko-KR" sz="2000" b="1" dirty="0" err="1"/>
+              <a:t>int</a:t>
+            </a:r>
+            <a:r>
+              <a:rPr lang="en-US" altLang="ko-KR" sz="2000" b="1" dirty="0"/>
+              <a:t> </a:t>
+            </a:r>
+            <a:r>
+              <a:rPr lang="en-US" altLang="ko-KR" sz="2000" b="1" dirty="0" err="1"/>
+              <a:t>dimy</a:t>
+            </a:r>
+            <a:r>
+              <a:rPr lang="en-US" altLang="ko-KR" sz="2000" b="1" dirty="0"/>
+              <a:t>=32;</a:t>
+            </a:r>
+          </a:p>
+          <a:p>
+            <a:pPr marL="0" indent="0">
+              <a:buNone/>
+            </a:pPr>
+            <a:r>
+              <a:rPr lang="en-US" altLang="ko-KR" sz="2000" b="1" dirty="0"/>
+              <a:t>	 dim3 block(</a:t>
+            </a:r>
+            <a:r>
+              <a:rPr lang="en-US" altLang="ko-KR" sz="2000" b="1" dirty="0" err="1"/>
+              <a:t>dimx,dimy</a:t>
+            </a:r>
+            <a:r>
+              <a:rPr lang="en-US" altLang="ko-KR" sz="2000" b="1" dirty="0"/>
+              <a:t>); //block dimension (32,32)</a:t>
+            </a:r>
+          </a:p>
+          <a:p>
+            <a:pPr marL="0" indent="0">
+              <a:buNone/>
+            </a:pPr>
+            <a:r>
+              <a:rPr lang="en-US" altLang="ko-KR" sz="2000" b="1" dirty="0"/>
+              <a:t>	dim3 grid((</a:t>
+            </a:r>
+            <a:r>
+              <a:rPr lang="en-US" altLang="ko-KR" sz="2000" b="1" dirty="0" err="1"/>
+              <a:t>nx</a:t>
+            </a:r>
+            <a:r>
+              <a:rPr lang="en-US" altLang="ko-KR" sz="2000" b="1" dirty="0"/>
+              <a:t> + block.x-1)/</a:t>
+            </a:r>
+            <a:r>
+              <a:rPr lang="en-US" altLang="ko-KR" sz="2000" b="1" dirty="0" err="1"/>
+              <a:t>block.x</a:t>
+            </a:r>
+            <a:r>
+              <a:rPr lang="en-US" altLang="ko-KR" sz="2000" b="1" dirty="0"/>
+              <a:t>, (ny+block.y-1)/</a:t>
+            </a:r>
+            <a:r>
+              <a:rPr lang="en-US" altLang="ko-KR" sz="2000" b="1" dirty="0" err="1"/>
+              <a:t>block.y</a:t>
+            </a:r>
+            <a:r>
+              <a:rPr lang="en-US" altLang="ko-KR" sz="2000" b="1" dirty="0"/>
+              <a:t>);</a:t>
+            </a:r>
+          </a:p>
+          <a:p>
+            <a:pPr marL="0" indent="0">
+              <a:buNone/>
+            </a:pPr>
+            <a:r>
+              <a:rPr lang="en-US" altLang="ko-KR" sz="2000" b="1" dirty="0"/>
+              <a:t>	Generate the matrix A and B treating them as </a:t>
+            </a:r>
+            <a:r>
+              <a:rPr lang="en-US" altLang="ko-KR" sz="2000" b="1" dirty="0" err="1"/>
+              <a:t>linerar</a:t>
+            </a:r>
+            <a:r>
+              <a:rPr lang="en-US" altLang="ko-KR" sz="2000" b="1" dirty="0"/>
+              <a:t> array:</a:t>
+            </a:r>
+          </a:p>
+          <a:p>
+            <a:pPr marL="0" indent="0">
+              <a:buNone/>
+            </a:pPr>
+            <a:r>
+              <a:rPr lang="en-US" altLang="ko-KR" sz="2000" b="1" dirty="0"/>
+              <a:t>//Data input</a:t>
+            </a:r>
+            <a:endParaRPr lang="ko-KR" altLang="en-US" sz="2000" b="1" dirty="0"/>
+          </a:p>
+          <a:p>
+            <a:pPr marL="0" indent="0">
+              <a:buNone/>
+            </a:pPr>
+            <a:r>
+              <a:rPr lang="nn-NO" altLang="ko-KR" sz="2000" b="1" dirty="0"/>
+              <a:t>for( int i = 0; i &lt; size; i++)</a:t>
+            </a:r>
+            <a:r>
+              <a:rPr lang="en-US" altLang="ko-KR" sz="2000" b="1" dirty="0"/>
+              <a:t>{</a:t>
+            </a:r>
+          </a:p>
+          <a:p>
+            <a:pPr marL="0" indent="0">
+              <a:buNone/>
+            </a:pPr>
+            <a:r>
+              <a:rPr lang="en-US" altLang="ko-KR" sz="2000" b="1" dirty="0"/>
+              <a:t>	A[i] = i %1000; //input</a:t>
+            </a:r>
+          </a:p>
+          <a:p>
+            <a:pPr marL="0" indent="0">
+              <a:buNone/>
+            </a:pPr>
+            <a:r>
+              <a:rPr lang="en-US" altLang="ko-KR" sz="2000" b="1" dirty="0"/>
+              <a:t>	B[i] =  i %1000; // input</a:t>
+            </a:r>
+          </a:p>
+          <a:p>
+            <a:pPr marL="0" indent="0">
+              <a:buNone/>
+            </a:pPr>
+            <a:r>
+              <a:rPr lang="en-US" altLang="ko-KR" sz="2000" b="1" dirty="0"/>
+              <a:t>	C[i] = 0;//output   }</a:t>
+            </a:r>
+          </a:p>
+          <a:p>
+            <a:pPr marL="0" indent="0">
+              <a:buNone/>
+            </a:pPr>
+            <a:endParaRPr lang="ko-KR" altLang="en-US" sz="2000" dirty="0"/>
+          </a:p>
+        </p:txBody>
+      </p:sp>
+    </p:spTree>
+    <p:extLst>
+      <p:ext uri="{BB962C8B-B14F-4D97-AF65-F5344CB8AC3E}">
+        <p14:creationId xmlns:p14="http://schemas.microsoft.com/office/powerpoint/2010/main" val="3550947858"/>
+      </p:ext>
+    </p:extLst>
+  </p:cSld>
+  <p:clrMapOvr>
+    <a:masterClrMapping/>
+  </p:clrMapOvr>
+</p:sld>
+</file>
+
+<file path=ppt/slides/slide5.xml><?xml version="1.0" encoding="utf-8"?>
+<p:sld xmlns:a="http://schemas.openxmlformats.org/drawingml/2006/main" xmlns:r="http://schemas.openxmlformats.org/officeDocument/2006/relationships" xmlns:p="http://schemas.openxmlformats.org/presentationml/2006/main">
+  <p:cSld>
+    <p:spTree>
+      <p:nvGrpSpPr>
+        <p:cNvPr id="1" name=""/>
+        <p:cNvGrpSpPr/>
+        <p:nvPr/>
+      </p:nvGrpSpPr>
+      <p:grpSpPr>
+        <a:xfrm>
+          <a:off x="0" y="0"/>
+          <a:ext cx="0" cy="0"/>
+          <a:chOff x="0" y="0"/>
+          <a:chExt cx="0" cy="0"/>
+        </a:xfrm>
+      </p:grpSpPr>
+      <p:sp>
+        <p:nvSpPr>
+          <p:cNvPr id="2" name="제목 1"/>
+          <p:cNvSpPr>
+            <a:spLocks noGrp="1"/>
+          </p:cNvSpPr>
+          <p:nvPr>
+            <p:ph type="title"/>
+          </p:nvPr>
+        </p:nvSpPr>
+        <p:spPr>
+          <a:xfrm>
+            <a:off x="467544" y="476672"/>
+            <a:ext cx="8229600" cy="960438"/>
+          </a:xfrm>
+        </p:spPr>
+        <p:txBody>
+          <a:bodyPr/>
+          <a:lstStyle/>
+          <a:p>
+            <a:r>
+              <a:rPr lang="en-US" altLang="ko-KR" dirty="0"/>
+              <a:t>Transaction</a:t>
+            </a:r>
+            <a:endParaRPr lang="ko-KR" altLang="en-US" dirty="0"/>
+          </a:p>
+        </p:txBody>
+      </p:sp>
+      <p:sp>
+        <p:nvSpPr>
+          <p:cNvPr id="3" name="내용 개체 틀 2"/>
+          <p:cNvSpPr>
+            <a:spLocks noGrp="1"/>
+          </p:cNvSpPr>
+          <p:nvPr>
+            <p:ph idx="1"/>
+          </p:nvPr>
+        </p:nvSpPr>
+        <p:spPr>
+          <a:xfrm>
+            <a:off x="457200" y="1600201"/>
+            <a:ext cx="8219256" cy="4493096"/>
+          </a:xfrm>
+        </p:spPr>
+        <p:txBody>
+          <a:bodyPr/>
+          <a:lstStyle/>
+          <a:p>
+            <a:r>
+              <a:rPr lang="en-US" altLang="ko-KR" sz="2400" dirty="0"/>
+              <a:t>Transaction processing: a processing that is divided into individual,  indivisible operations.</a:t>
+            </a:r>
+          </a:p>
+          <a:p>
+            <a:r>
+              <a:rPr lang="en-US" altLang="ko-KR" sz="2400" dirty="0"/>
+              <a:t>Transaction processing:</a:t>
+            </a:r>
+          </a:p>
+          <a:p>
+            <a:pPr lvl="1"/>
+            <a:r>
+              <a:rPr lang="en-US" altLang="ko-KR" sz="2000" dirty="0"/>
+              <a:t>BEGIN_TRANACTION</a:t>
+            </a:r>
+          </a:p>
+          <a:p>
+            <a:pPr marL="457200" lvl="1" indent="0">
+              <a:buNone/>
+            </a:pPr>
+            <a:r>
+              <a:rPr lang="en-US" altLang="ko-KR" sz="2000" dirty="0"/>
+              <a:t>    	reserve Seoul-Tokyo;</a:t>
+            </a:r>
+          </a:p>
+          <a:p>
+            <a:pPr marL="457200" lvl="1" indent="0">
+              <a:buNone/>
+            </a:pPr>
+            <a:r>
+              <a:rPr lang="en-US" altLang="ko-KR" sz="2000" dirty="0"/>
+              <a:t>	reserve Tokyo-Rio;</a:t>
+            </a:r>
+          </a:p>
+          <a:p>
+            <a:pPr marL="457200" lvl="1" indent="0">
+              <a:buNone/>
+            </a:pPr>
+            <a:r>
+              <a:rPr lang="en-US" altLang="ko-KR" sz="2000" dirty="0"/>
+              <a:t> 	reserve Rio-</a:t>
+            </a:r>
+            <a:r>
+              <a:rPr lang="en-US" altLang="ko-KR" sz="2000" dirty="0" err="1"/>
+              <a:t>Bouenos</a:t>
+            </a:r>
+            <a:r>
+              <a:rPr lang="en-US" altLang="ko-KR" sz="2000" dirty="0"/>
+              <a:t>;</a:t>
+            </a:r>
+          </a:p>
+          <a:p>
+            <a:pPr marL="457200" lvl="1" indent="0">
+              <a:buNone/>
+            </a:pPr>
+            <a:r>
+              <a:rPr lang="en-US" altLang="ko-KR" sz="2000" dirty="0"/>
+              <a:t>   END_TRANSACTION</a:t>
+            </a:r>
+            <a:endParaRPr lang="ko-KR" altLang="en-US" sz="2000" dirty="0"/>
+          </a:p>
+        </p:txBody>
+      </p:sp>
+      <p:sp>
+        <p:nvSpPr>
+          <p:cNvPr id="5" name="TextBox 4"/>
+          <p:cNvSpPr txBox="1"/>
+          <p:nvPr/>
+        </p:nvSpPr>
+        <p:spPr>
+          <a:xfrm>
+            <a:off x="3635896" y="2951705"/>
+            <a:ext cx="5616624" cy="1631216"/>
+          </a:xfrm>
+          <a:prstGeom prst="rect">
+            <a:avLst/>
+          </a:prstGeom>
+          <a:noFill/>
+        </p:spPr>
+        <p:txBody>
+          <a:bodyPr wrap="square" rtlCol="0">
+            <a:spAutoFit/>
+          </a:bodyPr>
+          <a:lstStyle/>
+          <a:p>
+            <a:pPr lvl="1"/>
+            <a:r>
+              <a:rPr lang="en-US" altLang="ko-KR" sz="2000" dirty="0"/>
+              <a:t>BEGIN_TRANACTION</a:t>
+            </a:r>
+          </a:p>
+          <a:p>
+            <a:pPr lvl="1"/>
+            <a:r>
+              <a:rPr lang="en-US" altLang="ko-KR" sz="2000" dirty="0"/>
+              <a:t>    	reserve Seoul-Tokyo;</a:t>
+            </a:r>
+          </a:p>
+          <a:p>
+            <a:pPr lvl="1"/>
+            <a:r>
+              <a:rPr lang="en-US" altLang="ko-KR" sz="2000" dirty="0"/>
+              <a:t>	reserve Tokyo-Rio;</a:t>
+            </a:r>
+          </a:p>
+          <a:p>
+            <a:pPr lvl="1"/>
+            <a:r>
+              <a:rPr lang="en-US" altLang="ko-KR" sz="2000" dirty="0"/>
+              <a:t> 	reserve Rio-</a:t>
+            </a:r>
+            <a:r>
+              <a:rPr lang="en-US" altLang="ko-KR" sz="2000" dirty="0" err="1"/>
+              <a:t>Bouenos</a:t>
+            </a:r>
+            <a:r>
+              <a:rPr lang="en-US" altLang="ko-KR" sz="2000" dirty="0"/>
+              <a:t>: </a:t>
+            </a:r>
+            <a:r>
+              <a:rPr lang="en-US" altLang="ko-KR" sz="2000" dirty="0" err="1">
+                <a:solidFill>
+                  <a:srgbClr val="FF0000"/>
+                </a:solidFill>
+              </a:rPr>
+              <a:t>NotAvailable</a:t>
+            </a:r>
+            <a:r>
+              <a:rPr lang="en-US" altLang="ko-KR" sz="2000" dirty="0"/>
+              <a:t>;</a:t>
+            </a:r>
+          </a:p>
+          <a:p>
+            <a:pPr lvl="1"/>
+            <a:r>
+              <a:rPr lang="en-US" altLang="ko-KR" sz="2000" dirty="0"/>
+              <a:t>      =&gt; </a:t>
+            </a:r>
+            <a:r>
+              <a:rPr lang="en-US" altLang="ko-KR" sz="2000" dirty="0">
+                <a:solidFill>
+                  <a:srgbClr val="FF0000"/>
+                </a:solidFill>
+              </a:rPr>
+              <a:t>ABORT_TRANSACTION;</a:t>
+            </a:r>
+            <a:endParaRPr lang="ko-KR" altLang="en-US" sz="2000" dirty="0">
+              <a:solidFill>
+                <a:srgbClr val="FF0000"/>
+              </a:solidFill>
+            </a:endParaRPr>
+          </a:p>
+        </p:txBody>
+      </p:sp>
+    </p:spTree>
+    <p:extLst>
+      <p:ext uri="{BB962C8B-B14F-4D97-AF65-F5344CB8AC3E}">
+        <p14:creationId xmlns:p14="http://schemas.microsoft.com/office/powerpoint/2010/main" val="3749585122"/>
+      </p:ext>
+    </p:extLst>
+  </p:cSld>
+  <p:clrMapOvr>
+    <a:masterClrMapping/>
+  </p:clrMapOvr>
+</p:sld>
+</file>
+
+<file path=ppt/slides/slide50.xml><?xml version="1.0" encoding="utf-8"?>
+<p:sld xmlns:a="http://schemas.openxmlformats.org/drawingml/2006/main" xmlns:r="http://schemas.openxmlformats.org/officeDocument/2006/relationships" xmlns:p="http://schemas.openxmlformats.org/presentationml/2006/main">
+  <p:cSld>
+    <p:spTree>
+      <p:nvGrpSpPr>
+        <p:cNvPr id="1" name=""/>
+        <p:cNvGrpSpPr/>
+        <p:nvPr/>
+      </p:nvGrpSpPr>
+      <p:grpSpPr>
+        <a:xfrm>
+          <a:off x="0" y="0"/>
+          <a:ext cx="0" cy="0"/>
+          <a:chOff x="0" y="0"/>
+          <a:chExt cx="0" cy="0"/>
+        </a:xfrm>
+      </p:grpSpPr>
+      <p:sp>
+        <p:nvSpPr>
+          <p:cNvPr id="2" name="제목 1"/>
+          <p:cNvSpPr>
+            <a:spLocks noGrp="1"/>
+          </p:cNvSpPr>
+          <p:nvPr>
+            <p:ph type="title"/>
+          </p:nvPr>
+        </p:nvSpPr>
+        <p:spPr/>
+        <p:txBody>
+          <a:bodyPr/>
+          <a:lstStyle/>
+          <a:p>
+            <a:r>
               <a:rPr lang="en-US" altLang="ko-KR" dirty="0"/>
               <a:t>Matrix Multiplication</a:t>
             </a:r>
@@ -19580,7 +20864,7 @@
 </p:sld>
 </file>
 
-<file path=ppt/slides/slide47.xml><?xml version="1.0" encoding="utf-8"?>
+<file path=ppt/slides/slide51.xml><?xml version="1.0" encoding="utf-8"?>
 <p:sld xmlns:a="http://schemas.openxmlformats.org/drawingml/2006/main" xmlns:r="http://schemas.openxmlformats.org/officeDocument/2006/relationships" xmlns:p="http://schemas.openxmlformats.org/presentationml/2006/main">
   <p:cSld>
     <p:spTree>
@@ -19770,240 +21054,6 @@
 </p:sld>
 </file>
 
-<file path=ppt/slides/slide5.xml><?xml version="1.0" encoding="utf-8"?>
-<p:sld xmlns:a="http://schemas.openxmlformats.org/drawingml/2006/main" xmlns:r="http://schemas.openxmlformats.org/officeDocument/2006/relationships" xmlns:p="http://schemas.openxmlformats.org/presentationml/2006/main">
-  <p:cSld>
-    <p:spTree>
-      <p:nvGrpSpPr>
-        <p:cNvPr id="1" name=""/>
-        <p:cNvGrpSpPr/>
-        <p:nvPr/>
-      </p:nvGrpSpPr>
-      <p:grpSpPr>
-        <a:xfrm>
-          <a:off x="0" y="0"/>
-          <a:ext cx="0" cy="0"/>
-          <a:chOff x="0" y="0"/>
-          <a:chExt cx="0" cy="0"/>
-        </a:xfrm>
-      </p:grpSpPr>
-      <p:sp>
-        <p:nvSpPr>
-          <p:cNvPr id="2" name="제목 1"/>
-          <p:cNvSpPr>
-            <a:spLocks noGrp="1"/>
-          </p:cNvSpPr>
-          <p:nvPr>
-            <p:ph type="title"/>
-          </p:nvPr>
-        </p:nvSpPr>
-        <p:spPr>
-          <a:xfrm>
-            <a:off x="467544" y="476672"/>
-            <a:ext cx="8229600" cy="960438"/>
-          </a:xfrm>
-        </p:spPr>
-        <p:txBody>
-          <a:bodyPr/>
-          <a:lstStyle/>
-          <a:p>
-            <a:r>
-              <a:rPr lang="en-US" altLang="ko-KR" dirty="0"/>
-              <a:t>Transaction</a:t>
-            </a:r>
-            <a:endParaRPr lang="ko-KR" altLang="en-US" dirty="0"/>
-          </a:p>
-        </p:txBody>
-      </p:sp>
-      <p:sp>
-        <p:nvSpPr>
-          <p:cNvPr id="3" name="내용 개체 틀 2"/>
-          <p:cNvSpPr>
-            <a:spLocks noGrp="1"/>
-          </p:cNvSpPr>
-          <p:nvPr>
-            <p:ph idx="1"/>
-          </p:nvPr>
-        </p:nvSpPr>
-        <p:spPr>
-          <a:xfrm>
-            <a:off x="457200" y="1600201"/>
-            <a:ext cx="8219256" cy="4493096"/>
-          </a:xfrm>
-        </p:spPr>
-        <p:txBody>
-          <a:bodyPr/>
-          <a:lstStyle/>
-          <a:p>
-            <a:r>
-              <a:rPr lang="en-US" altLang="ko-KR" sz="2400" dirty="0"/>
-              <a:t>Transaction processing: a processing that is divided into individual,  indivisible operations.</a:t>
-            </a:r>
-          </a:p>
-          <a:p>
-            <a:r>
-              <a:rPr lang="en-US" altLang="ko-KR" sz="2400" dirty="0"/>
-              <a:t>Transaction processing:</a:t>
-            </a:r>
-          </a:p>
-          <a:p>
-            <a:pPr lvl="1"/>
-            <a:r>
-              <a:rPr lang="en-US" altLang="ko-KR" sz="2000" dirty="0"/>
-              <a:t>BEGIN_TRANACTION</a:t>
-            </a:r>
-          </a:p>
-          <a:p>
-            <a:pPr marL="457200" lvl="1" indent="0">
-              <a:buNone/>
-            </a:pPr>
-            <a:r>
-              <a:rPr lang="en-US" altLang="ko-KR" sz="2000" dirty="0"/>
-              <a:t>    	reserve Seoul-Tokyo;</a:t>
-            </a:r>
-          </a:p>
-          <a:p>
-            <a:pPr marL="457200" lvl="1" indent="0">
-              <a:buNone/>
-            </a:pPr>
-            <a:r>
-              <a:rPr lang="en-US" altLang="ko-KR" sz="2000" dirty="0"/>
-              <a:t>	reserve Tokyo-Rio;</a:t>
-            </a:r>
-          </a:p>
-          <a:p>
-            <a:pPr marL="457200" lvl="1" indent="0">
-              <a:buNone/>
-            </a:pPr>
-            <a:r>
-              <a:rPr lang="en-US" altLang="ko-KR" sz="2000" dirty="0"/>
-              <a:t> 	reserve Rio-</a:t>
-            </a:r>
-            <a:r>
-              <a:rPr lang="en-US" altLang="ko-KR" sz="2000" dirty="0" err="1"/>
-              <a:t>Bouenos</a:t>
-            </a:r>
-            <a:r>
-              <a:rPr lang="en-US" altLang="ko-KR" sz="2000" dirty="0"/>
-              <a:t>;</a:t>
-            </a:r>
-          </a:p>
-          <a:p>
-            <a:pPr marL="457200" lvl="1" indent="0">
-              <a:buNone/>
-            </a:pPr>
-            <a:r>
-              <a:rPr lang="en-US" altLang="ko-KR" sz="2000" dirty="0"/>
-              <a:t>   END_TRANSACTION</a:t>
-            </a:r>
-            <a:endParaRPr lang="ko-KR" altLang="en-US" sz="2000" dirty="0"/>
-          </a:p>
-        </p:txBody>
-      </p:sp>
-      <p:sp>
-        <p:nvSpPr>
-          <p:cNvPr id="5" name="TextBox 4"/>
-          <p:cNvSpPr txBox="1"/>
-          <p:nvPr/>
-        </p:nvSpPr>
-        <p:spPr>
-          <a:xfrm>
-            <a:off x="3635896" y="2951705"/>
-            <a:ext cx="5616624" cy="1631216"/>
-          </a:xfrm>
-          <a:prstGeom prst="rect">
-            <a:avLst/>
-          </a:prstGeom>
-          <a:noFill/>
-        </p:spPr>
-        <p:txBody>
-          <a:bodyPr wrap="square" rtlCol="0">
-            <a:spAutoFit/>
-          </a:bodyPr>
-          <a:lstStyle/>
-          <a:p>
-            <a:pPr lvl="1"/>
-            <a:r>
-              <a:rPr lang="en-US" altLang="ko-KR" sz="2000" dirty="0"/>
-              <a:t>BEGIN_TRANACTION</a:t>
-            </a:r>
-          </a:p>
-          <a:p>
-            <a:pPr lvl="1"/>
-            <a:r>
-              <a:rPr lang="en-US" altLang="ko-KR" sz="2000" dirty="0"/>
-              <a:t>    	reserve Seoul-Tokyo;</a:t>
-            </a:r>
-          </a:p>
-          <a:p>
-            <a:pPr lvl="1"/>
-            <a:r>
-              <a:rPr lang="en-US" altLang="ko-KR" sz="2000" dirty="0"/>
-              <a:t>	reserve Tokyo-Rio;</a:t>
-            </a:r>
-          </a:p>
-          <a:p>
-            <a:pPr lvl="1"/>
-            <a:r>
-              <a:rPr lang="en-US" altLang="ko-KR" sz="2000" dirty="0"/>
-              <a:t> 	reserve Rio-</a:t>
-            </a:r>
-            <a:r>
-              <a:rPr lang="en-US" altLang="ko-KR" sz="2000" dirty="0" err="1"/>
-              <a:t>Bouenos</a:t>
-            </a:r>
-            <a:r>
-              <a:rPr lang="en-US" altLang="ko-KR" sz="2000" dirty="0"/>
-              <a:t>: </a:t>
-            </a:r>
-            <a:r>
-              <a:rPr lang="en-US" altLang="ko-KR" sz="2000" dirty="0" err="1">
-                <a:solidFill>
-                  <a:srgbClr val="FF0000"/>
-                </a:solidFill>
-              </a:rPr>
-              <a:t>NotAvailable</a:t>
-            </a:r>
-            <a:r>
-              <a:rPr lang="en-US" altLang="ko-KR" sz="2000" dirty="0"/>
-              <a:t>;</a:t>
-            </a:r>
-          </a:p>
-          <a:p>
-            <a:pPr lvl="1"/>
-            <a:r>
-              <a:rPr lang="en-US" altLang="ko-KR" sz="2000" dirty="0"/>
-              <a:t>      =&gt; </a:t>
-            </a:r>
-            <a:r>
-              <a:rPr lang="en-US" altLang="ko-KR" sz="2000" dirty="0">
-                <a:solidFill>
-                  <a:srgbClr val="FF0000"/>
-                </a:solidFill>
-              </a:rPr>
-              <a:t>ABORT_TRANSACTION;</a:t>
-            </a:r>
-            <a:endParaRPr lang="ko-KR" altLang="en-US" sz="2000" dirty="0">
-              <a:solidFill>
-                <a:srgbClr val="FF0000"/>
-              </a:solidFill>
-            </a:endParaRPr>
-          </a:p>
-        </p:txBody>
-      </p:sp>
-    </p:spTree>
-    <p:extLst>
-      <p:ext uri="{BB962C8B-B14F-4D97-AF65-F5344CB8AC3E}">
-        <p14:creationId xmlns:p14="http://schemas.microsoft.com/office/powerpoint/2010/main" val="3749585122"/>
-      </p:ext>
-    </p:extLst>
-  </p:cSld>
-  <p:clrMapOvr>
-    <a:masterClrMapping/>
-  </p:clrMapOvr>
-</p:sld>
-</file>
-
 <file path=ppt/slides/slide6.xml><?xml version="1.0" encoding="utf-8"?>
 <p:sld xmlns:a="http://schemas.openxmlformats.org/drawingml/2006/main" xmlns:r="http://schemas.openxmlformats.org/officeDocument/2006/relationships" xmlns:p="http://schemas.openxmlformats.org/presentationml/2006/main">
   <p:cSld>
@@ -20059,8 +21109,20 @@
           <a:bodyPr/>
           <a:lstStyle/>
           <a:p>
-            <a:r>
-              <a:rPr lang="en-US" altLang="ko-KR" dirty="0"/>
+            <a:pPr marL="0" indent="0">
+              <a:buNone/>
+            </a:pPr>
+            <a:r>
+              <a:rPr lang="en-US" altLang="ko-KR" sz="2000" dirty="0"/>
+              <a:t>1. Statically (1D,2D,3D)</a:t>
+            </a:r>
+          </a:p>
+          <a:p>
+            <a:pPr marL="0" indent="0">
+              <a:buNone/>
+            </a:pPr>
+            <a:r>
+              <a:rPr lang="en-US" altLang="ko-KR" sz="2000" dirty="0"/>
               <a:t>If declared inside a kernel,</a:t>
             </a:r>
           </a:p>
@@ -20069,15 +21131,15 @@
               <a:buNone/>
             </a:pPr>
             <a:r>
-              <a:rPr lang="en-US" altLang="ko-KR" dirty="0"/>
+              <a:rPr lang="en-US" altLang="ko-KR" sz="2000" dirty="0"/>
               <a:t>	__shared__ float A[</a:t>
             </a:r>
             <a:r>
-              <a:rPr lang="en-US" altLang="ko-KR" dirty="0" err="1"/>
+              <a:rPr lang="en-US" altLang="ko-KR" sz="2000" dirty="0" err="1"/>
               <a:t>i</a:t>
             </a:r>
             <a:r>
-              <a:rPr lang="en-US" altLang="ko-KR" dirty="0"/>
+              <a:rPr lang="en-US" altLang="ko-KR" sz="2000" dirty="0"/>
               <a:t>][j];</a:t>
             </a:r>
           </a:p>
@@ -20086,13 +21148,16 @@
               <a:buNone/>
             </a:pPr>
             <a:r>
-              <a:rPr lang="en-US" altLang="ko-KR" dirty="0"/>
-              <a:t>   the scope of A is local to the kernel.</a:t>
-            </a:r>
-          </a:p>
-          <a:p>
-            <a:r>
-              <a:rPr lang="en-US" altLang="ko-KR" dirty="0"/>
+              <a:rPr lang="en-US" altLang="ko-KR" sz="2000" dirty="0"/>
+              <a:t>  the scope of A is local to the kernel.</a:t>
+            </a:r>
+          </a:p>
+          <a:p>
+            <a:pPr marL="0" indent="0">
+              <a:buNone/>
+            </a:pPr>
+            <a:r>
+              <a:rPr lang="en-US" altLang="ko-KR" sz="2000" dirty="0"/>
               <a:t>If declared outside of any kernel, the scope of the variable is global to all kernels, or </a:t>
             </a:r>
           </a:p>
@@ -20101,20 +21166,85 @@
               <a:buNone/>
             </a:pPr>
             <a:r>
-              <a:rPr lang="en-US" altLang="ko-KR" dirty="0"/>
+              <a:rPr lang="en-US" altLang="ko-KR" sz="2000" dirty="0"/>
               <a:t>    	extern __shared__ float B[</a:t>
             </a:r>
             <a:r>
-              <a:rPr lang="en-US" altLang="ko-KR" dirty="0" err="1"/>
+              <a:rPr lang="en-US" altLang="ko-KR" sz="2000" dirty="0" err="1"/>
               <a:t>i</a:t>
             </a:r>
             <a:r>
-              <a:rPr lang="en-US" altLang="ko-KR" dirty="0"/>
+              <a:rPr lang="en-US" altLang="ko-KR" sz="2000" dirty="0"/>
               <a:t>];</a:t>
             </a:r>
           </a:p>
           <a:p>
-            <a:endParaRPr lang="ko-KR" altLang="en-US" dirty="0"/>
+            <a:pPr marL="0" indent="0">
+              <a:buNone/>
+            </a:pPr>
+            <a:r>
+              <a:rPr lang="en-US" altLang="ko-KR" sz="2000" dirty="0"/>
+              <a:t>2. Dynamically (1D)</a:t>
+            </a:r>
+          </a:p>
+          <a:p>
+            <a:pPr marL="0" indent="0">
+              <a:buNone/>
+            </a:pPr>
+            <a:r>
+              <a:rPr lang="en-US" altLang="ko-KR" sz="2000" dirty="0"/>
+              <a:t>extern __shared__ </a:t>
+            </a:r>
+            <a:r>
+              <a:rPr lang="en-US" altLang="ko-KR" sz="2000" dirty="0" err="1"/>
+              <a:t>int</a:t>
+            </a:r>
+            <a:r>
+              <a:rPr lang="en-US" altLang="ko-KR" sz="2000" dirty="0"/>
+              <a:t> tile[]; </a:t>
+            </a:r>
+            <a:br>
+              <a:rPr lang="en-US" altLang="ko-KR" sz="2000" dirty="0"/>
+            </a:br>
+            <a:r>
+              <a:rPr lang="en-US" altLang="ko-KR" sz="2000" dirty="0"/>
+              <a:t>Because the size of this array is unknown at compile-time, you need to dynamically allocate shared memory at each kernel invocation by specifying the desired size in bytes as a third argument inside the triple angled brackets, as follows:</a:t>
+            </a:r>
+            <a:br>
+              <a:rPr lang="en-US" altLang="ko-KR" sz="2000" dirty="0"/>
+            </a:br>
+            <a:r>
+              <a:rPr lang="en-US" altLang="ko-KR" sz="2000" dirty="0"/>
+              <a:t>kernel&lt;&lt;&lt;grid, block, </a:t>
+            </a:r>
+            <a:r>
+              <a:rPr lang="en-US" altLang="ko-KR" sz="2000" dirty="0" err="1"/>
+              <a:t>isize</a:t>
+            </a:r>
+            <a:r>
+              <a:rPr lang="en-US" altLang="ko-KR" sz="2000" dirty="0"/>
+              <a:t> * </a:t>
+            </a:r>
+            <a:r>
+              <a:rPr lang="en-US" altLang="ko-KR" sz="2000" dirty="0" err="1"/>
+              <a:t>sizeof</a:t>
+            </a:r>
+            <a:r>
+              <a:rPr lang="en-US" altLang="ko-KR" sz="2000" dirty="0"/>
+              <a:t>(</a:t>
+            </a:r>
+            <a:r>
+              <a:rPr lang="en-US" altLang="ko-KR" sz="2000" dirty="0" err="1"/>
+              <a:t>int</a:t>
+            </a:r>
+            <a:r>
+              <a:rPr lang="en-US" altLang="ko-KR" sz="2000" dirty="0"/>
+              <a:t>)&gt;&gt;&gt;(...) </a:t>
+            </a:r>
+            <a:br>
+              <a:rPr lang="en-US" altLang="ko-KR" sz="2000" dirty="0"/>
+            </a:br>
+            <a:endParaRPr lang="en-US" altLang="ko-KR" sz="2000" dirty="0"/>
           </a:p>
         </p:txBody>
       </p:sp>
@@ -20885,8 +22015,8 @@
         </p:nvSpPr>
         <p:spPr>
           <a:xfrm>
-            <a:off x="457200" y="1628800"/>
-            <a:ext cx="8229600" cy="4896544"/>
+            <a:off x="107504" y="1628800"/>
+            <a:ext cx="8784976" cy="4896544"/>
           </a:xfrm>
         </p:spPr>
         <p:txBody>
@@ -20916,10 +22046,14 @@
             </a:pPr>
             <a:r>
               <a:rPr lang="en-US" altLang="ko-KR" sz="2400" dirty="0"/>
-              <a:t>	-</a:t>
-            </a:r>
-            <a:r>
-              <a:rPr lang="en-US" altLang="ko-KR" sz="2400" dirty="0">
+              <a:t>	</a:t>
+            </a:r>
+            <a:r>
+              <a:rPr lang="en-US" altLang="ko-KR" sz="2000" dirty="0"/>
+              <a:t>-</a:t>
+            </a:r>
+            <a:r>
+              <a:rPr lang="en-US" altLang="ko-KR" sz="2000" dirty="0">
                 <a:solidFill>
                   <a:srgbClr val="00B050"/>
                 </a:solidFill>
@@ -20927,8 +22061,8 @@
               <a:t>Parallel access</a:t>
             </a:r>
             <a:r>
-              <a:rPr lang="en-US" altLang="ko-KR" sz="2400" dirty="0"/>
-              <a:t>:</a:t>
+              <a:rPr lang="en-US" altLang="ko-KR" sz="2000" dirty="0"/>
+              <a:t>: multiple addresses accessed across multiple banks </a:t>
             </a:r>
           </a:p>
           <a:p>
@@ -20936,11 +22070,11 @@
               <a:buNone/>
             </a:pPr>
             <a:r>
-              <a:rPr lang="en-US" altLang="ko-KR" sz="2400" dirty="0"/>
+              <a:rPr lang="en-US" altLang="ko-KR" sz="2000" dirty="0"/>
               <a:t>	-</a:t>
             </a:r>
             <a:r>
-              <a:rPr lang="en-US" altLang="ko-KR" sz="2400" dirty="0">
+              <a:rPr lang="en-US" altLang="ko-KR" sz="2000" dirty="0">
                 <a:solidFill>
                   <a:srgbClr val="00B050"/>
                 </a:solidFill>
@@ -20948,7 +22082,7 @@
               <a:t>Serial access</a:t>
             </a:r>
             <a:r>
-              <a:rPr lang="en-US" altLang="ko-KR" sz="2400" dirty="0"/>
+              <a:rPr lang="en-US" altLang="ko-KR" sz="2000" dirty="0"/>
               <a:t>: When multiple addresses accessed within 	the same bank, the request must be serialized.</a:t>
             </a:r>
           </a:p>
@@ -20957,11 +22091,11 @@
               <a:buNone/>
             </a:pPr>
             <a:r>
-              <a:rPr lang="en-US" altLang="ko-KR" sz="2400" dirty="0"/>
+              <a:rPr lang="en-US" altLang="ko-KR" sz="2000" dirty="0"/>
               <a:t>	-</a:t>
             </a:r>
             <a:r>
-              <a:rPr lang="en-US" altLang="ko-KR" sz="2400" dirty="0">
+              <a:rPr lang="en-US" altLang="ko-KR" sz="2000" dirty="0">
                 <a:solidFill>
                   <a:srgbClr val="00B050"/>
                 </a:solidFill>
@@ -20969,10 +22103,13 @@
               <a:t>Broadcast access</a:t>
             </a:r>
             <a:r>
-              <a:rPr lang="en-US" altLang="ko-KR" sz="2400" dirty="0"/>
-              <a:t>: All threads in a warp read the same 	address within a single bank. One memory access 	transaction is executed and the accessed word is 	broadcast to all requesting threads.</a:t>
-            </a:r>
-            <a:endParaRPr lang="ko-KR" altLang="en-US" sz="2400" dirty="0"/>
+              <a:rPr lang="en-US" altLang="ko-KR" sz="2000" dirty="0"/>
+              <a:t>: All threads in a warp read the same address within a single bank. One memory access transaction is executed and the accessed word is broadcast to all requesting threads. bandwidth utilization is poor because only a small number of bytes are read. </a:t>
+            </a:r>
+            <a:br>
+              <a:rPr lang="en-US" altLang="ko-KR" sz="2000" dirty="0"/>
+            </a:br>
+            <a:endParaRPr lang="ko-KR" altLang="en-US" sz="2000" dirty="0"/>
           </a:p>
         </p:txBody>
       </p:sp>

--- a/gpu/EE817 Lecture 7 CUDA Shared Memory.pptx
+++ b/gpu/EE817 Lecture 7 CUDA Shared Memory.pptx
@@ -209,6 +209,10 @@
 </p:presentation>
 </file>
 
+<file path=ppt/revisionInfo.xml><?xml version="1.0" encoding="utf-8"?>
+<p1510:revInfo xmlns:a="http://schemas.openxmlformats.org/drawingml/2006/main" xmlns:r="http://schemas.openxmlformats.org/officeDocument/2006/relationships" xmlns:p1510="http://schemas.microsoft.com/office/powerpoint/2015/10/main"/>
+</file>
+
 <file path=ppt/handoutMasters/handoutMaster1.xml><?xml version="1.0" encoding="utf-8"?>
 <p:handoutMaster xmlns:a="http://schemas.openxmlformats.org/drawingml/2006/main" xmlns:r="http://schemas.openxmlformats.org/officeDocument/2006/relationships" xmlns:p="http://schemas.openxmlformats.org/presentationml/2006/main">
   <p:cSld>
@@ -291,7 +295,7 @@
           <a:p>
             <a:fld id="{0958D145-3F61-4970-8B92-DDA610F3EB4F}" type="datetimeFigureOut">
               <a:rPr lang="ko-KR" altLang="en-US" smtClean="0"/>
-              <a:t>2017-04-19</a:t>
+              <a:t>2017-06-14</a:t>
             </a:fld>
             <a:endParaRPr lang="ko-KR" altLang="en-US" dirty="0"/>
           </a:p>
@@ -486,7 +490,7 @@
               <a:pPr>
                 <a:defRPr/>
               </a:pPr>
-              <a:t>2017-04-19</a:t>
+              <a:t>2017-06-14</a:t>
             </a:fld>
             <a:endParaRPr lang="ko-KR" altLang="en-US" dirty="0"/>
           </a:p>
@@ -1348,7 +1352,7 @@
               <a:pPr>
                 <a:defRPr/>
               </a:pPr>
-              <a:t>4/19/2017</a:t>
+              <a:t>6/14/2017</a:t>
             </a:fld>
             <a:endParaRPr lang="en-US" altLang="ko-KR" dirty="0"/>
           </a:p>
@@ -1550,7 +1554,7 @@
               <a:pPr>
                 <a:defRPr/>
               </a:pPr>
-              <a:t>4/19/2017</a:t>
+              <a:t>6/14/2017</a:t>
             </a:fld>
             <a:endParaRPr lang="en-US" altLang="ko-KR" dirty="0"/>
           </a:p>
@@ -1983,7 +1987,7 @@
               <a:pPr>
                 <a:defRPr/>
               </a:pPr>
-              <a:t>4/19/2017</a:t>
+              <a:t>6/14/2017</a:t>
             </a:fld>
             <a:endParaRPr lang="en-US" altLang="ko-KR" dirty="0"/>
           </a:p>
@@ -2180,7 +2184,7 @@
               <a:pPr>
                 <a:defRPr/>
               </a:pPr>
-              <a:t>4/19/2017</a:t>
+              <a:t>6/14/2017</a:t>
             </a:fld>
             <a:endParaRPr lang="en-US" altLang="ko-KR" dirty="0"/>
           </a:p>
@@ -2695,7 +2699,7 @@
               <a:pPr>
                 <a:defRPr/>
               </a:pPr>
-              <a:t>4/19/2017</a:t>
+              <a:t>6/14/2017</a:t>
             </a:fld>
             <a:endParaRPr lang="en-US" altLang="ko-KR" dirty="0"/>
           </a:p>
@@ -3010,7 +3014,7 @@
               <a:pPr>
                 <a:defRPr/>
               </a:pPr>
-              <a:t>4/19/2017</a:t>
+              <a:t>6/14/2017</a:t>
             </a:fld>
             <a:endParaRPr lang="en-US" altLang="ko-KR" dirty="0"/>
           </a:p>
@@ -3513,7 +3517,7 @@
               <a:pPr>
                 <a:defRPr/>
               </a:pPr>
-              <a:t>4/19/2017</a:t>
+              <a:t>6/14/2017</a:t>
             </a:fld>
             <a:endParaRPr lang="en-US" altLang="ko-KR" dirty="0"/>
           </a:p>
@@ -3901,7 +3905,7 @@
               <a:pPr>
                 <a:defRPr/>
               </a:pPr>
-              <a:t>4/19/2017</a:t>
+              <a:t>6/14/2017</a:t>
             </a:fld>
             <a:endParaRPr lang="en-US" altLang="ko-KR" dirty="0"/>
           </a:p>
@@ -4359,7 +4363,7 @@
               <a:pPr>
                 <a:defRPr/>
               </a:pPr>
-              <a:t>4/19/2017</a:t>
+              <a:t>6/14/2017</a:t>
             </a:fld>
             <a:endParaRPr lang="en-US" altLang="ko-KR" dirty="0"/>
           </a:p>
@@ -4657,7 +4661,7 @@
               <a:pPr>
                 <a:defRPr/>
               </a:pPr>
-              <a:t>4/19/2017</a:t>
+              <a:t>6/14/2017</a:t>
             </a:fld>
             <a:endParaRPr lang="en-US" altLang="ko-KR" dirty="0"/>
           </a:p>
@@ -4987,7 +4991,7 @@
               <a:pPr>
                 <a:defRPr/>
               </a:pPr>
-              <a:t>4/19/2017</a:t>
+              <a:t>6/14/2017</a:t>
             </a:fld>
             <a:endParaRPr lang="en-US" altLang="ko-KR" dirty="0"/>
           </a:p>
@@ -5505,7 +5509,7 @@
               <a:pPr>
                 <a:defRPr/>
               </a:pPr>
-              <a:t>4/19/2017</a:t>
+              <a:t>6/14/2017</a:t>
             </a:fld>
             <a:endParaRPr lang="en-US" altLang="ko-KR" dirty="0"/>
           </a:p>
@@ -6461,7 +6465,12 @@
             <p:ph idx="1"/>
           </p:nvPr>
         </p:nvSpPr>
-        <p:spPr/>
+        <p:spPr>
+          <a:xfrm>
+            <a:off x="457200" y="1600200"/>
+            <a:ext cx="8229600" cy="5257800"/>
+          </a:xfrm>
+        </p:spPr>
         <p:txBody>
           <a:bodyPr/>
           <a:lstStyle/>
@@ -6531,24 +6540,7 @@
             </a:pPr>
             <a:r>
               <a:rPr lang="en-US" altLang="ko-KR" sz="2000" dirty="0"/>
-              <a:t>Bank conflict does not occur when two threads from the same warp access the same address</a:t>
-            </a:r>
-          </a:p>
-          <a:p>
-            <a:pPr marL="0" indent="0">
-              <a:buNone/>
-            </a:pPr>
-            <a:r>
-              <a:rPr lang="en-US" altLang="ko-KR" sz="2000" dirty="0"/>
-              <a:t>for read accesses, the word is broadcast to the requesting threads, and for write accesses, the word is written by only one of the threads — which thread performs the write is </a:t>
-            </a:r>
-            <a:r>
-              <a:rPr lang="en-US" altLang="ko-KR" sz="2000" dirty="0" err="1"/>
-              <a:t>undefned</a:t>
-            </a:r>
-            <a:r>
-              <a:rPr lang="en-US" altLang="ko-KR" sz="2000" dirty="0"/>
-              <a:t> </a:t>
+              <a:t>Bank conflict does not occur when two threads from the same warp access the same address for read accesses, the word is broadcast to the requesting threads, and for write accesses, the word is written by only one of the threads which thread performs the write is undefined </a:t>
             </a:r>
             <a:br>
               <a:rPr lang="en-US" altLang="ko-KR" sz="2400" dirty="0"/>
@@ -8448,15 +8440,7 @@
             </a:r>
             <a:r>
               <a:rPr lang="en-US" altLang="ko-KR" sz="1800" dirty="0"/>
-              <a:t> is called, each thread in the same thread block must wait until all other threads in that thread block have reached this synchronization point. All global and shared memory accesses made by all threads prior to this barrier will be visible to all other threads in the </a:t>
-            </a:r>
-            <a:r>
-              <a:rPr lang="en-US" altLang="ko-KR" sz="1800" dirty="0" err="1"/>
-              <a:t>threadblock</a:t>
-            </a:r>
-            <a:r>
-              <a:rPr lang="en-US" altLang="ko-KR" sz="1800" dirty="0"/>
-              <a:t> after the barrier. </a:t>
+              <a:t> is called, each thread in the same thread block must wait until all other threads in that thread block have reached this synchronization point. All global and shared memory accesses made by all threads prior to this barrier will be visible to all other threads in the thread block after the barrier. </a:t>
             </a:r>
           </a:p>
           <a:p>
@@ -11302,7 +11286,12 @@
             <p:ph idx="1"/>
           </p:nvPr>
         </p:nvSpPr>
-        <p:spPr/>
+        <p:spPr>
+          <a:xfrm>
+            <a:off x="457200" y="1600200"/>
+            <a:ext cx="8229600" cy="5257800"/>
+          </a:xfrm>
+        </p:spPr>
         <p:txBody>
           <a:bodyPr/>
           <a:lstStyle/>
@@ -13181,7 +13170,12 @@
             <p:ph idx="1"/>
           </p:nvPr>
         </p:nvSpPr>
-        <p:spPr/>
+        <p:spPr>
+          <a:xfrm>
+            <a:off x="457200" y="1600200"/>
+            <a:ext cx="8229600" cy="5141168"/>
+          </a:xfrm>
+        </p:spPr>
         <p:txBody>
           <a:bodyPr/>
           <a:lstStyle/>
@@ -18110,7 +18104,12 @@
             <p:ph idx="1"/>
           </p:nvPr>
         </p:nvSpPr>
-        <p:spPr/>
+        <p:spPr>
+          <a:xfrm>
+            <a:off x="457200" y="1600200"/>
+            <a:ext cx="8229600" cy="5069160"/>
+          </a:xfrm>
+        </p:spPr>
         <p:txBody>
           <a:bodyPr/>
           <a:lstStyle/>
@@ -18247,7 +18246,7 @@
         <p:spPr>
           <a:xfrm>
             <a:off x="467544" y="1351309"/>
-            <a:ext cx="8229600" cy="4525963"/>
+            <a:ext cx="8229600" cy="5390059"/>
           </a:xfrm>
         </p:spPr>
         <p:txBody>
